--- a/KickOff-Praesentation/vorlage.pptx
+++ b/KickOff-Praesentation/vorlage.pptx
@@ -209,7 +209,8 @@
           <a:p>
             <a:fld id="{3AF138D4-E06A-4D92-B176-75A0C7906805}" type="datetimeFigureOut">
               <a:rPr lang="de-DE" smtClean="0"/>
-              <a:t>01.05.2012</a:t>
+              <a:pPr/>
+              <a:t>02.05.2012</a:t>
             </a:fld>
             <a:endParaRPr lang="de-DE"/>
           </a:p>
@@ -370,6 +371,7 @@
           <a:p>
             <a:fld id="{056996A9-8FFD-40B4-9651-8554E5B9B1F1}" type="slidenum">
               <a:rPr lang="de-DE" smtClean="0"/>
+              <a:pPr/>
               <a:t>‹Nr.›</a:t>
             </a:fld>
             <a:endParaRPr lang="de-DE"/>
@@ -3199,6 +3201,72 @@
           </a:p>
         </p:txBody>
       </p:sp>
+      <p:pic>
+        <p:nvPicPr>
+          <p:cNvPr id="31751" name="Picture 7"/>
+          <p:cNvPicPr>
+            <a:picLocks noChangeAspect="1" noChangeArrowheads="1"/>
+          </p:cNvPicPr>
+          <p:nvPr userDrawn="1"/>
+        </p:nvPicPr>
+        <p:blipFill>
+          <a:blip r:embed="rId13" cstate="print"/>
+          <a:srcRect/>
+          <a:stretch>
+            <a:fillRect/>
+          </a:stretch>
+        </p:blipFill>
+        <p:spPr bwMode="auto">
+          <a:xfrm>
+            <a:off x="7956376" y="94862"/>
+            <a:ext cx="1111567" cy="741850"/>
+          </a:xfrm>
+          <a:prstGeom prst="rect">
+            <a:avLst/>
+          </a:prstGeom>
+          <a:noFill/>
+          <a:ln w="9525">
+            <a:noFill/>
+            <a:miter lim="800000"/>
+            <a:headEnd/>
+            <a:tailEnd/>
+          </a:ln>
+          <a:effectLst/>
+        </p:spPr>
+      </p:pic>
+      <p:pic>
+        <p:nvPicPr>
+          <p:cNvPr id="31755" name="Picture 11"/>
+          <p:cNvPicPr>
+            <a:picLocks noChangeAspect="1" noChangeArrowheads="1"/>
+          </p:cNvPicPr>
+          <p:nvPr userDrawn="1"/>
+        </p:nvPicPr>
+        <p:blipFill>
+          <a:blip r:embed="rId14" cstate="print"/>
+          <a:srcRect/>
+          <a:stretch>
+            <a:fillRect/>
+          </a:stretch>
+        </p:blipFill>
+        <p:spPr bwMode="auto">
+          <a:xfrm>
+            <a:off x="6372200" y="188640"/>
+            <a:ext cx="1685048" cy="589979"/>
+          </a:xfrm>
+          <a:prstGeom prst="rect">
+            <a:avLst/>
+          </a:prstGeom>
+          <a:noFill/>
+          <a:ln w="9525">
+            <a:noFill/>
+            <a:miter lim="800000"/>
+            <a:headEnd/>
+            <a:tailEnd/>
+          </a:ln>
+          <a:effectLst/>
+        </p:spPr>
+      </p:pic>
     </p:spTree>
   </p:cSld>
   <p:clrMap bg1="lt1" tx1="dk1" bg2="lt2" tx2="dk2" accent1="accent1" accent2="accent2" accent3="accent3" accent4="accent4" accent5="accent5" accent6="accent6" hlink="hlink" folHlink="folHlink"/>
@@ -3498,7 +3566,7 @@
         </p:nvSpPr>
         <p:spPr>
           <a:xfrm>
-            <a:off x="611560" y="1628800"/>
+            <a:off x="611560" y="1412776"/>
             <a:ext cx="7772400" cy="1656184"/>
           </a:xfrm>
         </p:spPr>
@@ -3510,7 +3578,15 @@
           <a:p>
             <a:r>
               <a:rPr lang="de-DE" dirty="0" smtClean="0"/>
-              <a:t>Lösungsansätze für Applikationen zur Erleichterung des Intermodalen Reisens bei der </a:t>
+              <a:t>Lösungsansätze für Applikationen zur Erleichterung des </a:t>
+            </a:r>
+            <a:r>
+              <a:rPr lang="de-DE" dirty="0" smtClean="0"/>
+              <a:t>intermodalen </a:t>
+            </a:r>
+            <a:r>
+              <a:rPr lang="de-DE" dirty="0" smtClean="0"/>
+              <a:t>Reisens bei der </a:t>
             </a:r>
             <a:r>
               <a:rPr lang="de-DE" dirty="0" err="1" smtClean="0"/>
@@ -3532,59 +3608,69 @@
         </p:nvSpPr>
         <p:spPr>
           <a:xfrm>
-            <a:off x="1187624" y="3789040"/>
-            <a:ext cx="6400800" cy="2376264"/>
+            <a:off x="611560" y="3789040"/>
+            <a:ext cx="7920880" cy="2376264"/>
           </a:xfrm>
         </p:spPr>
         <p:txBody>
           <a:bodyPr>
-            <a:normAutofit fontScale="92500" lnSpcReduction="20000"/>
+            <a:normAutofit fontScale="85000" lnSpcReduction="10000"/>
           </a:bodyPr>
           <a:lstStyle/>
           <a:p>
-            <a:pPr algn="l"/>
+            <a:r>
+              <a:rPr lang="de-DE" sz="2400" b="1" dirty="0" smtClean="0"/>
+              <a:t> – </a:t>
+            </a:r>
+            <a:r>
+              <a:rPr lang="de-DE" sz="2400" b="1" dirty="0" smtClean="0"/>
+              <a:t>Gruppe 1 – </a:t>
+            </a:r>
             <a:r>
               <a:rPr lang="de-DE" sz="2400" dirty="0" smtClean="0"/>
-              <a:t>Tom Bullmann, Andreas </a:t>
-            </a:r>
-            <a:r>
-              <a:rPr lang="de-DE" sz="2400" dirty="0" err="1" smtClean="0"/>
+              <a:t/>
+            </a:r>
+            <a:br>
+              <a:rPr lang="de-DE" sz="2400" dirty="0" smtClean="0"/>
+            </a:br>
+            <a:r>
+              <a:rPr lang="de-DE" sz="2400" i="1" dirty="0" smtClean="0"/>
+              <a:t>Tom </a:t>
+            </a:r>
+            <a:r>
+              <a:rPr lang="de-DE" sz="2400" i="1" dirty="0" smtClean="0"/>
+              <a:t>Bullmann, Andreas </a:t>
+            </a:r>
+            <a:r>
+              <a:rPr lang="de-DE" sz="2400" i="1" dirty="0" err="1" smtClean="0"/>
               <a:t>Nüßlein</a:t>
             </a:r>
             <a:r>
+              <a:rPr lang="de-DE" sz="2400" i="1" dirty="0" smtClean="0"/>
+              <a:t>, Sebastian Schulz, Tu Tran &amp; Mareike </a:t>
+            </a:r>
+            <a:r>
+              <a:rPr lang="de-DE" sz="2400" i="1" dirty="0" err="1" smtClean="0"/>
+              <a:t>Ziese</a:t>
+            </a:r>
+            <a:endParaRPr lang="de-DE" sz="2400" i="1" dirty="0" smtClean="0"/>
+          </a:p>
+          <a:p>
+            <a:endParaRPr lang="de-DE" sz="2400" dirty="0" smtClean="0"/>
+          </a:p>
+          <a:p>
+            <a:r>
               <a:rPr lang="de-DE" sz="2400" dirty="0" smtClean="0"/>
-              <a:t>, Sebastian Schulz, Tu Tran &amp; Mareike </a:t>
-            </a:r>
-            <a:r>
-              <a:rPr lang="de-DE" sz="2400" dirty="0" err="1" smtClean="0"/>
-              <a:t>Ziese</a:t>
-            </a:r>
-            <a:endParaRPr lang="de-DE" sz="2400" dirty="0" smtClean="0"/>
-          </a:p>
-          <a:p>
-            <a:pPr algn="l"/>
-            <a:endParaRPr lang="de-DE" sz="2400" dirty="0" smtClean="0"/>
-          </a:p>
-          <a:p>
-            <a:pPr algn="l"/>
-            <a:r>
-              <a:rPr lang="de-DE" sz="2400" dirty="0" smtClean="0"/>
-              <a:t>Freie Universität </a:t>
-            </a:r>
-            <a:r>
-              <a:rPr lang="de-DE" sz="2400" dirty="0" smtClean="0"/>
-              <a:t>Berlin</a:t>
-            </a:r>
-          </a:p>
-          <a:p>
-            <a:pPr algn="l"/>
+              <a:t>Freie Universität Berlin</a:t>
+            </a:r>
+          </a:p>
+          <a:p>
             <a:r>
               <a:rPr lang="de-DE" sz="2400" dirty="0" smtClean="0"/>
               <a:t>Softwareprojekt: Kundenprojekt Webtechnologien II</a:t>
             </a:r>
           </a:p>
           <a:p>
-            <a:pPr algn="l"/>
             <a:r>
               <a:rPr lang="de-DE" sz="2400" dirty="0" err="1" smtClean="0"/>
               <a:t>KickOff</a:t>
@@ -3595,15 +3681,12 @@
             </a:r>
           </a:p>
           <a:p>
-            <a:pPr algn="l"/>
             <a:r>
               <a:rPr lang="de-DE" sz="2400" dirty="0" smtClean="0"/>
               <a:t>Berlin, den 04.05.2012</a:t>
             </a:r>
-            <a:endParaRPr lang="de-DE" sz="2400" dirty="0" smtClean="0"/>
-          </a:p>
-          <a:p>
-            <a:pPr algn="l"/>
+          </a:p>
+          <a:p>
             <a:endParaRPr lang="de-DE" sz="2400" dirty="0" smtClean="0"/>
           </a:p>
         </p:txBody>
@@ -3717,11 +3800,7 @@
             <a:pPr lvl="1"/>
             <a:r>
               <a:rPr lang="de-DE" dirty="0" smtClean="0"/>
-              <a:t>MS1: </a:t>
-            </a:r>
-            <a:r>
-              <a:rPr lang="de-DE" dirty="0" smtClean="0"/>
-              <a:t>Paper </a:t>
+              <a:t>MS1: Paper </a:t>
             </a:r>
             <a:r>
               <a:rPr lang="de-DE" dirty="0" err="1" smtClean="0"/>
@@ -3733,17 +3812,8 @@
             <a:pPr lvl="1"/>
             <a:r>
               <a:rPr lang="de-DE" dirty="0" smtClean="0"/>
-              <a:t>MS2: </a:t>
-            </a:r>
-            <a:r>
-              <a:rPr lang="de-DE" dirty="0" smtClean="0"/>
-              <a:t>Webservice (Anmelden</a:t>
-            </a:r>
-            <a:r>
-              <a:rPr lang="de-DE" dirty="0" smtClean="0"/>
-              <a:t>, Listen, etc.)</a:t>
-            </a:r>
-            <a:endParaRPr lang="de-DE" dirty="0" smtClean="0"/>
+              <a:t>MS2: Webservice (Anmelden, Listen, etc.)</a:t>
+            </a:r>
           </a:p>
           <a:p>
             <a:pPr lvl="1"/>
@@ -3751,7 +3821,6 @@
               <a:rPr lang="de-DE" dirty="0" smtClean="0"/>
               <a:t>MS3: Taxierweiterung</a:t>
             </a:r>
-            <a:endParaRPr lang="de-DE" dirty="0" smtClean="0"/>
           </a:p>
           <a:p>
             <a:pPr lvl="1"/>
@@ -3767,23 +3836,13 @@
               <a:rPr lang="de-DE" dirty="0" smtClean="0"/>
               <a:t> </a:t>
             </a:r>
-            <a:endParaRPr lang="de-DE" dirty="0" smtClean="0"/>
           </a:p>
           <a:p>
             <a:pPr lvl="1"/>
             <a:r>
               <a:rPr lang="de-DE" dirty="0" smtClean="0"/>
-              <a:t>MS5: </a:t>
-            </a:r>
-            <a:r>
-              <a:rPr lang="de-DE" dirty="0" smtClean="0"/>
-              <a:t>Optimierung &amp; </a:t>
-            </a:r>
-            <a:r>
-              <a:rPr lang="de-DE" dirty="0" smtClean="0"/>
-              <a:t>Optionale Features</a:t>
-            </a:r>
-            <a:endParaRPr lang="de-DE" dirty="0" smtClean="0"/>
+              <a:t>MS5: Optimierung &amp; Optionale Features</a:t>
+            </a:r>
           </a:p>
         </p:txBody>
       </p:sp>
@@ -4235,7 +4294,7 @@
         <p:spPr>
           <a:xfrm>
             <a:off x="3707904" y="2420888"/>
-            <a:ext cx="1080120" cy="1008112"/>
+            <a:ext cx="1080120" cy="648072"/>
           </a:xfrm>
           <a:prstGeom prst="curvedDownArrow">
             <a:avLst/>
@@ -4299,7 +4358,7 @@
         </p:blipFill>
         <p:spPr bwMode="auto">
           <a:xfrm>
-            <a:off x="3491880" y="3140968"/>
+            <a:off x="3491880" y="2780928"/>
             <a:ext cx="1512168" cy="1512168"/>
           </a:xfrm>
           <a:prstGeom prst="rect">
@@ -4368,7 +4427,7 @@
         </p:nvSpPr>
         <p:spPr>
           <a:xfrm>
-            <a:off x="6228184" y="2564904"/>
+            <a:off x="6228184" y="2276872"/>
             <a:ext cx="1548437" cy="369332"/>
           </a:xfrm>
           <a:prstGeom prst="rect">
@@ -4416,7 +4475,7 @@
         </p:blipFill>
         <p:spPr bwMode="auto">
           <a:xfrm>
-            <a:off x="6444208" y="2924944"/>
+            <a:off x="6444208" y="2636912"/>
             <a:ext cx="1219200" cy="1219201"/>
           </a:xfrm>
           <a:prstGeom prst="rect">
@@ -4433,7 +4492,7 @@
         </p:nvSpPr>
         <p:spPr>
           <a:xfrm>
-            <a:off x="5220072" y="3356992"/>
+            <a:off x="5220072" y="3068960"/>
             <a:ext cx="648073" cy="216024"/>
           </a:xfrm>
           <a:prstGeom prst="rightArrow">
@@ -4485,7 +4544,7 @@
         </p:nvSpPr>
         <p:spPr>
           <a:xfrm rot="5400000">
-            <a:off x="6732240" y="4437113"/>
+            <a:off x="6732240" y="4149081"/>
             <a:ext cx="648073" cy="216024"/>
           </a:xfrm>
           <a:prstGeom prst="rightArrow">
@@ -4546,7 +4605,7 @@
         </p:blipFill>
         <p:spPr bwMode="auto">
           <a:xfrm>
-            <a:off x="6588224" y="5013176"/>
+            <a:off x="6588224" y="4725144"/>
             <a:ext cx="1008111" cy="1008112"/>
           </a:xfrm>
           <a:prstGeom prst="rect">
@@ -4584,7 +4643,22 @@
                   <a:schemeClr val="bg1"/>
                 </a:solidFill>
               </a:rPr>
-              <a:t>TODO Quellen	</a:t>
+              <a:t>[3], [28], [36], [38],</a:t>
+            </a:r>
+            <a:br>
+              <a:rPr lang="de-DE" sz="1400" dirty="0" smtClean="0">
+                <a:solidFill>
+                  <a:schemeClr val="bg1"/>
+                </a:solidFill>
+              </a:rPr>
+            </a:br>
+            <a:r>
+              <a:rPr lang="de-DE" sz="1400" dirty="0" smtClean="0">
+                <a:solidFill>
+                  <a:schemeClr val="bg1"/>
+                </a:solidFill>
+              </a:rPr>
+              <a:t>[39], [40], [41], [42]</a:t>
             </a:r>
             <a:endParaRPr lang="de-DE" sz="1400" dirty="0">
               <a:solidFill>
@@ -4599,6 +4673,13 @@
   <p:clrMapOvr>
     <a:masterClrMapping/>
   </p:clrMapOvr>
+  <p:timing>
+    <p:tnLst>
+      <p:par>
+        <p:cTn id="1" dur="indefinite" restart="never" nodeType="tmRoot"/>
+      </p:par>
+    </p:tnLst>
+  </p:timing>
 </p:sld>
 </file>
 
@@ -4778,6 +4859,13 @@
   <p:clrMapOvr>
     <a:masterClrMapping/>
   </p:clrMapOvr>
+  <p:timing>
+    <p:tnLst>
+      <p:par>
+        <p:cTn id="1" dur="indefinite" restart="never" nodeType="tmRoot"/>
+      </p:par>
+    </p:tnLst>
+  </p:timing>
 </p:sld>
 </file>
 
@@ -4845,11 +4933,7 @@
             <a:pPr lvl="1"/>
             <a:r>
               <a:rPr lang="de-DE" dirty="0" smtClean="0"/>
-              <a:t>MS1: </a:t>
-            </a:r>
-            <a:r>
-              <a:rPr lang="de-DE" dirty="0" smtClean="0"/>
-              <a:t>Paper </a:t>
+              <a:t>MS1: Paper </a:t>
             </a:r>
             <a:r>
               <a:rPr lang="de-DE" dirty="0" err="1" smtClean="0"/>
@@ -4863,7 +4947,6 @@
               <a:rPr lang="de-DE" dirty="0" smtClean="0"/>
               <a:t>MS2: Outlookexport der Termine</a:t>
             </a:r>
-            <a:endParaRPr lang="de-DE" dirty="0" smtClean="0"/>
           </a:p>
           <a:p>
             <a:pPr lvl="1"/>
@@ -4881,29 +4964,15 @@
             <a:pPr lvl="1"/>
             <a:r>
               <a:rPr lang="de-DE" dirty="0" smtClean="0"/>
-              <a:t>MS4:</a:t>
-            </a:r>
+              <a:t>MS4: Bugfixing, Export nach Excel</a:t>
+            </a:r>
+          </a:p>
+          <a:p>
+            <a:pPr lvl="1"/>
             <a:r>
               <a:rPr lang="de-DE" dirty="0" smtClean="0"/>
-              <a:t> Bugfixing, Export nach Excel</a:t>
-            </a:r>
-            <a:endParaRPr lang="de-DE" dirty="0" smtClean="0"/>
-          </a:p>
-          <a:p>
-            <a:pPr lvl="1"/>
-            <a:r>
-              <a:rPr lang="de-DE" dirty="0" smtClean="0"/>
-              <a:t>MS5: </a:t>
-            </a:r>
-            <a:r>
-              <a:rPr lang="de-DE" dirty="0" smtClean="0"/>
-              <a:t>Optimierung &amp; </a:t>
-            </a:r>
-            <a:r>
-              <a:rPr lang="de-DE" dirty="0" smtClean="0"/>
-              <a:t>Optionale Features</a:t>
-            </a:r>
-            <a:endParaRPr lang="de-DE" dirty="0" smtClean="0"/>
+              <a:t>MS5: Optimierung &amp; Optionale Features</a:t>
+            </a:r>
           </a:p>
         </p:txBody>
       </p:sp>
@@ -4982,6 +5051,13 @@
   <p:clrMapOvr>
     <a:masterClrMapping/>
   </p:clrMapOvr>
+  <p:timing>
+    <p:tnLst>
+      <p:par>
+        <p:cTn id="1" dur="indefinite" restart="never" nodeType="tmRoot"/>
+      </p:par>
+    </p:tnLst>
+  </p:timing>
 </p:sld>
 </file>
 
@@ -5017,30 +5093,44 @@
           <a:bodyPr/>
           <a:lstStyle/>
           <a:p>
-            <a:r>
-              <a:rPr lang="de-DE" dirty="0" smtClean="0"/>
+            <a:endParaRPr lang="de-DE" dirty="0"/>
+          </a:p>
+        </p:txBody>
+      </p:sp>
+      <p:sp>
+        <p:nvSpPr>
+          <p:cNvPr id="3" name="Inhaltsplatzhalter 2"/>
+          <p:cNvSpPr>
+            <a:spLocks noGrp="1"/>
+          </p:cNvSpPr>
+          <p:nvPr>
+            <p:ph idx="1"/>
+          </p:nvPr>
+        </p:nvSpPr>
+        <p:spPr>
+          <a:xfrm>
+            <a:off x="1254460" y="2960948"/>
+            <a:ext cx="6635080" cy="936104"/>
+          </a:xfrm>
+        </p:spPr>
+        <p:txBody>
+          <a:bodyPr>
+            <a:normAutofit lnSpcReduction="10000"/>
+          </a:bodyPr>
+          <a:lstStyle/>
+          <a:p>
+            <a:pPr>
+              <a:buNone/>
+            </a:pPr>
+            <a:r>
+              <a:rPr lang="de-DE" sz="6000" b="1" dirty="0" smtClean="0"/>
+              <a:t>Fragen         </a:t>
+            </a:r>
+            <a:r>
+              <a:rPr lang="de-DE" sz="6000" b="1" dirty="0" err="1" smtClean="0"/>
               <a:t>Fragen</a:t>
             </a:r>
-            <a:endParaRPr lang="de-DE" dirty="0"/>
-          </a:p>
-        </p:txBody>
-      </p:sp>
-      <p:sp>
-        <p:nvSpPr>
-          <p:cNvPr id="3" name="Inhaltsplatzhalter 2"/>
-          <p:cNvSpPr>
-            <a:spLocks noGrp="1"/>
-          </p:cNvSpPr>
-          <p:nvPr>
-            <p:ph idx="1"/>
-          </p:nvPr>
-        </p:nvSpPr>
-        <p:spPr/>
-        <p:txBody>
-          <a:bodyPr/>
-          <a:lstStyle/>
-          <a:p>
-            <a:endParaRPr lang="de-DE" dirty="0"/>
+            <a:endParaRPr lang="de-DE" sz="6000" b="1" dirty="0"/>
           </a:p>
         </p:txBody>
       </p:sp>
@@ -5111,6 +5201,123 @@
               <a:t>14</a:t>
             </a:fld>
             <a:endParaRPr lang="de-DE"/>
+          </a:p>
+        </p:txBody>
+      </p:sp>
+      <p:pic>
+        <p:nvPicPr>
+          <p:cNvPr id="5122" name="Picture 2" descr="0 Question mark icon"/>
+          <p:cNvPicPr>
+            <a:picLocks noChangeAspect="1" noChangeArrowheads="1"/>
+          </p:cNvPicPr>
+          <p:nvPr/>
+        </p:nvPicPr>
+        <p:blipFill>
+          <a:blip r:embed="rId2" cstate="print"/>
+          <a:srcRect/>
+          <a:stretch>
+            <a:fillRect/>
+          </a:stretch>
+        </p:blipFill>
+        <p:spPr bwMode="auto">
+          <a:xfrm>
+            <a:off x="3347864" y="2924944"/>
+            <a:ext cx="864096" cy="864096"/>
+          </a:xfrm>
+          <a:prstGeom prst="rect">
+            <a:avLst/>
+          </a:prstGeom>
+          <a:noFill/>
+        </p:spPr>
+      </p:pic>
+      <p:pic>
+        <p:nvPicPr>
+          <p:cNvPr id="5124" name="Picture 4" descr="http://icons.iconarchive.com/icons/dooffy/characters/128/0-Exclamation-mark-icon.png"/>
+          <p:cNvPicPr>
+            <a:picLocks noChangeAspect="1" noChangeArrowheads="1"/>
+          </p:cNvPicPr>
+          <p:nvPr/>
+        </p:nvPicPr>
+        <p:blipFill>
+          <a:blip r:embed="rId3" cstate="print"/>
+          <a:srcRect/>
+          <a:stretch>
+            <a:fillRect/>
+          </a:stretch>
+        </p:blipFill>
+        <p:spPr bwMode="auto">
+          <a:xfrm>
+            <a:off x="7092280" y="2924944"/>
+            <a:ext cx="864096" cy="864097"/>
+          </a:xfrm>
+          <a:prstGeom prst="rect">
+            <a:avLst/>
+          </a:prstGeom>
+          <a:noFill/>
+        </p:spPr>
+      </p:pic>
+      <p:pic>
+        <p:nvPicPr>
+          <p:cNvPr id="5126" name="Picture 6" descr="http://icons.iconarchive.com/icons/dooffy/characters/128/0-Minus-icon.png"/>
+          <p:cNvPicPr>
+            <a:picLocks noChangeAspect="1" noChangeArrowheads="1"/>
+          </p:cNvPicPr>
+          <p:nvPr/>
+        </p:nvPicPr>
+        <p:blipFill>
+          <a:blip r:embed="rId4" cstate="print"/>
+          <a:srcRect/>
+          <a:stretch>
+            <a:fillRect/>
+          </a:stretch>
+        </p:blipFill>
+        <p:spPr bwMode="auto">
+          <a:xfrm>
+            <a:off x="3856856" y="2780928"/>
+            <a:ext cx="1219200" cy="1219201"/>
+          </a:xfrm>
+          <a:prstGeom prst="rect">
+            <a:avLst/>
+          </a:prstGeom>
+          <a:noFill/>
+        </p:spPr>
+      </p:pic>
+      <p:sp>
+        <p:nvSpPr>
+          <p:cNvPr id="10" name="Textfeld 9"/>
+          <p:cNvSpPr txBox="1"/>
+          <p:nvPr/>
+        </p:nvSpPr>
+        <p:spPr>
+          <a:xfrm>
+            <a:off x="6732240" y="5877272"/>
+            <a:ext cx="1912923" cy="307777"/>
+          </a:xfrm>
+          <a:prstGeom prst="rect">
+            <a:avLst/>
+          </a:prstGeom>
+          <a:noFill/>
+        </p:spPr>
+        <p:txBody>
+          <a:bodyPr wrap="square" rtlCol="0">
+            <a:spAutoFit/>
+          </a:bodyPr>
+          <a:lstStyle/>
+          <a:p>
+            <a:pPr algn="r"/>
+            <a:r>
+              <a:rPr lang="de-DE" sz="1400" dirty="0" smtClean="0">
+                <a:solidFill>
+                  <a:schemeClr val="bg1"/>
+                </a:solidFill>
+              </a:rPr>
+              <a:t>[43], [44],[45]</a:t>
+            </a:r>
+            <a:endParaRPr lang="de-DE" sz="1400" dirty="0">
+              <a:solidFill>
+                <a:schemeClr val="bg1"/>
+              </a:solidFill>
+            </a:endParaRPr>
           </a:p>
         </p:txBody>
       </p:sp>
@@ -5119,6 +5326,13 @@
   <p:clrMapOvr>
     <a:masterClrMapping/>
   </p:clrMapOvr>
+  <p:timing>
+    <p:tnLst>
+      <p:par>
+        <p:cTn id="1" dur="indefinite" restart="never" nodeType="tmRoot"/>
+      </p:par>
+    </p:tnLst>
+  </p:timing>
 </p:sld>
 </file>
 
@@ -5174,18 +5388,18 @@
         </p:nvGraphicFramePr>
         <p:xfrm>
           <a:off x="323528" y="1125538"/>
-          <a:ext cx="8568952" cy="4678680"/>
+          <a:ext cx="8568952" cy="4973320"/>
         </p:xfrm>
         <a:graphic>
           <a:graphicData uri="http://schemas.openxmlformats.org/drawingml/2006/table">
             <a:tbl>
               <a:tblPr firstRow="1" bandRow="1">
-                <a:tableStyleId>{5C22544A-7EE6-4342-B048-85BDC9FD1C3A}</a:tableStyleId>
+                <a:tableStyleId>{2D5ABB26-0587-4C30-8999-92F81FD0307C}</a:tableStyleId>
               </a:tblPr>
               <a:tblGrid>
                 <a:gridCol w="504056"/>
-                <a:gridCol w="1081238"/>
-                <a:gridCol w="6983658"/>
+                <a:gridCol w="1152128"/>
+                <a:gridCol w="6912768"/>
               </a:tblGrid>
               <a:tr h="287238">
                 <a:tc>
@@ -5194,7 +5408,7 @@
                     <a:lstStyle/>
                     <a:p>
                       <a:r>
-                        <a:rPr lang="de-DE" sz="1400" b="0" dirty="0" smtClean="0">
+                        <a:rPr lang="de-DE" sz="1400" dirty="0" smtClean="0">
                           <a:solidFill>
                             <a:schemeClr val="bg1"/>
                           </a:solidFill>
@@ -5208,9 +5422,7 @@
                       </a:endParaRPr>
                     </a:p>
                   </a:txBody>
-                  <a:tcPr>
-                    <a:noFill/>
-                  </a:tcPr>
+                  <a:tcPr/>
                 </a:tc>
                 <a:tc>
                   <a:txBody>
@@ -5218,7 +5430,7 @@
                     <a:lstStyle/>
                     <a:p>
                       <a:r>
-                        <a:rPr lang="de-DE" sz="1400" b="0" dirty="0" smtClean="0">
+                        <a:rPr lang="de-DE" sz="1400" dirty="0" smtClean="0">
                           <a:solidFill>
                             <a:schemeClr val="bg1"/>
                           </a:solidFill>
@@ -5232,9 +5444,7 @@
                       </a:endParaRPr>
                     </a:p>
                   </a:txBody>
-                  <a:tcPr>
-                    <a:noFill/>
-                  </a:tcPr>
+                  <a:tcPr/>
                 </a:tc>
                 <a:tc>
                   <a:txBody>
@@ -5242,21 +5452,19 @@
                     <a:lstStyle/>
                     <a:p>
                       <a:r>
-                        <a:rPr lang="de-DE" sz="1400" b="0" dirty="0" smtClean="0">
+                        <a:rPr lang="de-DE" sz="1400" dirty="0" smtClean="0">
                           <a:hlinkClick r:id="rId2"/>
                         </a:rPr>
                         <a:t>http://www.iconarchive.com/show/sleek-xp-basic-icons-by-deleket/User-Group-icon.html</a:t>
                       </a:r>
                       <a:r>
-                        <a:rPr lang="de-DE" sz="1400" b="0" dirty="0" smtClean="0"/>
+                        <a:rPr lang="de-DE" sz="1400" dirty="0" smtClean="0"/>
                         <a:t> </a:t>
                       </a:r>
                       <a:endParaRPr lang="de-DE" sz="1400" b="0" dirty="0"/>
                     </a:p>
                   </a:txBody>
-                  <a:tcPr>
-                    <a:noFill/>
-                  </a:tcPr>
+                  <a:tcPr/>
                 </a:tc>
               </a:tr>
               <a:tr h="370840">
@@ -5280,9 +5488,7 @@
                       </a:endParaRPr>
                     </a:p>
                   </a:txBody>
-                  <a:tcPr>
-                    <a:noFill/>
-                  </a:tcPr>
+                  <a:tcPr/>
                 </a:tc>
                 <a:tc>
                   <a:txBody>
@@ -5312,9 +5518,7 @@
                       </a:endParaRPr>
                     </a:p>
                   </a:txBody>
-                  <a:tcPr>
-                    <a:noFill/>
-                  </a:tcPr>
+                  <a:tcPr/>
                 </a:tc>
                 <a:tc>
                   <a:txBody>
@@ -5334,9 +5538,7 @@
                       <a:endParaRPr lang="de-DE" sz="1400" dirty="0"/>
                     </a:p>
                   </a:txBody>
-                  <a:tcPr>
-                    <a:noFill/>
-                  </a:tcPr>
+                  <a:tcPr/>
                 </a:tc>
               </a:tr>
               <a:tr h="370840">
@@ -5360,9 +5562,7 @@
                       </a:endParaRPr>
                     </a:p>
                   </a:txBody>
-                  <a:tcPr>
-                    <a:noFill/>
-                  </a:tcPr>
+                  <a:tcPr/>
                 </a:tc>
                 <a:tc>
                   <a:txBody>
@@ -5384,9 +5584,7 @@
                       </a:endParaRPr>
                     </a:p>
                   </a:txBody>
-                  <a:tcPr>
-                    <a:noFill/>
-                  </a:tcPr>
+                  <a:tcPr/>
                 </a:tc>
                 <a:tc>
                   <a:txBody>
@@ -5406,9 +5604,7 @@
                       <a:endParaRPr lang="de-DE" sz="1400" dirty="0"/>
                     </a:p>
                   </a:txBody>
-                  <a:tcPr>
-                    <a:noFill/>
-                  </a:tcPr>
+                  <a:tcPr/>
                 </a:tc>
               </a:tr>
               <a:tr h="370840">
@@ -5432,9 +5628,7 @@
                       </a:endParaRPr>
                     </a:p>
                   </a:txBody>
-                  <a:tcPr>
-                    <a:noFill/>
-                  </a:tcPr>
+                  <a:tcPr/>
                 </a:tc>
                 <a:tc>
                   <a:txBody>
@@ -5456,9 +5650,7 @@
                       </a:endParaRPr>
                     </a:p>
                   </a:txBody>
-                  <a:tcPr>
-                    <a:noFill/>
-                  </a:tcPr>
+                  <a:tcPr/>
                 </a:tc>
                 <a:tc>
                   <a:txBody>
@@ -5478,9 +5670,7 @@
                       <a:endParaRPr lang="de-DE" sz="1400" dirty="0"/>
                     </a:p>
                   </a:txBody>
-                  <a:tcPr>
-                    <a:noFill/>
-                  </a:tcPr>
+                  <a:tcPr/>
                 </a:tc>
               </a:tr>
               <a:tr h="370840">
@@ -5504,9 +5694,7 @@
                       </a:endParaRPr>
                     </a:p>
                   </a:txBody>
-                  <a:tcPr>
-                    <a:noFill/>
-                  </a:tcPr>
+                  <a:tcPr/>
                 </a:tc>
                 <a:tc>
                   <a:txBody>
@@ -5528,9 +5716,7 @@
                       </a:endParaRPr>
                     </a:p>
                   </a:txBody>
-                  <a:tcPr>
-                    <a:noFill/>
-                  </a:tcPr>
+                  <a:tcPr/>
                 </a:tc>
                 <a:tc>
                   <a:txBody>
@@ -5550,9 +5736,7 @@
                       <a:endParaRPr lang="de-DE" sz="1400" dirty="0"/>
                     </a:p>
                   </a:txBody>
-                  <a:tcPr>
-                    <a:noFill/>
-                  </a:tcPr>
+                  <a:tcPr/>
                 </a:tc>
               </a:tr>
               <a:tr h="370840">
@@ -5576,9 +5760,7 @@
                       </a:endParaRPr>
                     </a:p>
                   </a:txBody>
-                  <a:tcPr>
-                    <a:noFill/>
-                  </a:tcPr>
+                  <a:tcPr/>
                 </a:tc>
                 <a:tc>
                   <a:txBody>
@@ -5600,9 +5782,7 @@
                       </a:endParaRPr>
                     </a:p>
                   </a:txBody>
-                  <a:tcPr>
-                    <a:noFill/>
-                  </a:tcPr>
+                  <a:tcPr/>
                 </a:tc>
                 <a:tc>
                   <a:txBody>
@@ -5622,9 +5802,7 @@
                       <a:endParaRPr lang="de-DE" sz="1400" dirty="0"/>
                     </a:p>
                   </a:txBody>
-                  <a:tcPr>
-                    <a:noFill/>
-                  </a:tcPr>
+                  <a:tcPr/>
                 </a:tc>
               </a:tr>
               <a:tr h="370840">
@@ -5648,9 +5826,7 @@
                       </a:endParaRPr>
                     </a:p>
                   </a:txBody>
-                  <a:tcPr>
-                    <a:noFill/>
-                  </a:tcPr>
+                  <a:tcPr/>
                 </a:tc>
                 <a:tc>
                   <a:txBody>
@@ -5672,9 +5848,7 @@
                       </a:endParaRPr>
                     </a:p>
                   </a:txBody>
-                  <a:tcPr>
-                    <a:noFill/>
-                  </a:tcPr>
+                  <a:tcPr/>
                 </a:tc>
                 <a:tc>
                   <a:txBody>
@@ -5694,9 +5868,7 @@
                       <a:endParaRPr lang="de-DE" sz="1400" dirty="0"/>
                     </a:p>
                   </a:txBody>
-                  <a:tcPr>
-                    <a:noFill/>
-                  </a:tcPr>
+                  <a:tcPr/>
                 </a:tc>
               </a:tr>
               <a:tr h="370840">
@@ -5720,9 +5892,7 @@
                       </a:endParaRPr>
                     </a:p>
                   </a:txBody>
-                  <a:tcPr>
-                    <a:noFill/>
-                  </a:tcPr>
+                  <a:tcPr/>
                 </a:tc>
                 <a:tc>
                   <a:txBody>
@@ -5735,7 +5905,7 @@
                             <a:schemeClr val="bg1"/>
                           </a:solidFill>
                         </a:rPr>
-                        <a:t>Bahncard</a:t>
+                        <a:t>Türkei</a:t>
                       </a:r>
                       <a:endParaRPr lang="de-DE" sz="1400" dirty="0">
                         <a:solidFill>
@@ -5744,9 +5914,7 @@
                       </a:endParaRPr>
                     </a:p>
                   </a:txBody>
-                  <a:tcPr>
-                    <a:noFill/>
-                  </a:tcPr>
+                  <a:tcPr/>
                 </a:tc>
                 <a:tc>
                   <a:txBody>
@@ -5757,7 +5925,7 @@
                         <a:rPr lang="de-DE" sz="1400" dirty="0" smtClean="0">
                           <a:hlinkClick r:id="rId9"/>
                         </a:rPr>
-                        <a:t>http://de.wikipedia.org/w/index.php?title=Datei:Bahncard_100_102009.png&amp;filetimestamp=20101123214027</a:t>
+                        <a:t>http://www.iconarchive.com/show/all-country-flag-icons-by-custom-icon-design/Turkey-Flag-icon.html</a:t>
                       </a:r>
                       <a:r>
                         <a:rPr lang="de-DE" sz="1400" dirty="0" smtClean="0"/>
@@ -5766,9 +5934,7 @@
                       <a:endParaRPr lang="de-DE" sz="1400" dirty="0"/>
                     </a:p>
                   </a:txBody>
-                  <a:tcPr>
-                    <a:noFill/>
-                  </a:tcPr>
+                  <a:tcPr/>
                 </a:tc>
               </a:tr>
               <a:tr h="370840">
@@ -5792,9 +5958,7 @@
                       </a:endParaRPr>
                     </a:p>
                   </a:txBody>
-                  <a:tcPr>
-                    <a:noFill/>
-                  </a:tcPr>
+                  <a:tcPr/>
                 </a:tc>
                 <a:tc>
                   <a:txBody>
@@ -5807,7 +5971,7 @@
                             <a:schemeClr val="bg1"/>
                           </a:solidFill>
                         </a:rPr>
-                        <a:t>Zug</a:t>
+                        <a:t>Hut</a:t>
                       </a:r>
                       <a:endParaRPr lang="de-DE" sz="1400" dirty="0">
                         <a:solidFill>
@@ -5816,9 +5980,7 @@
                       </a:endParaRPr>
                     </a:p>
                   </a:txBody>
-                  <a:tcPr>
-                    <a:noFill/>
-                  </a:tcPr>
+                  <a:tcPr/>
                 </a:tc>
                 <a:tc>
                   <a:txBody>
@@ -5829,7 +5991,7 @@
                         <a:rPr lang="de-DE" sz="1400" dirty="0" smtClean="0">
                           <a:hlinkClick r:id="rId10"/>
                         </a:rPr>
-                        <a:t>http://www.iconarchive.com/show/vista-artistic-icons-by-awicons/2-Hot-Train-icon.html</a:t>
+                        <a:t>http://www.iconarchive.com/show/oxygen-icons-by-oxygen-icons.org/Categories-applications-education-university-icon.html</a:t>
                       </a:r>
                       <a:r>
                         <a:rPr lang="de-DE" sz="1400" dirty="0" smtClean="0"/>
@@ -5838,9 +6000,7 @@
                       <a:endParaRPr lang="de-DE" sz="1400" dirty="0"/>
                     </a:p>
                   </a:txBody>
-                  <a:tcPr>
-                    <a:noFill/>
-                  </a:tcPr>
+                  <a:tcPr/>
                 </a:tc>
               </a:tr>
               <a:tr h="370840">
@@ -5864,9 +6024,7 @@
                       </a:endParaRPr>
                     </a:p>
                   </a:txBody>
-                  <a:tcPr>
-                    <a:noFill/>
-                  </a:tcPr>
+                  <a:tcPr/>
                 </a:tc>
                 <a:tc>
                   <a:txBody>
@@ -5879,7 +6037,7 @@
                             <a:schemeClr val="bg1"/>
                           </a:solidFill>
                         </a:rPr>
-                        <a:t>Auto</a:t>
+                        <a:t>Ringe</a:t>
                       </a:r>
                       <a:endParaRPr lang="de-DE" sz="1400" dirty="0">
                         <a:solidFill>
@@ -5888,9 +6046,7 @@
                       </a:endParaRPr>
                     </a:p>
                   </a:txBody>
-                  <a:tcPr>
-                    <a:noFill/>
-                  </a:tcPr>
+                  <a:tcPr/>
                 </a:tc>
                 <a:tc>
                   <a:txBody>
@@ -5901,7 +6057,7 @@
                         <a:rPr lang="de-DE" sz="1400" dirty="0" smtClean="0">
                           <a:hlinkClick r:id="rId11"/>
                         </a:rPr>
-                        <a:t>http://www.iconarchive.com/show/transport-icons-by-icons-land/Car-icon.html</a:t>
+                        <a:t>http://www.iconarchive.com/show/vista-love-icons-by-icons-land/Rings-icon.html</a:t>
                       </a:r>
                       <a:r>
                         <a:rPr lang="de-DE" sz="1400" dirty="0" smtClean="0"/>
@@ -5910,9 +6066,7 @@
                       <a:endParaRPr lang="de-DE" sz="1400" dirty="0"/>
                     </a:p>
                   </a:txBody>
-                  <a:tcPr>
-                    <a:noFill/>
-                  </a:tcPr>
+                  <a:tcPr/>
                 </a:tc>
               </a:tr>
               <a:tr h="370840">
@@ -5936,9 +6090,7 @@
                       </a:endParaRPr>
                     </a:p>
                   </a:txBody>
-                  <a:tcPr>
-                    <a:noFill/>
-                  </a:tcPr>
+                  <a:tcPr/>
                 </a:tc>
                 <a:tc>
                   <a:txBody>
@@ -5951,7 +6103,7 @@
                             <a:schemeClr val="bg1"/>
                           </a:solidFill>
                         </a:rPr>
-                        <a:t>Ortsschild B</a:t>
+                        <a:t>Frau</a:t>
                       </a:r>
                       <a:endParaRPr lang="de-DE" sz="1400" dirty="0">
                         <a:solidFill>
@@ -5960,9 +6112,7 @@
                       </a:endParaRPr>
                     </a:p>
                   </a:txBody>
-                  <a:tcPr>
-                    <a:noFill/>
-                  </a:tcPr>
+                  <a:tcPr/>
                 </a:tc>
                 <a:tc>
                   <a:txBody>
@@ -5973,7 +6123,7 @@
                         <a:rPr lang="de-DE" sz="1400" dirty="0" smtClean="0">
                           <a:hlinkClick r:id="rId12"/>
                         </a:rPr>
-                        <a:t>http://onlinestreet.de/strassen/ortsschild/Berlin.Neuk%F6lln.html</a:t>
+                        <a:t>http://www.iconarchive.com/show/pretty-office-7-icons-by-custom-icon-design/Female-icon.html</a:t>
                       </a:r>
                       <a:r>
                         <a:rPr lang="de-DE" sz="1400" dirty="0" smtClean="0"/>
@@ -5982,9 +6132,7 @@
                       <a:endParaRPr lang="de-DE" sz="1400" dirty="0"/>
                     </a:p>
                   </a:txBody>
-                  <a:tcPr>
-                    <a:noFill/>
-                  </a:tcPr>
+                  <a:tcPr/>
                 </a:tc>
               </a:tr>
               <a:tr h="370840">
@@ -5999,7 +6147,7 @@
                             <a:schemeClr val="bg1"/>
                           </a:solidFill>
                         </a:rPr>
-                        <a:t>[8]</a:t>
+                        <a:t>[12]</a:t>
                       </a:r>
                       <a:endParaRPr lang="de-DE" sz="1400" dirty="0">
                         <a:solidFill>
@@ -6008,9 +6156,7 @@
                       </a:endParaRPr>
                     </a:p>
                   </a:txBody>
-                  <a:tcPr>
-                    <a:noFill/>
-                  </a:tcPr>
+                  <a:tcPr/>
                 </a:tc>
                 <a:tc>
                   <a:txBody>
@@ -6023,7 +6169,7 @@
                             <a:schemeClr val="bg1"/>
                           </a:solidFill>
                         </a:rPr>
-                        <a:t>Ringe</a:t>
+                        <a:t>Haus</a:t>
                       </a:r>
                       <a:endParaRPr lang="de-DE" sz="1400" dirty="0">
                         <a:solidFill>
@@ -6032,9 +6178,7 @@
                       </a:endParaRPr>
                     </a:p>
                   </a:txBody>
-                  <a:tcPr>
-                    <a:noFill/>
-                  </a:tcPr>
+                  <a:tcPr/>
                 </a:tc>
                 <a:tc>
                   <a:txBody>
@@ -6045,7 +6189,7 @@
                         <a:rPr lang="de-DE" sz="1400" dirty="0" smtClean="0">
                           <a:hlinkClick r:id="rId13"/>
                         </a:rPr>
-                        <a:t>http://www.iconarchive.com/show/vista-love-icons-by-icons-land/Rings-icon.html</a:t>
+                        <a:t>http://www.iconarchive.com/show/sleek-xp-basic-icons-by-deleket/Home-icon.html</a:t>
                       </a:r>
                       <a:r>
                         <a:rPr lang="de-DE" sz="1400" dirty="0" smtClean="0"/>
@@ -6054,9 +6198,7 @@
                       <a:endParaRPr lang="de-DE" sz="1400" dirty="0"/>
                     </a:p>
                   </a:txBody>
-                  <a:tcPr>
-                    <a:noFill/>
-                  </a:tcPr>
+                  <a:tcPr/>
                 </a:tc>
               </a:tr>
             </a:tbl>
@@ -6138,6 +6280,13 @@
   <p:clrMapOvr>
     <a:masterClrMapping/>
   </p:clrMapOvr>
+  <p:timing>
+    <p:tnLst>
+      <p:par>
+        <p:cTn id="1" dur="indefinite" restart="never" nodeType="tmRoot"/>
+      </p:par>
+    </p:tnLst>
+  </p:timing>
 </p:sld>
 </file>
 
@@ -6193,18 +6342,18 @@
         </p:nvGraphicFramePr>
         <p:xfrm>
           <a:off x="323528" y="1125538"/>
-          <a:ext cx="8568952" cy="5471160"/>
+          <a:ext cx="8568952" cy="4749800"/>
         </p:xfrm>
         <a:graphic>
           <a:graphicData uri="http://schemas.openxmlformats.org/drawingml/2006/table">
             <a:tbl>
               <a:tblPr firstRow="1" bandRow="1">
-                <a:tableStyleId>{5C22544A-7EE6-4342-B048-85BDC9FD1C3A}</a:tableStyleId>
+                <a:tableStyleId>{2D5ABB26-0587-4C30-8999-92F81FD0307C}</a:tableStyleId>
               </a:tblPr>
               <a:tblGrid>
                 <a:gridCol w="504056"/>
-                <a:gridCol w="1081238"/>
-                <a:gridCol w="6983658"/>
+                <a:gridCol w="1152128"/>
+                <a:gridCol w="6912768"/>
               </a:tblGrid>
               <a:tr h="287238">
                 <a:tc>
@@ -6213,20 +6362,12 @@
                     <a:lstStyle/>
                     <a:p>
                       <a:r>
-                        <a:rPr lang="de-DE" sz="1400" b="0" dirty="0" smtClean="0">
+                        <a:rPr lang="de-DE" sz="1400" dirty="0" smtClean="0">
                           <a:solidFill>
                             <a:schemeClr val="bg1"/>
                           </a:solidFill>
                         </a:rPr>
-                        <a:t>[</a:t>
-                      </a:r>
-                      <a:r>
-                        <a:rPr lang="de-DE" sz="1400" b="0" dirty="0" smtClean="0">
-                          <a:solidFill>
-                            <a:schemeClr val="bg1"/>
-                          </a:solidFill>
-                        </a:rPr>
-                        <a:t>13]</a:t>
+                        <a:t>[13]</a:t>
                       </a:r>
                       <a:endParaRPr lang="de-DE" sz="1400" b="0" dirty="0">
                         <a:solidFill>
@@ -6235,9 +6376,7 @@
                       </a:endParaRPr>
                     </a:p>
                   </a:txBody>
-                  <a:tcPr>
-                    <a:noFill/>
-                  </a:tcPr>
+                  <a:tcPr/>
                 </a:tc>
                 <a:tc>
                   <a:txBody>
@@ -6245,12 +6384,12 @@
                     <a:lstStyle/>
                     <a:p>
                       <a:r>
-                        <a:rPr lang="de-DE" sz="1400" b="0" dirty="0" smtClean="0">
+                        <a:rPr lang="de-DE" sz="1400" dirty="0" smtClean="0">
                           <a:solidFill>
                             <a:schemeClr val="bg1"/>
                           </a:solidFill>
                         </a:rPr>
-                        <a:t>Laptop</a:t>
+                        <a:t>Ortsschild B</a:t>
                       </a:r>
                       <a:endParaRPr lang="de-DE" sz="1400" b="0" dirty="0">
                         <a:solidFill>
@@ -6259,9 +6398,7 @@
                       </a:endParaRPr>
                     </a:p>
                   </a:txBody>
-                  <a:tcPr>
-                    <a:noFill/>
-                  </a:tcPr>
+                  <a:tcPr/>
                 </a:tc>
                 <a:tc>
                   <a:txBody>
@@ -6269,21 +6406,19 @@
                     <a:lstStyle/>
                     <a:p>
                       <a:r>
-                        <a:rPr lang="de-DE" sz="1400" b="0" dirty="0" smtClean="0">
+                        <a:rPr lang="de-DE" sz="1400" dirty="0" smtClean="0">
                           <a:hlinkClick r:id="rId2"/>
                         </a:rPr>
-                        <a:t>http://www.iconarchive.com/show/refresh-cl-icons-by-tpdkdesign.net/Hardware-Laptop-2-icon.html</a:t>
-                      </a:r>
-                      <a:r>
-                        <a:rPr lang="de-DE" sz="1400" b="0" dirty="0" smtClean="0"/>
+                        <a:t>http://onlinestreet.de/strassen/ortsschild/Berlin.Neuk%F6lln.html</a:t>
+                      </a:r>
+                      <a:r>
+                        <a:rPr lang="de-DE" sz="1400" dirty="0" smtClean="0"/>
                         <a:t> </a:t>
                       </a:r>
                       <a:endParaRPr lang="de-DE" sz="1400" b="0" dirty="0"/>
                     </a:p>
                   </a:txBody>
-                  <a:tcPr>
-                    <a:noFill/>
-                  </a:tcPr>
+                  <a:tcPr/>
                 </a:tc>
               </a:tr>
               <a:tr h="370840">
@@ -6307,9 +6442,7 @@
                       </a:endParaRPr>
                     </a:p>
                   </a:txBody>
-                  <a:tcPr>
-                    <a:noFill/>
-                  </a:tcPr>
+                  <a:tcPr/>
                 </a:tc>
                 <a:tc>
                   <a:txBody>
@@ -6322,7 +6455,7 @@
                             <a:schemeClr val="bg1"/>
                           </a:solidFill>
                         </a:rPr>
-                        <a:t>Ticket</a:t>
+                        <a:t>Auto</a:t>
                       </a:r>
                       <a:endParaRPr lang="de-DE" sz="1400" dirty="0">
                         <a:solidFill>
@@ -6331,9 +6464,7 @@
                       </a:endParaRPr>
                     </a:p>
                   </a:txBody>
-                  <a:tcPr>
-                    <a:noFill/>
-                  </a:tcPr>
+                  <a:tcPr/>
                 </a:tc>
                 <a:tc>
                   <a:txBody>
@@ -6344,7 +6475,7 @@
                         <a:rPr lang="de-DE" sz="1400" dirty="0" smtClean="0">
                           <a:hlinkClick r:id="rId3"/>
                         </a:rPr>
-                        <a:t>http://www.iconarchive.com/show/pretty-office-3-icons-by-custom-icon-design/remove-ticket-icon.html</a:t>
+                        <a:t>http://www.iconarchive.com/show/transport-icons-by-icons-land/Car-icon.html</a:t>
                       </a:r>
                       <a:r>
                         <a:rPr lang="de-DE" sz="1400" dirty="0" smtClean="0"/>
@@ -6353,9 +6484,7 @@
                       <a:endParaRPr lang="de-DE" sz="1400" dirty="0"/>
                     </a:p>
                   </a:txBody>
-                  <a:tcPr>
-                    <a:noFill/>
-                  </a:tcPr>
+                  <a:tcPr/>
                 </a:tc>
               </a:tr>
               <a:tr h="370840">
@@ -6379,9 +6508,7 @@
                       </a:endParaRPr>
                     </a:p>
                   </a:txBody>
-                  <a:tcPr>
-                    <a:noFill/>
-                  </a:tcPr>
+                  <a:tcPr/>
                 </a:tc>
                 <a:tc>
                   <a:txBody>
@@ -6389,20 +6516,12 @@
                     <a:lstStyle/>
                     <a:p>
                       <a:r>
-                        <a:rPr lang="de-DE" sz="1400" dirty="0" err="1" smtClean="0">
-                          <a:solidFill>
-                            <a:schemeClr val="bg1"/>
-                          </a:solidFill>
-                        </a:rPr>
-                        <a:t>Fragezeich</a:t>
-                      </a:r>
-                      <a:r>
                         <a:rPr lang="de-DE" sz="1400" dirty="0" smtClean="0">
                           <a:solidFill>
                             <a:schemeClr val="bg1"/>
                           </a:solidFill>
                         </a:rPr>
-                        <a:t>.</a:t>
+                        <a:t>Bahn Logo</a:t>
                       </a:r>
                       <a:endParaRPr lang="de-DE" sz="1400" dirty="0">
                         <a:solidFill>
@@ -6411,9 +6530,7 @@
                       </a:endParaRPr>
                     </a:p>
                   </a:txBody>
-                  <a:tcPr>
-                    <a:noFill/>
-                  </a:tcPr>
+                  <a:tcPr/>
                 </a:tc>
                 <a:tc>
                   <a:txBody>
@@ -6424,7 +6541,7 @@
                         <a:rPr lang="de-DE" sz="1400" dirty="0" smtClean="0">
                           <a:hlinkClick r:id="rId4"/>
                         </a:rPr>
-                        <a:t>http://www.iconarchive.com/show/3d-cartoon-vol2-icons-by-deleket/Help-And-Support-icon.html</a:t>
+                        <a:t>http://smartphonearea.de/2009/12/appstore-db-navigator-offizielle-bahn-applikation/</a:t>
                       </a:r>
                       <a:r>
                         <a:rPr lang="de-DE" sz="1400" dirty="0" smtClean="0"/>
@@ -6433,9 +6550,7 @@
                       <a:endParaRPr lang="de-DE" sz="1400" dirty="0"/>
                     </a:p>
                   </a:txBody>
-                  <a:tcPr>
-                    <a:noFill/>
-                  </a:tcPr>
+                  <a:tcPr/>
                 </a:tc>
               </a:tr>
               <a:tr h="370840">
@@ -6450,7 +6565,7 @@
                             <a:schemeClr val="bg1"/>
                           </a:solidFill>
                         </a:rPr>
-                        <a:t>[4]</a:t>
+                        <a:t>[16]</a:t>
                       </a:r>
                       <a:endParaRPr lang="de-DE" sz="1400" dirty="0">
                         <a:solidFill>
@@ -6459,9 +6574,7 @@
                       </a:endParaRPr>
                     </a:p>
                   </a:txBody>
-                  <a:tcPr>
-                    <a:noFill/>
-                  </a:tcPr>
+                  <a:tcPr/>
                 </a:tc>
                 <a:tc>
                   <a:txBody>
@@ -6474,7 +6587,7 @@
                             <a:schemeClr val="bg1"/>
                           </a:solidFill>
                         </a:rPr>
-                        <a:t>Stadtschild W</a:t>
+                        <a:t>Zug</a:t>
                       </a:r>
                       <a:endParaRPr lang="de-DE" sz="1400" dirty="0">
                         <a:solidFill>
@@ -6483,9 +6596,7 @@
                       </a:endParaRPr>
                     </a:p>
                   </a:txBody>
-                  <a:tcPr>
-                    <a:noFill/>
-                  </a:tcPr>
+                  <a:tcPr/>
                 </a:tc>
                 <a:tc>
                   <a:txBody>
@@ -6496,7 +6607,7 @@
                         <a:rPr lang="de-DE" sz="1400" dirty="0" smtClean="0">
                           <a:hlinkClick r:id="rId5"/>
                         </a:rPr>
-                        <a:t>http://onlinestreet.de/strassen/ortsschild/Wolfsburg.html</a:t>
+                        <a:t>http://www.iconarchive.com/show/vista-artistic-icons-by-awicons/2-Hot-Train-icon.html</a:t>
                       </a:r>
                       <a:r>
                         <a:rPr lang="de-DE" sz="1400" dirty="0" smtClean="0"/>
@@ -6505,9 +6616,7 @@
                       <a:endParaRPr lang="de-DE" sz="1400" dirty="0"/>
                     </a:p>
                   </a:txBody>
-                  <a:tcPr>
-                    <a:noFill/>
-                  </a:tcPr>
+                  <a:tcPr/>
                 </a:tc>
               </a:tr>
               <a:tr h="370840">
@@ -6522,7 +6631,7 @@
                             <a:schemeClr val="bg1"/>
                           </a:solidFill>
                         </a:rPr>
-                        <a:t>[5]</a:t>
+                        <a:t>[17]</a:t>
                       </a:r>
                       <a:endParaRPr lang="de-DE" sz="1400" dirty="0">
                         <a:solidFill>
@@ -6531,9 +6640,7 @@
                       </a:endParaRPr>
                     </a:p>
                   </a:txBody>
-                  <a:tcPr>
-                    <a:noFill/>
-                  </a:tcPr>
+                  <a:tcPr/>
                 </a:tc>
                 <a:tc>
                   <a:txBody>
@@ -6546,7 +6653,7 @@
                             <a:schemeClr val="bg1"/>
                           </a:solidFill>
                         </a:rPr>
-                        <a:t>Gruppe</a:t>
+                        <a:t>Bahncard</a:t>
                       </a:r>
                       <a:endParaRPr lang="de-DE" sz="1400" dirty="0">
                         <a:solidFill>
@@ -6555,9 +6662,7 @@
                       </a:endParaRPr>
                     </a:p>
                   </a:txBody>
-                  <a:tcPr>
-                    <a:noFill/>
-                  </a:tcPr>
+                  <a:tcPr/>
                 </a:tc>
                 <a:tc>
                   <a:txBody>
@@ -6568,7 +6673,7 @@
                         <a:rPr lang="de-DE" sz="1400" dirty="0" smtClean="0">
                           <a:hlinkClick r:id="rId6"/>
                         </a:rPr>
-                        <a:t>http://www.iconarchive.com/show/soft-scraps-icons-by-deleket/User-Group-icon.html</a:t>
+                        <a:t>http://de.wikipedia.org/w/index.php?title=Datei:Bahncard_100_102009.png&amp;filetimestamp=20101123214027</a:t>
                       </a:r>
                       <a:r>
                         <a:rPr lang="de-DE" sz="1400" dirty="0" smtClean="0"/>
@@ -6577,9 +6682,7 @@
                       <a:endParaRPr lang="de-DE" sz="1400" dirty="0"/>
                     </a:p>
                   </a:txBody>
-                  <a:tcPr>
-                    <a:noFill/>
-                  </a:tcPr>
+                  <a:tcPr/>
                 </a:tc>
               </a:tr>
               <a:tr h="370840">
@@ -6594,7 +6697,7 @@
                             <a:schemeClr val="bg1"/>
                           </a:solidFill>
                         </a:rPr>
-                        <a:t>[6]</a:t>
+                        <a:t>[18]</a:t>
                       </a:r>
                       <a:endParaRPr lang="de-DE" sz="1400" dirty="0">
                         <a:solidFill>
@@ -6603,9 +6706,7 @@
                       </a:endParaRPr>
                     </a:p>
                   </a:txBody>
-                  <a:tcPr>
-                    <a:noFill/>
-                  </a:tcPr>
+                  <a:tcPr/>
                 </a:tc>
                 <a:tc>
                   <a:txBody>
@@ -6618,7 +6719,7 @@
                             <a:schemeClr val="bg1"/>
                           </a:solidFill>
                         </a:rPr>
-                        <a:t>Taxi</a:t>
+                        <a:t>Ticket X</a:t>
                       </a:r>
                       <a:endParaRPr lang="de-DE" sz="1400" dirty="0">
                         <a:solidFill>
@@ -6627,9 +6728,7 @@
                       </a:endParaRPr>
                     </a:p>
                   </a:txBody>
-                  <a:tcPr>
-                    <a:noFill/>
-                  </a:tcPr>
+                  <a:tcPr/>
                 </a:tc>
                 <a:tc>
                   <a:txBody>
@@ -6640,7 +6739,7 @@
                         <a:rPr lang="de-DE" sz="1400" dirty="0" smtClean="0">
                           <a:hlinkClick r:id="rId7"/>
                         </a:rPr>
-                        <a:t>http://www.iconarchive.com/show/travel-icons-by-aha-soft/taxi-icon.html</a:t>
+                        <a:t>http://www.iconarchive.com/show/pretty-office-3-icons-by-custom-icon-design/remove-ticket-icon.html</a:t>
                       </a:r>
                       <a:r>
                         <a:rPr lang="de-DE" sz="1400" dirty="0" smtClean="0"/>
@@ -6649,9 +6748,7 @@
                       <a:endParaRPr lang="de-DE" sz="1400" dirty="0"/>
                     </a:p>
                   </a:txBody>
-                  <a:tcPr>
-                    <a:noFill/>
-                  </a:tcPr>
+                  <a:tcPr/>
                 </a:tc>
               </a:tr>
               <a:tr h="370840">
@@ -6666,7 +6763,7 @@
                             <a:schemeClr val="bg1"/>
                           </a:solidFill>
                         </a:rPr>
-                        <a:t>[7]</a:t>
+                        <a:t>[19]</a:t>
                       </a:r>
                       <a:endParaRPr lang="de-DE" sz="1400" dirty="0">
                         <a:solidFill>
@@ -6675,9 +6772,7 @@
                       </a:endParaRPr>
                     </a:p>
                   </a:txBody>
-                  <a:tcPr>
-                    <a:noFill/>
-                  </a:tcPr>
+                  <a:tcPr/>
                 </a:tc>
                 <a:tc>
                   <a:txBody>
@@ -6685,12 +6780,20 @@
                     <a:lstStyle/>
                     <a:p>
                       <a:r>
+                        <a:rPr lang="de-DE" sz="1400" dirty="0" err="1" smtClean="0">
+                          <a:solidFill>
+                            <a:schemeClr val="bg1"/>
+                          </a:solidFill>
+                        </a:rPr>
+                        <a:t>Fragezeich</a:t>
+                      </a:r>
+                      <a:r>
                         <a:rPr lang="de-DE" sz="1400" dirty="0" smtClean="0">
                           <a:solidFill>
                             <a:schemeClr val="bg1"/>
                           </a:solidFill>
                         </a:rPr>
-                        <a:t>VW</a:t>
+                        <a:t>.</a:t>
                       </a:r>
                       <a:endParaRPr lang="de-DE" sz="1400" dirty="0">
                         <a:solidFill>
@@ -6699,9 +6802,7 @@
                       </a:endParaRPr>
                     </a:p>
                   </a:txBody>
-                  <a:tcPr>
-                    <a:noFill/>
-                  </a:tcPr>
+                  <a:tcPr/>
                 </a:tc>
                 <a:tc>
                   <a:txBody>
@@ -6712,7 +6813,7 @@
                         <a:rPr lang="de-DE" sz="1400" dirty="0" smtClean="0">
                           <a:hlinkClick r:id="rId8"/>
                         </a:rPr>
-                        <a:t>http://media.photobucket.com/image/vw%20button%20icon/caddy-shack/VW%20Emblems%20%20Logos/VW%20Applied%20Emblems/vw-button_icon-3.jpg?o=3</a:t>
+                        <a:t>http://www.iconarchive.com/show/3d-cartoon-vol2-icons-by-deleket/Help-And-Support-icon.html</a:t>
                       </a:r>
                       <a:r>
                         <a:rPr lang="de-DE" sz="1400" dirty="0" smtClean="0"/>
@@ -6721,9 +6822,7 @@
                       <a:endParaRPr lang="de-DE" sz="1400" dirty="0"/>
                     </a:p>
                   </a:txBody>
-                  <a:tcPr>
-                    <a:noFill/>
-                  </a:tcPr>
+                  <a:tcPr/>
                 </a:tc>
               </a:tr>
               <a:tr h="370840">
@@ -6738,7 +6837,7 @@
                             <a:schemeClr val="bg1"/>
                           </a:solidFill>
                         </a:rPr>
-                        <a:t>[8]</a:t>
+                        <a:t>[20]</a:t>
                       </a:r>
                       <a:endParaRPr lang="de-DE" sz="1400" dirty="0">
                         <a:solidFill>
@@ -6747,9 +6846,7 @@
                       </a:endParaRPr>
                     </a:p>
                   </a:txBody>
-                  <a:tcPr>
-                    <a:noFill/>
-                  </a:tcPr>
+                  <a:tcPr/>
                 </a:tc>
                 <a:tc>
                   <a:txBody>
@@ -6757,12 +6854,12 @@
                     <a:lstStyle/>
                     <a:p>
                       <a:r>
-                        <a:rPr lang="de-DE" sz="1400" dirty="0" smtClean="0">
+                        <a:rPr lang="de-DE" sz="1400" dirty="0" err="1" smtClean="0">
                           <a:solidFill>
                             <a:schemeClr val="bg1"/>
                           </a:solidFill>
                         </a:rPr>
-                        <a:t>Frau</a:t>
+                        <a:t>Frownie</a:t>
                       </a:r>
                       <a:endParaRPr lang="de-DE" sz="1400" dirty="0">
                         <a:solidFill>
@@ -6771,9 +6868,7 @@
                       </a:endParaRPr>
                     </a:p>
                   </a:txBody>
-                  <a:tcPr>
-                    <a:noFill/>
-                  </a:tcPr>
+                  <a:tcPr/>
                 </a:tc>
                 <a:tc>
                   <a:txBody>
@@ -6784,7 +6879,7 @@
                         <a:rPr lang="de-DE" sz="1400" dirty="0" smtClean="0">
                           <a:hlinkClick r:id="rId9"/>
                         </a:rPr>
-                        <a:t>http://www.iconarchive.com/show/pretty-office-7-icons-by-custom-icon-design/Female-icon.html</a:t>
+                        <a:t>http://www.iconarchive.com/show/keriyo-emoticons-icons-by-deleket/Smiley-upset-3-icon.html</a:t>
                       </a:r>
                       <a:r>
                         <a:rPr lang="de-DE" sz="1400" dirty="0" smtClean="0"/>
@@ -6793,9 +6888,7 @@
                       <a:endParaRPr lang="de-DE" sz="1400" dirty="0"/>
                     </a:p>
                   </a:txBody>
-                  <a:tcPr>
-                    <a:noFill/>
-                  </a:tcPr>
+                  <a:tcPr/>
                 </a:tc>
               </a:tr>
               <a:tr h="370840">
@@ -6810,7 +6903,7 @@
                             <a:schemeClr val="bg1"/>
                           </a:solidFill>
                         </a:rPr>
-                        <a:t>[9]</a:t>
+                        <a:t>[21]</a:t>
                       </a:r>
                       <a:endParaRPr lang="de-DE" sz="1400" dirty="0">
                         <a:solidFill>
@@ -6819,9 +6912,7 @@
                       </a:endParaRPr>
                     </a:p>
                   </a:txBody>
-                  <a:tcPr>
-                    <a:noFill/>
-                  </a:tcPr>
+                  <a:tcPr/>
                 </a:tc>
                 <a:tc>
                   <a:txBody>
@@ -6834,18 +6925,16 @@
                             <a:schemeClr val="bg1"/>
                           </a:solidFill>
                         </a:rPr>
-                        <a:t>Haus</a:t>
-                      </a:r>
-                      <a:endParaRPr lang="de-DE" sz="1400" dirty="0">
+                        <a:t>Laptop</a:t>
+                      </a:r>
+                      <a:endParaRPr lang="de-DE" sz="1400" b="0" dirty="0">
                         <a:solidFill>
                           <a:schemeClr val="bg1"/>
                         </a:solidFill>
                       </a:endParaRPr>
                     </a:p>
                   </a:txBody>
-                  <a:tcPr>
-                    <a:noFill/>
-                  </a:tcPr>
+                  <a:tcPr/>
                 </a:tc>
                 <a:tc>
                   <a:txBody>
@@ -6856,18 +6945,16 @@
                         <a:rPr lang="de-DE" sz="1400" dirty="0" smtClean="0">
                           <a:hlinkClick r:id="rId10"/>
                         </a:rPr>
-                        <a:t>http://www.iconarchive.com/show/sleek-xp-basic-icons-by-deleket/Home-icon.html</a:t>
+                        <a:t>http://www.iconarchive.com/show/refresh-cl-icons-by-tpdkdesign.net/Hardware-Laptop-2-icon.html</a:t>
                       </a:r>
                       <a:r>
                         <a:rPr lang="de-DE" sz="1400" dirty="0" smtClean="0"/>
                         <a:t> </a:t>
                       </a:r>
-                      <a:endParaRPr lang="de-DE" sz="1400" dirty="0"/>
+                      <a:endParaRPr lang="de-DE" sz="1400" b="0" dirty="0"/>
                     </a:p>
                   </a:txBody>
-                  <a:tcPr>
-                    <a:noFill/>
-                  </a:tcPr>
+                  <a:tcPr/>
                 </a:tc>
               </a:tr>
               <a:tr h="370840">
@@ -6882,7 +6969,7 @@
                             <a:schemeClr val="bg1"/>
                           </a:solidFill>
                         </a:rPr>
-                        <a:t>[10]</a:t>
+                        <a:t>[22]</a:t>
                       </a:r>
                       <a:endParaRPr lang="de-DE" sz="1400" dirty="0">
                         <a:solidFill>
@@ -6891,9 +6978,7 @@
                       </a:endParaRPr>
                     </a:p>
                   </a:txBody>
-                  <a:tcPr>
-                    <a:noFill/>
-                  </a:tcPr>
+                  <a:tcPr/>
                 </a:tc>
                 <a:tc>
                   <a:txBody>
@@ -6906,7 +6991,15 @@
                             <a:schemeClr val="bg1"/>
                           </a:solidFill>
                         </a:rPr>
-                        <a:t>Hut</a:t>
+                        <a:t>Ortsschild </a:t>
+                      </a:r>
+                      <a:r>
+                        <a:rPr lang="de-DE" sz="1400" dirty="0" smtClean="0">
+                          <a:solidFill>
+                            <a:schemeClr val="bg1"/>
+                          </a:solidFill>
+                        </a:rPr>
+                        <a:t>W</a:t>
                       </a:r>
                       <a:endParaRPr lang="de-DE" sz="1400" dirty="0">
                         <a:solidFill>
@@ -6915,9 +7008,7 @@
                       </a:endParaRPr>
                     </a:p>
                   </a:txBody>
-                  <a:tcPr>
-                    <a:noFill/>
-                  </a:tcPr>
+                  <a:tcPr/>
                 </a:tc>
                 <a:tc>
                   <a:txBody>
@@ -6926,9 +7017,9 @@
                     <a:p>
                       <a:r>
                         <a:rPr lang="de-DE" sz="1400" dirty="0" smtClean="0">
-                          <a:hlinkClick r:id="rId11"/>
-                        </a:rPr>
-                        <a:t>http://www.iconarchive.com/show/oxygen-icons-by-oxygen-icons.org/Categories-applications-education-university-icon.html</a:t>
+                          <a:hlinkClick r:id="rId2"/>
+                        </a:rPr>
+                        <a:t>http://onlinestreet.de/strassen/ortsschild/Wolfsburg.html</a:t>
                       </a:r>
                       <a:r>
                         <a:rPr lang="de-DE" sz="1400" dirty="0" smtClean="0"/>
@@ -6937,9 +7028,7 @@
                       <a:endParaRPr lang="de-DE" sz="1400" dirty="0"/>
                     </a:p>
                   </a:txBody>
-                  <a:tcPr>
-                    <a:noFill/>
-                  </a:tcPr>
+                  <a:tcPr/>
                 </a:tc>
               </a:tr>
               <a:tr h="370840">
@@ -6954,7 +7043,7 @@
                             <a:schemeClr val="bg1"/>
                           </a:solidFill>
                         </a:rPr>
-                        <a:t>[11]</a:t>
+                        <a:t>[23]</a:t>
                       </a:r>
                       <a:endParaRPr lang="de-DE" sz="1400" dirty="0">
                         <a:solidFill>
@@ -6963,9 +7052,7 @@
                       </a:endParaRPr>
                     </a:p>
                   </a:txBody>
-                  <a:tcPr>
-                    <a:noFill/>
-                  </a:tcPr>
+                  <a:tcPr/>
                 </a:tc>
                 <a:tc>
                   <a:txBody>
@@ -6978,7 +7065,7 @@
                             <a:schemeClr val="bg1"/>
                           </a:solidFill>
                         </a:rPr>
-                        <a:t>Türkei</a:t>
+                        <a:t>Gruppe</a:t>
                       </a:r>
                       <a:endParaRPr lang="de-DE" sz="1400" dirty="0">
                         <a:solidFill>
@@ -6987,9 +7074,7 @@
                       </a:endParaRPr>
                     </a:p>
                   </a:txBody>
-                  <a:tcPr>
-                    <a:noFill/>
-                  </a:tcPr>
+                  <a:tcPr/>
                 </a:tc>
                 <a:tc>
                   <a:txBody>
@@ -6998,9 +7083,9 @@
                     <a:p>
                       <a:r>
                         <a:rPr lang="de-DE" sz="1400" dirty="0" smtClean="0">
-                          <a:hlinkClick r:id="rId12"/>
-                        </a:rPr>
-                        <a:t>http://www.iconarchive.com/show/all-country-flag-icons-by-custom-icon-design/Turkey-Flag-icon.html</a:t>
+                          <a:hlinkClick r:id="rId11"/>
+                        </a:rPr>
+                        <a:t>http://www.iconarchive.com/show/soft-scraps-icons-by-deleket/User-Group-icon.html</a:t>
                       </a:r>
                       <a:r>
                         <a:rPr lang="de-DE" sz="1400" dirty="0" smtClean="0"/>
@@ -7009,9 +7094,7 @@
                       <a:endParaRPr lang="de-DE" sz="1400" dirty="0"/>
                     </a:p>
                   </a:txBody>
-                  <a:tcPr>
-                    <a:noFill/>
-                  </a:tcPr>
+                  <a:tcPr/>
                 </a:tc>
               </a:tr>
             </a:tbl>
@@ -7093,6 +7176,13 @@
   <p:clrMapOvr>
     <a:masterClrMapping/>
   </p:clrMapOvr>
+  <p:timing>
+    <p:tnLst>
+      <p:par>
+        <p:cTn id="1" dur="indefinite" restart="never" nodeType="tmRoot"/>
+      </p:par>
+    </p:tnLst>
+  </p:timing>
 </p:sld>
 </file>
 
@@ -7148,18 +7238,18 @@
         </p:nvGraphicFramePr>
         <p:xfrm>
           <a:off x="323528" y="1125538"/>
-          <a:ext cx="8568952" cy="5120640"/>
+          <a:ext cx="8568952" cy="4815840"/>
         </p:xfrm>
         <a:graphic>
           <a:graphicData uri="http://schemas.openxmlformats.org/drawingml/2006/table">
             <a:tbl>
               <a:tblPr firstRow="1" bandRow="1">
-                <a:tableStyleId>{5C22544A-7EE6-4342-B048-85BDC9FD1C3A}</a:tableStyleId>
+                <a:tableStyleId>{2D5ABB26-0587-4C30-8999-92F81FD0307C}</a:tableStyleId>
               </a:tblPr>
               <a:tblGrid>
                 <a:gridCol w="504056"/>
-                <a:gridCol w="1081238"/>
-                <a:gridCol w="6983658"/>
+                <a:gridCol w="1152128"/>
+                <a:gridCol w="6912768"/>
               </a:tblGrid>
               <a:tr h="287238">
                 <a:tc>
@@ -7168,12 +7258,12 @@
                     <a:lstStyle/>
                     <a:p>
                       <a:r>
-                        <a:rPr lang="de-DE" sz="1400" b="0" dirty="0" smtClean="0">
+                        <a:rPr lang="de-DE" sz="1400" dirty="0" smtClean="0">
                           <a:solidFill>
                             <a:schemeClr val="bg1"/>
                           </a:solidFill>
                         </a:rPr>
-                        <a:t>[1]</a:t>
+                        <a:t>[24]</a:t>
                       </a:r>
                       <a:endParaRPr lang="de-DE" sz="1400" b="0" dirty="0">
                         <a:solidFill>
@@ -7182,9 +7272,7 @@
                       </a:endParaRPr>
                     </a:p>
                   </a:txBody>
-                  <a:tcPr>
-                    <a:noFill/>
-                  </a:tcPr>
+                  <a:tcPr/>
                 </a:tc>
                 <a:tc>
                   <a:txBody>
@@ -7192,12 +7280,12 @@
                     <a:lstStyle/>
                     <a:p>
                       <a:r>
-                        <a:rPr lang="de-DE" sz="1400" b="0" dirty="0" smtClean="0">
+                        <a:rPr lang="de-DE" sz="1400" dirty="0" smtClean="0">
                           <a:solidFill>
                             <a:schemeClr val="bg1"/>
                           </a:solidFill>
                         </a:rPr>
-                        <a:t>Stapel</a:t>
+                        <a:t>Taxi</a:t>
                       </a:r>
                       <a:endParaRPr lang="de-DE" sz="1400" b="0" dirty="0">
                         <a:solidFill>
@@ -7206,9 +7294,7 @@
                       </a:endParaRPr>
                     </a:p>
                   </a:txBody>
-                  <a:tcPr>
-                    <a:noFill/>
-                  </a:tcPr>
+                  <a:tcPr/>
                 </a:tc>
                 <a:tc>
                   <a:txBody>
@@ -7216,21 +7302,19 @@
                     <a:lstStyle/>
                     <a:p>
                       <a:r>
-                        <a:rPr lang="de-DE" sz="1400" b="0" dirty="0" smtClean="0">
+                        <a:rPr lang="de-DE" sz="1400" dirty="0" smtClean="0">
                           <a:hlinkClick r:id="rId2"/>
                         </a:rPr>
-                        <a:t>http://www.iconarchive.com/show/recycling-icons-by-skuzigraphic/paper-icon.html</a:t>
-                      </a:r>
-                      <a:r>
-                        <a:rPr lang="de-DE" sz="1400" b="0" dirty="0" smtClean="0"/>
+                        <a:t>http://www.iconarchive.com/show/travel-icons-by-aha-soft/taxi-icon.html</a:t>
+                      </a:r>
+                      <a:r>
+                        <a:rPr lang="de-DE" sz="1400" dirty="0" smtClean="0"/>
                         <a:t> </a:t>
                       </a:r>
                       <a:endParaRPr lang="de-DE" sz="1400" b="0" dirty="0"/>
                     </a:p>
                   </a:txBody>
-                  <a:tcPr>
-                    <a:noFill/>
-                  </a:tcPr>
+                  <a:tcPr/>
                 </a:tc>
               </a:tr>
               <a:tr h="370840">
@@ -7245,7 +7329,15 @@
                             <a:schemeClr val="bg1"/>
                           </a:solidFill>
                         </a:rPr>
-                        <a:t>[2]</a:t>
+                        <a:t>[</a:t>
+                      </a:r>
+                      <a:r>
+                        <a:rPr lang="de-DE" sz="1400" dirty="0" smtClean="0">
+                          <a:solidFill>
+                            <a:schemeClr val="bg1"/>
+                          </a:solidFill>
+                        </a:rPr>
+                        <a:t>25]</a:t>
                       </a:r>
                       <a:endParaRPr lang="de-DE" sz="1400" dirty="0">
                         <a:solidFill>
@@ -7254,9 +7346,7 @@
                       </a:endParaRPr>
                     </a:p>
                   </a:txBody>
-                  <a:tcPr>
-                    <a:noFill/>
-                  </a:tcPr>
+                  <a:tcPr/>
                 </a:tc>
                 <a:tc>
                   <a:txBody>
@@ -7269,7 +7359,7 @@
                             <a:schemeClr val="bg1"/>
                           </a:solidFill>
                         </a:rPr>
-                        <a:t>Blasen</a:t>
+                        <a:t>VW Logo</a:t>
                       </a:r>
                       <a:endParaRPr lang="de-DE" sz="1400" dirty="0">
                         <a:solidFill>
@@ -7278,9 +7368,7 @@
                       </a:endParaRPr>
                     </a:p>
                   </a:txBody>
-                  <a:tcPr>
-                    <a:noFill/>
-                  </a:tcPr>
+                  <a:tcPr/>
                 </a:tc>
                 <a:tc>
                   <a:txBody>
@@ -7291,7 +7379,7 @@
                         <a:rPr lang="de-DE" sz="1400" dirty="0" smtClean="0">
                           <a:hlinkClick r:id="rId3"/>
                         </a:rPr>
-                        <a:t>http://www.iconarchive.com/show/pretty-office-6-icons-by-custom-icon-design/communication-icon.html</a:t>
+                        <a:t>http://media.photobucket.com/image/vw%20button%20icon/caddy-shack/VW%20Emblems%20%20Logos/VW%20Applied%20Emblems/vw-button_icon-3.jpg?o=3</a:t>
                       </a:r>
                       <a:r>
                         <a:rPr lang="de-DE" sz="1400" dirty="0" smtClean="0"/>
@@ -7300,9 +7388,7 @@
                       <a:endParaRPr lang="de-DE" sz="1400" dirty="0"/>
                     </a:p>
                   </a:txBody>
-                  <a:tcPr>
-                    <a:noFill/>
-                  </a:tcPr>
+                  <a:tcPr/>
                 </a:tc>
               </a:tr>
               <a:tr h="370840">
@@ -7317,7 +7403,7 @@
                             <a:schemeClr val="bg1"/>
                           </a:solidFill>
                         </a:rPr>
-                        <a:t>[3]</a:t>
+                        <a:t>[26]</a:t>
                       </a:r>
                       <a:endParaRPr lang="de-DE" sz="1400" dirty="0">
                         <a:solidFill>
@@ -7326,9 +7412,7 @@
                       </a:endParaRPr>
                     </a:p>
                   </a:txBody>
-                  <a:tcPr>
-                    <a:noFill/>
-                  </a:tcPr>
+                  <a:tcPr/>
                 </a:tc>
                 <a:tc>
                   <a:txBody>
@@ -7341,18 +7425,16 @@
                             <a:schemeClr val="bg1"/>
                           </a:solidFill>
                         </a:rPr>
-                        <a:t>X</a:t>
-                      </a:r>
-                      <a:endParaRPr lang="de-DE" sz="1400" dirty="0">
+                        <a:t>Stapel</a:t>
+                      </a:r>
+                      <a:endParaRPr lang="de-DE" sz="1400" b="0" dirty="0">
                         <a:solidFill>
                           <a:schemeClr val="bg1"/>
                         </a:solidFill>
                       </a:endParaRPr>
                     </a:p>
                   </a:txBody>
-                  <a:tcPr>
-                    <a:noFill/>
-                  </a:tcPr>
+                  <a:tcPr/>
                 </a:tc>
                 <a:tc>
                   <a:txBody>
@@ -7363,18 +7445,16 @@
                         <a:rPr lang="de-DE" sz="1400" dirty="0" smtClean="0">
                           <a:hlinkClick r:id="rId4"/>
                         </a:rPr>
-                        <a:t>http://www.iconarchive.com/show/farm-fresh-icons-by-fatcow/cross-icon.html</a:t>
+                        <a:t>http://www.iconarchive.com/show/recycling-icons-by-skuzigraphic/paper-icon.html</a:t>
                       </a:r>
                       <a:r>
                         <a:rPr lang="de-DE" sz="1400" dirty="0" smtClean="0"/>
                         <a:t> </a:t>
                       </a:r>
-                      <a:endParaRPr lang="de-DE" sz="1400" dirty="0"/>
+                      <a:endParaRPr lang="de-DE" sz="1400" b="0" dirty="0"/>
                     </a:p>
                   </a:txBody>
-                  <a:tcPr>
-                    <a:noFill/>
-                  </a:tcPr>
+                  <a:tcPr/>
                 </a:tc>
               </a:tr>
               <a:tr h="370840">
@@ -7389,7 +7469,7 @@
                             <a:schemeClr val="bg1"/>
                           </a:solidFill>
                         </a:rPr>
-                        <a:t>[4]</a:t>
+                        <a:t>[27]</a:t>
                       </a:r>
                       <a:endParaRPr lang="de-DE" sz="1400" dirty="0">
                         <a:solidFill>
@@ -7398,9 +7478,7 @@
                       </a:endParaRPr>
                     </a:p>
                   </a:txBody>
-                  <a:tcPr>
-                    <a:noFill/>
-                  </a:tcPr>
+                  <a:tcPr/>
                 </a:tc>
                 <a:tc>
                   <a:txBody>
@@ -7413,18 +7491,16 @@
                             <a:schemeClr val="bg1"/>
                           </a:solidFill>
                         </a:rPr>
-                        <a:t>Handy</a:t>
-                      </a:r>
-                      <a:endParaRPr lang="de-DE" sz="1400" dirty="0">
+                        <a:t>X</a:t>
+                      </a:r>
+                      <a:endParaRPr lang="de-DE" sz="1400" b="0" dirty="0">
                         <a:solidFill>
                           <a:schemeClr val="bg1"/>
                         </a:solidFill>
                       </a:endParaRPr>
                     </a:p>
                   </a:txBody>
-                  <a:tcPr>
-                    <a:noFill/>
-                  </a:tcPr>
+                  <a:tcPr/>
                 </a:tc>
                 <a:tc>
                   <a:txBody>
@@ -7435,18 +7511,16 @@
                         <a:rPr lang="de-DE" sz="1400" dirty="0" smtClean="0">
                           <a:hlinkClick r:id="rId5"/>
                         </a:rPr>
-                        <a:t>http://www.iconarchive.com/show/real-vista-mobile-icons-by-iconshock/blackberry-icon.html</a:t>
+                        <a:t>http://www.iconarchive.com/show/farm-fresh-icons-by-fatcow/cross-icon.html</a:t>
                       </a:r>
                       <a:r>
                         <a:rPr lang="de-DE" sz="1400" dirty="0" smtClean="0"/>
                         <a:t> </a:t>
                       </a:r>
-                      <a:endParaRPr lang="de-DE" sz="1400" dirty="0"/>
+                      <a:endParaRPr lang="de-DE" sz="1400" b="0" dirty="0"/>
                     </a:p>
                   </a:txBody>
-                  <a:tcPr>
-                    <a:noFill/>
-                  </a:tcPr>
+                  <a:tcPr/>
                 </a:tc>
               </a:tr>
               <a:tr h="370840">
@@ -7461,7 +7535,7 @@
                             <a:schemeClr val="bg1"/>
                           </a:solidFill>
                         </a:rPr>
-                        <a:t>[5]</a:t>
+                        <a:t>[28]</a:t>
                       </a:r>
                       <a:endParaRPr lang="de-DE" sz="1400" dirty="0">
                         <a:solidFill>
@@ -7470,9 +7544,7 @@
                       </a:endParaRPr>
                     </a:p>
                   </a:txBody>
-                  <a:tcPr>
-                    <a:noFill/>
-                  </a:tcPr>
+                  <a:tcPr/>
                 </a:tc>
                 <a:tc>
                   <a:txBody>
@@ -7485,18 +7557,16 @@
                             <a:schemeClr val="bg1"/>
                           </a:solidFill>
                         </a:rPr>
-                        <a:t>Ticket Grün</a:t>
-                      </a:r>
-                      <a:endParaRPr lang="de-DE" sz="1400" dirty="0">
+                        <a:t>Handy</a:t>
+                      </a:r>
+                      <a:endParaRPr lang="de-DE" sz="1400" b="0" dirty="0">
                         <a:solidFill>
                           <a:schemeClr val="bg1"/>
                         </a:solidFill>
                       </a:endParaRPr>
                     </a:p>
                   </a:txBody>
-                  <a:tcPr>
-                    <a:noFill/>
-                  </a:tcPr>
+                  <a:tcPr/>
                 </a:tc>
                 <a:tc>
                   <a:txBody>
@@ -7507,18 +7577,16 @@
                         <a:rPr lang="de-DE" sz="1400" dirty="0" smtClean="0">
                           <a:hlinkClick r:id="rId6"/>
                         </a:rPr>
-                        <a:t>http://www.iconarchive.com/show/pretty-office-3-icons-by-custom-icon-design/ticket-1-icon.html</a:t>
+                        <a:t>http://www.iconarchive.com/show/real-vista-mobile-icons-by-iconshock/blackberry-icon.html</a:t>
                       </a:r>
                       <a:r>
                         <a:rPr lang="de-DE" sz="1400" dirty="0" smtClean="0"/>
                         <a:t> </a:t>
                       </a:r>
-                      <a:endParaRPr lang="de-DE" sz="1400" dirty="0"/>
+                      <a:endParaRPr lang="de-DE" sz="1400" b="0" dirty="0"/>
                     </a:p>
                   </a:txBody>
-                  <a:tcPr>
-                    <a:noFill/>
-                  </a:tcPr>
+                  <a:tcPr/>
                 </a:tc>
               </a:tr>
               <a:tr h="370840">
@@ -7533,7 +7601,7 @@
                             <a:schemeClr val="bg1"/>
                           </a:solidFill>
                         </a:rPr>
-                        <a:t>[6]</a:t>
+                        <a:t>[29]</a:t>
                       </a:r>
                       <a:endParaRPr lang="de-DE" sz="1400" dirty="0">
                         <a:solidFill>
@@ -7542,9 +7610,7 @@
                       </a:endParaRPr>
                     </a:p>
                   </a:txBody>
-                  <a:tcPr>
-                    <a:noFill/>
-                  </a:tcPr>
+                  <a:tcPr/>
                 </a:tc>
                 <a:tc>
                   <a:txBody>
@@ -7557,18 +7623,16 @@
                             <a:schemeClr val="bg1"/>
                           </a:solidFill>
                         </a:rPr>
-                        <a:t>Sozial 1</a:t>
-                      </a:r>
-                      <a:endParaRPr lang="de-DE" sz="1400" dirty="0">
+                        <a:t>Ticket Grün</a:t>
+                      </a:r>
+                      <a:endParaRPr lang="de-DE" sz="1400" b="0" dirty="0">
                         <a:solidFill>
                           <a:schemeClr val="bg1"/>
                         </a:solidFill>
                       </a:endParaRPr>
                     </a:p>
                   </a:txBody>
-                  <a:tcPr>
-                    <a:noFill/>
-                  </a:tcPr>
+                  <a:tcPr/>
                 </a:tc>
                 <a:tc>
                   <a:txBody>
@@ -7579,18 +7643,16 @@
                         <a:rPr lang="de-DE" sz="1400" dirty="0" smtClean="0">
                           <a:hlinkClick r:id="rId7"/>
                         </a:rPr>
-                        <a:t>http://www.iconarchive.com/show/soft-scraps-icons-by-deleket/User-Chat-icon.html</a:t>
+                        <a:t>http://www.iconarchive.com/show/pretty-office-3-icons-by-custom-icon-design/ticket-1-icon.html</a:t>
                       </a:r>
                       <a:r>
                         <a:rPr lang="de-DE" sz="1400" dirty="0" smtClean="0"/>
                         <a:t> </a:t>
                       </a:r>
-                      <a:endParaRPr lang="de-DE" sz="1400" dirty="0"/>
+                      <a:endParaRPr lang="de-DE" sz="1400" b="0" dirty="0"/>
                     </a:p>
                   </a:txBody>
-                  <a:tcPr>
-                    <a:noFill/>
-                  </a:tcPr>
+                  <a:tcPr/>
                 </a:tc>
               </a:tr>
               <a:tr h="370840">
@@ -7605,7 +7667,7 @@
                             <a:schemeClr val="bg1"/>
                           </a:solidFill>
                         </a:rPr>
-                        <a:t>[7]</a:t>
+                        <a:t>[30]</a:t>
                       </a:r>
                       <a:endParaRPr lang="de-DE" sz="1400" dirty="0">
                         <a:solidFill>
@@ -7614,9 +7676,7 @@
                       </a:endParaRPr>
                     </a:p>
                   </a:txBody>
-                  <a:tcPr>
-                    <a:noFill/>
-                  </a:tcPr>
+                  <a:tcPr/>
                 </a:tc>
                 <a:tc>
                   <a:txBody>
@@ -7629,26 +7689,16 @@
                             <a:schemeClr val="bg1"/>
                           </a:solidFill>
                         </a:rPr>
-                        <a:t>Sozial</a:t>
-                      </a:r>
-                      <a:r>
-                        <a:rPr lang="de-DE" sz="1400" baseline="0" dirty="0" smtClean="0">
-                          <a:solidFill>
-                            <a:schemeClr val="bg1"/>
-                          </a:solidFill>
-                        </a:rPr>
-                        <a:t> 2</a:t>
-                      </a:r>
-                      <a:endParaRPr lang="de-DE" sz="1400" dirty="0">
+                        <a:t>Blasen</a:t>
+                      </a:r>
+                      <a:endParaRPr lang="de-DE" sz="1400" b="0" dirty="0">
                         <a:solidFill>
                           <a:schemeClr val="bg1"/>
                         </a:solidFill>
                       </a:endParaRPr>
                     </a:p>
                   </a:txBody>
-                  <a:tcPr>
-                    <a:noFill/>
-                  </a:tcPr>
+                  <a:tcPr/>
                 </a:tc>
                 <a:tc>
                   <a:txBody>
@@ -7659,18 +7709,16 @@
                         <a:rPr lang="de-DE" sz="1400" dirty="0" smtClean="0">
                           <a:hlinkClick r:id="rId8"/>
                         </a:rPr>
-                        <a:t>http://www.iconarchive.com/show/sleek-xp-basic-icons-by-deleket/Chat-icon.html</a:t>
+                        <a:t>http://www.iconarchive.com/show/pretty-office-6-icons-by-custom-icon-design/communication-icon.html</a:t>
                       </a:r>
                       <a:r>
                         <a:rPr lang="de-DE" sz="1400" dirty="0" smtClean="0"/>
                         <a:t> </a:t>
                       </a:r>
-                      <a:endParaRPr lang="de-DE" sz="1400" dirty="0"/>
+                      <a:endParaRPr lang="de-DE" sz="1400" b="0" dirty="0"/>
                     </a:p>
                   </a:txBody>
-                  <a:tcPr>
-                    <a:noFill/>
-                  </a:tcPr>
+                  <a:tcPr/>
                 </a:tc>
               </a:tr>
               <a:tr h="370840">
@@ -7685,7 +7733,7 @@
                             <a:schemeClr val="bg1"/>
                           </a:solidFill>
                         </a:rPr>
-                        <a:t>[8]</a:t>
+                        <a:t>[31]</a:t>
                       </a:r>
                       <a:endParaRPr lang="de-DE" sz="1400" dirty="0">
                         <a:solidFill>
@@ -7694,9 +7742,7 @@
                       </a:endParaRPr>
                     </a:p>
                   </a:txBody>
-                  <a:tcPr>
-                    <a:noFill/>
-                  </a:tcPr>
+                  <a:tcPr/>
                 </a:tc>
                 <a:tc>
                   <a:txBody>
@@ -7709,7 +7755,7 @@
                             <a:schemeClr val="bg1"/>
                           </a:solidFill>
                         </a:rPr>
-                        <a:t>Router</a:t>
+                        <a:t>Karte</a:t>
                       </a:r>
                       <a:endParaRPr lang="de-DE" sz="1400" dirty="0">
                         <a:solidFill>
@@ -7718,9 +7764,7 @@
                       </a:endParaRPr>
                     </a:p>
                   </a:txBody>
-                  <a:tcPr>
-                    <a:noFill/>
-                  </a:tcPr>
+                  <a:tcPr/>
                 </a:tc>
                 <a:tc>
                   <a:txBody>
@@ -7731,7 +7775,7 @@
                         <a:rPr lang="de-DE" sz="1400" dirty="0" smtClean="0">
                           <a:hlinkClick r:id="rId9"/>
                         </a:rPr>
-                        <a:t>http://www.iconarchive.com/show/junior-icons-by-treetog/network-icon.html</a:t>
+                        <a:t>http://www.iconarchive.com/show/palm-icons-by-thiago-silva/Google-Maps-icon.html</a:t>
                       </a:r>
                       <a:r>
                         <a:rPr lang="de-DE" sz="1400" dirty="0" smtClean="0"/>
@@ -7740,9 +7784,7 @@
                       <a:endParaRPr lang="de-DE" sz="1400" dirty="0"/>
                     </a:p>
                   </a:txBody>
-                  <a:tcPr>
-                    <a:noFill/>
-                  </a:tcPr>
+                  <a:tcPr/>
                 </a:tc>
               </a:tr>
               <a:tr h="370840">
@@ -7757,7 +7799,7 @@
                             <a:schemeClr val="bg1"/>
                           </a:solidFill>
                         </a:rPr>
-                        <a:t>[9]</a:t>
+                        <a:t>[32]</a:t>
                       </a:r>
                       <a:endParaRPr lang="de-DE" sz="1400" dirty="0">
                         <a:solidFill>
@@ -7766,9 +7808,7 @@
                       </a:endParaRPr>
                     </a:p>
                   </a:txBody>
-                  <a:tcPr>
-                    <a:noFill/>
-                  </a:tcPr>
+                  <a:tcPr/>
                 </a:tc>
                 <a:tc>
                   <a:txBody>
@@ -7781,18 +7821,16 @@
                             <a:schemeClr val="bg1"/>
                           </a:solidFill>
                         </a:rPr>
-                        <a:t>Homepage</a:t>
-                      </a:r>
-                      <a:endParaRPr lang="de-DE" sz="1400" dirty="0">
+                        <a:t>Sozial 1</a:t>
+                      </a:r>
+                      <a:endParaRPr lang="de-DE" sz="1400" b="0" dirty="0">
                         <a:solidFill>
                           <a:schemeClr val="bg1"/>
                         </a:solidFill>
                       </a:endParaRPr>
                     </a:p>
                   </a:txBody>
-                  <a:tcPr>
-                    <a:noFill/>
-                  </a:tcPr>
+                  <a:tcPr/>
                 </a:tc>
                 <a:tc>
                   <a:txBody>
@@ -7803,18 +7841,16 @@
                         <a:rPr lang="de-DE" sz="1400" dirty="0" smtClean="0">
                           <a:hlinkClick r:id="rId10"/>
                         </a:rPr>
-                        <a:t>http://www.iconarchive.com/show/ivista-2-icons-by-gakuseisean/Network-Panel-Settings-icon.html</a:t>
+                        <a:t>http://www.iconarchive.com/show/soft-scraps-icons-by-deleket/User-Chat-icon.html</a:t>
                       </a:r>
                       <a:r>
                         <a:rPr lang="de-DE" sz="1400" dirty="0" smtClean="0"/>
                         <a:t> </a:t>
                       </a:r>
-                      <a:endParaRPr lang="de-DE" sz="1400" dirty="0"/>
+                      <a:endParaRPr lang="de-DE" sz="1400" b="0" dirty="0"/>
                     </a:p>
                   </a:txBody>
-                  <a:tcPr>
-                    <a:noFill/>
-                  </a:tcPr>
+                  <a:tcPr/>
                 </a:tc>
               </a:tr>
               <a:tr h="370840">
@@ -7829,7 +7865,7 @@
                             <a:schemeClr val="bg1"/>
                           </a:solidFill>
                         </a:rPr>
-                        <a:t>[10]</a:t>
+                        <a:t>[33]</a:t>
                       </a:r>
                       <a:endParaRPr lang="de-DE" sz="1400" dirty="0">
                         <a:solidFill>
@@ -7838,9 +7874,7 @@
                       </a:endParaRPr>
                     </a:p>
                   </a:txBody>
-                  <a:tcPr>
-                    <a:noFill/>
-                  </a:tcPr>
+                  <a:tcPr/>
                 </a:tc>
                 <a:tc>
                   <a:txBody>
@@ -7853,18 +7887,24 @@
                             <a:schemeClr val="bg1"/>
                           </a:solidFill>
                         </a:rPr>
-                        <a:t>Wecker</a:t>
-                      </a:r>
-                      <a:endParaRPr lang="de-DE" sz="1400" dirty="0">
+                        <a:t>Sozial</a:t>
+                      </a:r>
+                      <a:r>
+                        <a:rPr lang="de-DE" sz="1400" baseline="0" dirty="0" smtClean="0">
+                          <a:solidFill>
+                            <a:schemeClr val="bg1"/>
+                          </a:solidFill>
+                        </a:rPr>
+                        <a:t> 2</a:t>
+                      </a:r>
+                      <a:endParaRPr lang="de-DE" sz="1400" b="0" dirty="0">
                         <a:solidFill>
                           <a:schemeClr val="bg1"/>
                         </a:solidFill>
                       </a:endParaRPr>
                     </a:p>
                   </a:txBody>
-                  <a:tcPr>
-                    <a:noFill/>
-                  </a:tcPr>
+                  <a:tcPr/>
                 </a:tc>
                 <a:tc>
                   <a:txBody>
@@ -7875,18 +7915,16 @@
                         <a:rPr lang="de-DE" sz="1400" dirty="0" smtClean="0">
                           <a:hlinkClick r:id="rId11"/>
                         </a:rPr>
-                        <a:t>http://www.iconarchive.com/show/real-vista-communications-icons-by-iconshock/clock-icon.html</a:t>
+                        <a:t>http://www.iconarchive.com/show/sleek-xp-basic-icons-by-deleket/Chat-icon.html</a:t>
                       </a:r>
                       <a:r>
                         <a:rPr lang="de-DE" sz="1400" dirty="0" smtClean="0"/>
                         <a:t> </a:t>
                       </a:r>
-                      <a:endParaRPr lang="de-DE" sz="1400" dirty="0"/>
+                      <a:endParaRPr lang="de-DE" sz="1400" b="0" dirty="0"/>
                     </a:p>
                   </a:txBody>
-                  <a:tcPr>
-                    <a:noFill/>
-                  </a:tcPr>
+                  <a:tcPr/>
                 </a:tc>
               </a:tr>
               <a:tr h="370840">
@@ -7901,7 +7939,7 @@
                             <a:schemeClr val="bg1"/>
                           </a:solidFill>
                         </a:rPr>
-                        <a:t>[11]</a:t>
+                        <a:t>[34]</a:t>
                       </a:r>
                       <a:endParaRPr lang="de-DE" sz="1400" dirty="0">
                         <a:solidFill>
@@ -7910,9 +7948,7 @@
                       </a:endParaRPr>
                     </a:p>
                   </a:txBody>
-                  <a:tcPr>
-                    <a:noFill/>
-                  </a:tcPr>
+                  <a:tcPr/>
                 </a:tc>
                 <a:tc>
                   <a:txBody>
@@ -7925,18 +7961,16 @@
                             <a:schemeClr val="bg1"/>
                           </a:solidFill>
                         </a:rPr>
-                        <a:t>Mail</a:t>
-                      </a:r>
-                      <a:endParaRPr lang="de-DE" sz="1400" dirty="0">
+                        <a:t>Router</a:t>
+                      </a:r>
+                      <a:endParaRPr lang="de-DE" sz="1400" b="0" dirty="0">
                         <a:solidFill>
                           <a:schemeClr val="bg1"/>
                         </a:solidFill>
                       </a:endParaRPr>
                     </a:p>
                   </a:txBody>
-                  <a:tcPr>
-                    <a:noFill/>
-                  </a:tcPr>
+                  <a:tcPr/>
                 </a:tc>
                 <a:tc>
                   <a:txBody>
@@ -7947,90 +7981,16 @@
                         <a:rPr lang="de-DE" sz="1400" dirty="0" smtClean="0">
                           <a:hlinkClick r:id="rId12"/>
                         </a:rPr>
-                        <a:t>http://www.iconarchive.com/show/sleek-xp-basic-icons-by-deleket/Mail-icon.html</a:t>
+                        <a:t>http://www.iconarchive.com/show/junior-icons-by-treetog/network-icon.html</a:t>
                       </a:r>
                       <a:r>
                         <a:rPr lang="de-DE" sz="1400" dirty="0" smtClean="0"/>
                         <a:t> </a:t>
                       </a:r>
-                      <a:endParaRPr lang="de-DE" sz="1400" dirty="0"/>
+                      <a:endParaRPr lang="de-DE" sz="1400" b="0" dirty="0"/>
                     </a:p>
                   </a:txBody>
-                  <a:tcPr>
-                    <a:noFill/>
-                  </a:tcPr>
-                </a:tc>
-              </a:tr>
-              <a:tr h="370840">
-                <a:tc>
-                  <a:txBody>
-                    <a:bodyPr/>
-                    <a:lstStyle/>
-                    <a:p>
-                      <a:r>
-                        <a:rPr lang="de-DE" sz="1400" dirty="0" smtClean="0">
-                          <a:solidFill>
-                            <a:schemeClr val="bg1"/>
-                          </a:solidFill>
-                        </a:rPr>
-                        <a:t>[8]</a:t>
-                      </a:r>
-                      <a:endParaRPr lang="de-DE" sz="1400" dirty="0">
-                        <a:solidFill>
-                          <a:schemeClr val="bg1"/>
-                        </a:solidFill>
-                      </a:endParaRPr>
-                    </a:p>
-                  </a:txBody>
-                  <a:tcPr>
-                    <a:noFill/>
-                  </a:tcPr>
-                </a:tc>
-                <a:tc>
-                  <a:txBody>
-                    <a:bodyPr/>
-                    <a:lstStyle/>
-                    <a:p>
-                      <a:r>
-                        <a:rPr lang="de-DE" sz="1400" dirty="0" smtClean="0">
-                          <a:solidFill>
-                            <a:schemeClr val="bg1"/>
-                          </a:solidFill>
-                        </a:rPr>
-                        <a:t>Outlook</a:t>
-                      </a:r>
-                      <a:endParaRPr lang="de-DE" sz="1400" dirty="0">
-                        <a:solidFill>
-                          <a:schemeClr val="bg1"/>
-                        </a:solidFill>
-                      </a:endParaRPr>
-                    </a:p>
-                  </a:txBody>
-                  <a:tcPr>
-                    <a:noFill/>
-                  </a:tcPr>
-                </a:tc>
-                <a:tc>
-                  <a:txBody>
-                    <a:bodyPr/>
-                    <a:lstStyle/>
-                    <a:p>
-                      <a:r>
-                        <a:rPr lang="de-DE" sz="1400" dirty="0" smtClean="0">
-                          <a:hlinkClick r:id="rId13"/>
-                        </a:rPr>
-                        <a:t>http://www.iconarchive.com/show/softdimension-icons-by-benjigarner/Outlook-icon.html</a:t>
-                      </a:r>
-                      <a:r>
-                        <a:rPr lang="de-DE" sz="1400" dirty="0" smtClean="0"/>
-                        <a:t> </a:t>
-                      </a:r>
-                      <a:endParaRPr lang="de-DE" sz="1400" dirty="0"/>
-                    </a:p>
-                  </a:txBody>
-                  <a:tcPr>
-                    <a:noFill/>
-                  </a:tcPr>
+                  <a:tcPr/>
                 </a:tc>
               </a:tr>
             </a:tbl>
@@ -8112,6 +8072,13 @@
   <p:clrMapOvr>
     <a:masterClrMapping/>
   </p:clrMapOvr>
+  <p:timing>
+    <p:tnLst>
+      <p:par>
+        <p:cTn id="1" dur="indefinite" restart="never" nodeType="tmRoot"/>
+      </p:par>
+    </p:tnLst>
+  </p:timing>
 </p:sld>
 </file>
 
@@ -8167,32 +8134,32 @@
         </p:nvGraphicFramePr>
         <p:xfrm>
           <a:off x="323528" y="1125538"/>
-          <a:ext cx="8568952" cy="4384040"/>
+          <a:ext cx="8568952" cy="4521200"/>
         </p:xfrm>
         <a:graphic>
           <a:graphicData uri="http://schemas.openxmlformats.org/drawingml/2006/table">
             <a:tbl>
               <a:tblPr firstRow="1" bandRow="1">
-                <a:tableStyleId>{5C22544A-7EE6-4342-B048-85BDC9FD1C3A}</a:tableStyleId>
+                <a:tableStyleId>{2D5ABB26-0587-4C30-8999-92F81FD0307C}</a:tableStyleId>
               </a:tblPr>
               <a:tblGrid>
                 <a:gridCol w="504056"/>
-                <a:gridCol w="1081238"/>
-                <a:gridCol w="6983658"/>
+                <a:gridCol w="1152128"/>
+                <a:gridCol w="6912768"/>
               </a:tblGrid>
-              <a:tr h="287238">
+              <a:tr h="370840">
                 <a:tc>
                   <a:txBody>
                     <a:bodyPr/>
                     <a:lstStyle/>
                     <a:p>
                       <a:r>
-                        <a:rPr lang="de-DE" sz="1400" b="0" dirty="0" smtClean="0">
+                        <a:rPr lang="de-DE" sz="1400" dirty="0" smtClean="0">
                           <a:solidFill>
                             <a:schemeClr val="bg1"/>
                           </a:solidFill>
                         </a:rPr>
-                        <a:t>[1]</a:t>
+                        <a:t>[35]</a:t>
                       </a:r>
                       <a:endParaRPr lang="de-DE" sz="1400" b="0" dirty="0">
                         <a:solidFill>
@@ -8201,9 +8168,7 @@
                       </a:endParaRPr>
                     </a:p>
                   </a:txBody>
-                  <a:tcPr>
-                    <a:noFill/>
-                  </a:tcPr>
+                  <a:tcPr/>
                 </a:tc>
                 <a:tc>
                   <a:txBody>
@@ -8211,12 +8176,12 @@
                     <a:lstStyle/>
                     <a:p>
                       <a:r>
-                        <a:rPr lang="de-DE" sz="1400" b="0" dirty="0" smtClean="0">
+                        <a:rPr lang="de-DE" sz="1400" dirty="0" smtClean="0">
                           <a:solidFill>
                             <a:schemeClr val="bg1"/>
                           </a:solidFill>
                         </a:rPr>
-                        <a:t>Kalender</a:t>
+                        <a:t>Homepage</a:t>
                       </a:r>
                       <a:endParaRPr lang="de-DE" sz="1400" b="0" dirty="0">
                         <a:solidFill>
@@ -8225,9 +8190,7 @@
                       </a:endParaRPr>
                     </a:p>
                   </a:txBody>
-                  <a:tcPr>
-                    <a:noFill/>
-                  </a:tcPr>
+                  <a:tcPr/>
                 </a:tc>
                 <a:tc>
                   <a:txBody>
@@ -8235,21 +8198,19 @@
                     <a:lstStyle/>
                     <a:p>
                       <a:r>
-                        <a:rPr lang="de-DE" sz="1400" b="0" dirty="0" smtClean="0">
+                        <a:rPr lang="de-DE" sz="1400" dirty="0" smtClean="0">
                           <a:hlinkClick r:id="rId2"/>
                         </a:rPr>
-                        <a:t>http://www.iconarchive.com/show/recycling-icons-by-skuzigraphic/paper-icon.html</a:t>
-                      </a:r>
-                      <a:r>
-                        <a:rPr lang="de-DE" sz="1400" b="0" dirty="0" smtClean="0"/>
+                        <a:t>http://www.iconarchive.com/show/ivista-2-icons-by-gakuseisean/Network-Panel-Settings-icon.html</a:t>
+                      </a:r>
+                      <a:r>
+                        <a:rPr lang="de-DE" sz="1400" dirty="0" smtClean="0"/>
                         <a:t> </a:t>
                       </a:r>
                       <a:endParaRPr lang="de-DE" sz="1400" b="0" dirty="0"/>
                     </a:p>
                   </a:txBody>
-                  <a:tcPr>
-                    <a:noFill/>
-                  </a:tcPr>
+                  <a:tcPr/>
                 </a:tc>
               </a:tr>
               <a:tr h="370840">
@@ -8264,7 +8225,7 @@
                             <a:schemeClr val="bg1"/>
                           </a:solidFill>
                         </a:rPr>
-                        <a:t>[2]</a:t>
+                        <a:t>[36]</a:t>
                       </a:r>
                       <a:endParaRPr lang="de-DE" sz="1400" dirty="0">
                         <a:solidFill>
@@ -8273,9 +8234,7 @@
                       </a:endParaRPr>
                     </a:p>
                   </a:txBody>
-                  <a:tcPr>
-                    <a:noFill/>
-                  </a:tcPr>
+                  <a:tcPr/>
                 </a:tc>
                 <a:tc>
                   <a:txBody>
@@ -8288,18 +8247,16 @@
                             <a:schemeClr val="bg1"/>
                           </a:solidFill>
                         </a:rPr>
-                        <a:t>Ortung</a:t>
-                      </a:r>
-                      <a:endParaRPr lang="de-DE" sz="1400" dirty="0">
+                        <a:t>Wecker</a:t>
+                      </a:r>
+                      <a:endParaRPr lang="de-DE" sz="1400" b="0" dirty="0">
                         <a:solidFill>
                           <a:schemeClr val="bg1"/>
                         </a:solidFill>
                       </a:endParaRPr>
                     </a:p>
                   </a:txBody>
-                  <a:tcPr>
-                    <a:noFill/>
-                  </a:tcPr>
+                  <a:tcPr/>
                 </a:tc>
                 <a:tc>
                   <a:txBody>
@@ -8310,18 +8267,16 @@
                         <a:rPr lang="de-DE" sz="1400" dirty="0" smtClean="0">
                           <a:hlinkClick r:id="rId3"/>
                         </a:rPr>
-                        <a:t>http://blog.imagebroker.net/wp-content/uploads/2010/11/maperture-icon.png</a:t>
+                        <a:t>http://www.iconarchive.com/show/real-vista-communications-icons-by-iconshock/clock-icon.html</a:t>
                       </a:r>
                       <a:r>
                         <a:rPr lang="de-DE" sz="1400" dirty="0" smtClean="0"/>
                         <a:t> </a:t>
                       </a:r>
-                      <a:endParaRPr lang="de-DE" sz="1400" dirty="0"/>
+                      <a:endParaRPr lang="de-DE" sz="1400" b="0" dirty="0"/>
                     </a:p>
                   </a:txBody>
-                  <a:tcPr>
-                    <a:noFill/>
-                  </a:tcPr>
+                  <a:tcPr/>
                 </a:tc>
               </a:tr>
               <a:tr h="370840">
@@ -8336,7 +8291,7 @@
                             <a:schemeClr val="bg1"/>
                           </a:solidFill>
                         </a:rPr>
-                        <a:t>[3]</a:t>
+                        <a:t>[37]</a:t>
                       </a:r>
                       <a:endParaRPr lang="de-DE" sz="1400" dirty="0">
                         <a:solidFill>
@@ -8345,9 +8300,7 @@
                       </a:endParaRPr>
                     </a:p>
                   </a:txBody>
-                  <a:tcPr>
-                    <a:noFill/>
-                  </a:tcPr>
+                  <a:tcPr/>
                 </a:tc>
                 <a:tc>
                   <a:txBody>
@@ -8360,18 +8313,16 @@
                             <a:schemeClr val="bg1"/>
                           </a:solidFill>
                         </a:rPr>
-                        <a:t>Tagebuch</a:t>
-                      </a:r>
-                      <a:endParaRPr lang="de-DE" sz="1400" dirty="0">
+                        <a:t>Mail</a:t>
+                      </a:r>
+                      <a:endParaRPr lang="de-DE" sz="1400" b="0" dirty="0">
                         <a:solidFill>
                           <a:schemeClr val="bg1"/>
                         </a:solidFill>
                       </a:endParaRPr>
                     </a:p>
                   </a:txBody>
-                  <a:tcPr>
-                    <a:noFill/>
-                  </a:tcPr>
+                  <a:tcPr/>
                 </a:tc>
                 <a:tc>
                   <a:txBody>
@@ -8382,18 +8333,16 @@
                         <a:rPr lang="de-DE" sz="1400" dirty="0" smtClean="0">
                           <a:hlinkClick r:id="rId4"/>
                         </a:rPr>
-                        <a:t>http://www.iconarchive.com/show/book-icons-by-deleket/Evernote-Book-icon.html</a:t>
+                        <a:t>http://www.iconarchive.com/show/sleek-xp-basic-icons-by-deleket/Mail-icon.html</a:t>
                       </a:r>
                       <a:r>
                         <a:rPr lang="de-DE" sz="1400" dirty="0" smtClean="0"/>
                         <a:t> </a:t>
                       </a:r>
-                      <a:endParaRPr lang="de-DE" sz="1400" dirty="0"/>
+                      <a:endParaRPr lang="de-DE" sz="1400" b="0" dirty="0"/>
                     </a:p>
                   </a:txBody>
-                  <a:tcPr>
-                    <a:noFill/>
-                  </a:tcPr>
+                  <a:tcPr/>
                 </a:tc>
               </a:tr>
               <a:tr h="370840">
@@ -8408,7 +8357,7 @@
                             <a:schemeClr val="bg1"/>
                           </a:solidFill>
                         </a:rPr>
-                        <a:t>[4]</a:t>
+                        <a:t>[38]</a:t>
                       </a:r>
                       <a:endParaRPr lang="de-DE" sz="1400" dirty="0">
                         <a:solidFill>
@@ -8417,9 +8366,7 @@
                       </a:endParaRPr>
                     </a:p>
                   </a:txBody>
-                  <a:tcPr>
-                    <a:noFill/>
-                  </a:tcPr>
+                  <a:tcPr/>
                 </a:tc>
                 <a:tc>
                   <a:txBody>
@@ -8427,23 +8374,21 @@
                     <a:lstStyle/>
                     <a:p>
                       <a:r>
-                        <a:rPr lang="de-DE" sz="1400" smtClean="0">
+                        <a:rPr lang="de-DE" sz="1400" dirty="0" smtClean="0">
                           <a:solidFill>
                             <a:schemeClr val="bg1"/>
                           </a:solidFill>
                         </a:rPr>
-                        <a:t>Excel</a:t>
-                      </a:r>
-                      <a:endParaRPr lang="de-DE" sz="1400" dirty="0">
+                        <a:t>Outlook</a:t>
+                      </a:r>
+                      <a:endParaRPr lang="de-DE" sz="1400" b="0" dirty="0">
                         <a:solidFill>
                           <a:schemeClr val="bg1"/>
                         </a:solidFill>
                       </a:endParaRPr>
                     </a:p>
                   </a:txBody>
-                  <a:tcPr>
-                    <a:noFill/>
-                  </a:tcPr>
+                  <a:tcPr/>
                 </a:tc>
                 <a:tc>
                   <a:txBody>
@@ -8454,18 +8399,16 @@
                         <a:rPr lang="de-DE" sz="1400" dirty="0" smtClean="0">
                           <a:hlinkClick r:id="rId5"/>
                         </a:rPr>
-                        <a:t>http://www.iconarchive.com/show/softdimension-icons-by-benjigarner/Excel-icon.html</a:t>
+                        <a:t>http://www.iconarchive.com/show/softdimension-icons-by-benjigarner/Outlook-icon.html</a:t>
                       </a:r>
                       <a:r>
                         <a:rPr lang="de-DE" sz="1400" dirty="0" smtClean="0"/>
                         <a:t> </a:t>
                       </a:r>
-                      <a:endParaRPr lang="de-DE" sz="1400" dirty="0"/>
+                      <a:endParaRPr lang="de-DE" sz="1400" b="0" dirty="0"/>
                     </a:p>
                   </a:txBody>
-                  <a:tcPr>
-                    <a:noFill/>
-                  </a:tcPr>
+                  <a:tcPr/>
                 </a:tc>
               </a:tr>
               <a:tr h="370840">
@@ -8474,36 +8417,64 @@
                     <a:bodyPr/>
                     <a:lstStyle/>
                     <a:p>
-                      <a:endParaRPr lang="de-DE" dirty="0"/>
+                      <a:r>
+                        <a:rPr lang="de-DE" sz="1400" dirty="0" smtClean="0">
+                          <a:solidFill>
+                            <a:schemeClr val="bg1"/>
+                          </a:solidFill>
+                        </a:rPr>
+                        <a:t>[39]</a:t>
+                      </a:r>
+                      <a:endParaRPr lang="de-DE" sz="1400" b="0" dirty="0">
+                        <a:solidFill>
+                          <a:schemeClr val="bg1"/>
+                        </a:solidFill>
+                      </a:endParaRPr>
                     </a:p>
                   </a:txBody>
-                  <a:tcPr>
-                    <a:noFill/>
-                  </a:tcPr>
+                  <a:tcPr/>
                 </a:tc>
                 <a:tc>
                   <a:txBody>
                     <a:bodyPr/>
                     <a:lstStyle/>
                     <a:p>
-                      <a:endParaRPr lang="de-DE"/>
+                      <a:r>
+                        <a:rPr lang="de-DE" sz="1400" dirty="0" smtClean="0">
+                          <a:solidFill>
+                            <a:schemeClr val="bg1"/>
+                          </a:solidFill>
+                        </a:rPr>
+                        <a:t>Kalender</a:t>
+                      </a:r>
+                      <a:endParaRPr lang="de-DE" sz="1400" b="0" dirty="0">
+                        <a:solidFill>
+                          <a:schemeClr val="bg1"/>
+                        </a:solidFill>
+                      </a:endParaRPr>
                     </a:p>
                   </a:txBody>
-                  <a:tcPr>
-                    <a:noFill/>
-                  </a:tcPr>
+                  <a:tcPr/>
                 </a:tc>
                 <a:tc>
                   <a:txBody>
                     <a:bodyPr/>
                     <a:lstStyle/>
                     <a:p>
-                      <a:endParaRPr lang="de-DE" dirty="0"/>
+                      <a:r>
+                        <a:rPr lang="de-DE" sz="1400" dirty="0" smtClean="0">
+                          <a:hlinkClick r:id="rId6"/>
+                        </a:rPr>
+                        <a:t>http://www.iconarchive.com/show/recycling-icons-by-skuzigraphic/paper-icon.html</a:t>
+                      </a:r>
+                      <a:r>
+                        <a:rPr lang="de-DE" sz="1400" dirty="0" smtClean="0"/>
+                        <a:t> </a:t>
+                      </a:r>
+                      <a:endParaRPr lang="de-DE" sz="1400" b="0" dirty="0"/>
                     </a:p>
                   </a:txBody>
-                  <a:tcPr>
-                    <a:noFill/>
-                  </a:tcPr>
+                  <a:tcPr/>
                 </a:tc>
               </a:tr>
               <a:tr h="370840">
@@ -8512,36 +8483,64 @@
                     <a:bodyPr/>
                     <a:lstStyle/>
                     <a:p>
-                      <a:endParaRPr lang="de-DE"/>
+                      <a:r>
+                        <a:rPr lang="de-DE" sz="1400" dirty="0" smtClean="0">
+                          <a:solidFill>
+                            <a:schemeClr val="bg1"/>
+                          </a:solidFill>
+                        </a:rPr>
+                        <a:t>[40]</a:t>
+                      </a:r>
+                      <a:endParaRPr lang="de-DE" sz="1400" dirty="0">
+                        <a:solidFill>
+                          <a:schemeClr val="bg1"/>
+                        </a:solidFill>
+                      </a:endParaRPr>
                     </a:p>
                   </a:txBody>
-                  <a:tcPr>
-                    <a:noFill/>
-                  </a:tcPr>
+                  <a:tcPr/>
                 </a:tc>
                 <a:tc>
                   <a:txBody>
                     <a:bodyPr/>
                     <a:lstStyle/>
                     <a:p>
-                      <a:endParaRPr lang="de-DE"/>
+                      <a:r>
+                        <a:rPr lang="de-DE" sz="1400" dirty="0" smtClean="0">
+                          <a:solidFill>
+                            <a:schemeClr val="bg1"/>
+                          </a:solidFill>
+                        </a:rPr>
+                        <a:t>Ortung</a:t>
+                      </a:r>
+                      <a:endParaRPr lang="de-DE" sz="1400" dirty="0">
+                        <a:solidFill>
+                          <a:schemeClr val="bg1"/>
+                        </a:solidFill>
+                      </a:endParaRPr>
                     </a:p>
                   </a:txBody>
-                  <a:tcPr>
-                    <a:noFill/>
-                  </a:tcPr>
+                  <a:tcPr/>
                 </a:tc>
                 <a:tc>
                   <a:txBody>
                     <a:bodyPr/>
                     <a:lstStyle/>
                     <a:p>
-                      <a:endParaRPr lang="de-DE"/>
+                      <a:r>
+                        <a:rPr lang="de-DE" sz="1400" dirty="0" smtClean="0">
+                          <a:hlinkClick r:id="rId7"/>
+                        </a:rPr>
+                        <a:t>http://blog.imagebroker.net/wp-content/uploads/2010/11/maperture-icon.png</a:t>
+                      </a:r>
+                      <a:r>
+                        <a:rPr lang="de-DE" sz="1400" dirty="0" smtClean="0"/>
+                        <a:t> </a:t>
+                      </a:r>
+                      <a:endParaRPr lang="de-DE" sz="1400" dirty="0"/>
                     </a:p>
                   </a:txBody>
-                  <a:tcPr>
-                    <a:noFill/>
-                  </a:tcPr>
+                  <a:tcPr/>
                 </a:tc>
               </a:tr>
               <a:tr h="370840">
@@ -8550,36 +8549,64 @@
                     <a:bodyPr/>
                     <a:lstStyle/>
                     <a:p>
-                      <a:endParaRPr lang="de-DE"/>
+                      <a:r>
+                        <a:rPr lang="de-DE" sz="1400" dirty="0" smtClean="0">
+                          <a:solidFill>
+                            <a:schemeClr val="bg1"/>
+                          </a:solidFill>
+                        </a:rPr>
+                        <a:t>[41]</a:t>
+                      </a:r>
+                      <a:endParaRPr lang="de-DE" sz="1400" dirty="0">
+                        <a:solidFill>
+                          <a:schemeClr val="bg1"/>
+                        </a:solidFill>
+                      </a:endParaRPr>
                     </a:p>
                   </a:txBody>
-                  <a:tcPr>
-                    <a:noFill/>
-                  </a:tcPr>
+                  <a:tcPr/>
                 </a:tc>
                 <a:tc>
                   <a:txBody>
                     <a:bodyPr/>
                     <a:lstStyle/>
                     <a:p>
-                      <a:endParaRPr lang="de-DE"/>
+                      <a:r>
+                        <a:rPr lang="de-DE" sz="1400" dirty="0" smtClean="0">
+                          <a:solidFill>
+                            <a:schemeClr val="bg1"/>
+                          </a:solidFill>
+                        </a:rPr>
+                        <a:t>Tagebuch</a:t>
+                      </a:r>
+                      <a:endParaRPr lang="de-DE" sz="1400" dirty="0">
+                        <a:solidFill>
+                          <a:schemeClr val="bg1"/>
+                        </a:solidFill>
+                      </a:endParaRPr>
                     </a:p>
                   </a:txBody>
-                  <a:tcPr>
-                    <a:noFill/>
-                  </a:tcPr>
+                  <a:tcPr/>
                 </a:tc>
                 <a:tc>
                   <a:txBody>
                     <a:bodyPr/>
                     <a:lstStyle/>
                     <a:p>
-                      <a:endParaRPr lang="de-DE"/>
+                      <a:r>
+                        <a:rPr lang="de-DE" sz="1400" dirty="0" smtClean="0">
+                          <a:hlinkClick r:id="rId8"/>
+                        </a:rPr>
+                        <a:t>http://www.iconarchive.com/show/book-icons-by-deleket/Evernote-Book-icon.html</a:t>
+                      </a:r>
+                      <a:r>
+                        <a:rPr lang="de-DE" sz="1400" dirty="0" smtClean="0"/>
+                        <a:t> </a:t>
+                      </a:r>
+                      <a:endParaRPr lang="de-DE" sz="1400" dirty="0"/>
                     </a:p>
                   </a:txBody>
-                  <a:tcPr>
-                    <a:noFill/>
-                  </a:tcPr>
+                  <a:tcPr/>
                 </a:tc>
               </a:tr>
               <a:tr h="370840">
@@ -8588,36 +8615,72 @@
                     <a:bodyPr/>
                     <a:lstStyle/>
                     <a:p>
-                      <a:endParaRPr lang="de-DE"/>
+                      <a:r>
+                        <a:rPr lang="de-DE" sz="1400" dirty="0" smtClean="0">
+                          <a:solidFill>
+                            <a:schemeClr val="bg1"/>
+                          </a:solidFill>
+                        </a:rPr>
+                        <a:t>[</a:t>
+                      </a:r>
+                      <a:r>
+                        <a:rPr lang="de-DE" sz="1400" dirty="0" smtClean="0">
+                          <a:solidFill>
+                            <a:schemeClr val="bg1"/>
+                          </a:solidFill>
+                        </a:rPr>
+                        <a:t>42]</a:t>
+                      </a:r>
+                      <a:endParaRPr lang="de-DE" sz="1400" dirty="0">
+                        <a:solidFill>
+                          <a:schemeClr val="bg1"/>
+                        </a:solidFill>
+                      </a:endParaRPr>
                     </a:p>
                   </a:txBody>
-                  <a:tcPr>
-                    <a:noFill/>
-                  </a:tcPr>
+                  <a:tcPr/>
                 </a:tc>
                 <a:tc>
                   <a:txBody>
                     <a:bodyPr/>
                     <a:lstStyle/>
                     <a:p>
-                      <a:endParaRPr lang="de-DE"/>
+                      <a:r>
+                        <a:rPr lang="de-DE" sz="1400" smtClean="0">
+                          <a:solidFill>
+                            <a:schemeClr val="bg1"/>
+                          </a:solidFill>
+                        </a:rPr>
+                        <a:t>Excel</a:t>
+                      </a:r>
+                      <a:endParaRPr lang="de-DE" sz="1400" dirty="0">
+                        <a:solidFill>
+                          <a:schemeClr val="bg1"/>
+                        </a:solidFill>
+                      </a:endParaRPr>
                     </a:p>
                   </a:txBody>
-                  <a:tcPr>
-                    <a:noFill/>
-                  </a:tcPr>
+                  <a:tcPr/>
                 </a:tc>
                 <a:tc>
                   <a:txBody>
                     <a:bodyPr/>
                     <a:lstStyle/>
                     <a:p>
-                      <a:endParaRPr lang="de-DE"/>
+                      <a:r>
+                        <a:rPr lang="de-DE" sz="1400" dirty="0" smtClean="0">
+                          <a:hlinkClick r:id="rId9"/>
+                        </a:rPr>
+                        <a:t>http://www.iconarchive.com/show/softdimension-icons-by-benjigarner/Excel-icon.html</a:t>
+                      </a:r>
+                      <a:r>
+                        <a:rPr lang="de-DE" sz="1400" dirty="0" smtClean="0"/>
+                        <a:t> </a:t>
+                      </a:r>
+                      <a:endParaRPr lang="de-DE" sz="1400" dirty="0"/>
                     </a:p>
                   </a:txBody>
-                  <a:tcPr>
-                    <a:noFill/>
-                  </a:tcPr>
+                  <a:tcPr/>
                 </a:tc>
               </a:tr>
               <a:tr h="370840">
@@ -8626,36 +8689,72 @@
                     <a:bodyPr/>
                     <a:lstStyle/>
                     <a:p>
-                      <a:endParaRPr lang="de-DE"/>
+                      <a:r>
+                        <a:rPr lang="de-DE" sz="1400" dirty="0" smtClean="0">
+                          <a:solidFill>
+                            <a:schemeClr val="bg1"/>
+                          </a:solidFill>
+                        </a:rPr>
+                        <a:t>[43]</a:t>
+                      </a:r>
+                      <a:endParaRPr lang="de-DE" sz="1400" dirty="0">
+                        <a:solidFill>
+                          <a:schemeClr val="bg1"/>
+                        </a:solidFill>
+                      </a:endParaRPr>
                     </a:p>
                   </a:txBody>
-                  <a:tcPr>
-                    <a:noFill/>
-                  </a:tcPr>
+                  <a:tcPr/>
                 </a:tc>
                 <a:tc>
                   <a:txBody>
                     <a:bodyPr/>
                     <a:lstStyle/>
                     <a:p>
-                      <a:endParaRPr lang="de-DE"/>
+                      <a:r>
+                        <a:rPr lang="de-DE" sz="1400" dirty="0" err="1" smtClean="0">
+                          <a:solidFill>
+                            <a:schemeClr val="bg1"/>
+                          </a:solidFill>
+                        </a:rPr>
+                        <a:t>Fragezeich</a:t>
+                      </a:r>
+                      <a:r>
+                        <a:rPr lang="de-DE" sz="1400" dirty="0" smtClean="0">
+                          <a:solidFill>
+                            <a:schemeClr val="bg1"/>
+                          </a:solidFill>
+                        </a:rPr>
+                        <a:t>. 2</a:t>
+                      </a:r>
+                      <a:endParaRPr lang="de-DE" sz="1400" dirty="0">
+                        <a:solidFill>
+                          <a:schemeClr val="bg1"/>
+                        </a:solidFill>
+                      </a:endParaRPr>
                     </a:p>
                   </a:txBody>
-                  <a:tcPr>
-                    <a:noFill/>
-                  </a:tcPr>
+                  <a:tcPr/>
                 </a:tc>
                 <a:tc>
                   <a:txBody>
                     <a:bodyPr/>
                     <a:lstStyle/>
                     <a:p>
-                      <a:endParaRPr lang="de-DE"/>
+                      <a:r>
+                        <a:rPr lang="de-DE" sz="1400" dirty="0" smtClean="0">
+                          <a:hlinkClick r:id="rId10"/>
+                        </a:rPr>
+                        <a:t>http://www.iconarchive.com/show/characters-icons-by-dooffy/0-Question-mark-icon.html</a:t>
+                      </a:r>
+                      <a:r>
+                        <a:rPr lang="de-DE" sz="1400" dirty="0" smtClean="0"/>
+                        <a:t> </a:t>
+                      </a:r>
+                      <a:endParaRPr lang="de-DE" sz="1400" dirty="0"/>
                     </a:p>
                   </a:txBody>
-                  <a:tcPr>
-                    <a:noFill/>
-                  </a:tcPr>
+                  <a:tcPr/>
                 </a:tc>
               </a:tr>
               <a:tr h="370840">
@@ -8664,36 +8763,64 @@
                     <a:bodyPr/>
                     <a:lstStyle/>
                     <a:p>
-                      <a:endParaRPr lang="de-DE"/>
+                      <a:r>
+                        <a:rPr lang="de-DE" sz="1400" dirty="0" smtClean="0">
+                          <a:solidFill>
+                            <a:schemeClr val="bg1"/>
+                          </a:solidFill>
+                        </a:rPr>
+                        <a:t>[44]</a:t>
+                      </a:r>
+                      <a:endParaRPr lang="de-DE" sz="1400" dirty="0">
+                        <a:solidFill>
+                          <a:schemeClr val="bg1"/>
+                        </a:solidFill>
+                      </a:endParaRPr>
                     </a:p>
                   </a:txBody>
-                  <a:tcPr>
-                    <a:noFill/>
-                  </a:tcPr>
+                  <a:tcPr/>
                 </a:tc>
                 <a:tc>
                   <a:txBody>
                     <a:bodyPr/>
                     <a:lstStyle/>
                     <a:p>
-                      <a:endParaRPr lang="de-DE"/>
+                      <a:r>
+                        <a:rPr lang="de-DE" sz="1400" dirty="0" smtClean="0">
+                          <a:solidFill>
+                            <a:schemeClr val="bg1"/>
+                          </a:solidFill>
+                        </a:rPr>
+                        <a:t>Bindestrich</a:t>
+                      </a:r>
+                      <a:endParaRPr lang="de-DE" sz="1400" dirty="0">
+                        <a:solidFill>
+                          <a:schemeClr val="bg1"/>
+                        </a:solidFill>
+                      </a:endParaRPr>
                     </a:p>
                   </a:txBody>
-                  <a:tcPr>
-                    <a:noFill/>
-                  </a:tcPr>
+                  <a:tcPr/>
                 </a:tc>
                 <a:tc>
                   <a:txBody>
                     <a:bodyPr/>
                     <a:lstStyle/>
                     <a:p>
-                      <a:endParaRPr lang="de-DE"/>
+                      <a:r>
+                        <a:rPr lang="de-DE" sz="1400" dirty="0" smtClean="0">
+                          <a:hlinkClick r:id="rId11"/>
+                        </a:rPr>
+                        <a:t>http://www.iconarchive.com/show/characters-icons-by-dooffy/0-Minus-icon.html</a:t>
+                      </a:r>
+                      <a:r>
+                        <a:rPr lang="de-DE" sz="1400" dirty="0" smtClean="0"/>
+                        <a:t> </a:t>
+                      </a:r>
+                      <a:endParaRPr lang="de-DE" sz="1400" dirty="0"/>
                     </a:p>
                   </a:txBody>
-                  <a:tcPr>
-                    <a:noFill/>
-                  </a:tcPr>
+                  <a:tcPr/>
                 </a:tc>
               </a:tr>
               <a:tr h="370840">
@@ -8702,74 +8829,72 @@
                     <a:bodyPr/>
                     <a:lstStyle/>
                     <a:p>
-                      <a:endParaRPr lang="de-DE"/>
+                      <a:r>
+                        <a:rPr lang="de-DE" sz="1400" dirty="0" smtClean="0">
+                          <a:solidFill>
+                            <a:schemeClr val="bg1"/>
+                          </a:solidFill>
+                        </a:rPr>
+                        <a:t>[45]</a:t>
+                      </a:r>
+                      <a:endParaRPr lang="de-DE" sz="1400" dirty="0">
+                        <a:solidFill>
+                          <a:schemeClr val="bg1"/>
+                        </a:solidFill>
+                      </a:endParaRPr>
                     </a:p>
                   </a:txBody>
-                  <a:tcPr>
-                    <a:noFill/>
-                  </a:tcPr>
+                  <a:tcPr/>
                 </a:tc>
                 <a:tc>
                   <a:txBody>
                     <a:bodyPr/>
                     <a:lstStyle/>
                     <a:p>
-                      <a:endParaRPr lang="de-DE"/>
+                      <a:r>
+                        <a:rPr lang="de-DE" sz="1400" dirty="0" err="1" smtClean="0">
+                          <a:solidFill>
+                            <a:schemeClr val="bg1"/>
+                          </a:solidFill>
+                        </a:rPr>
+                        <a:t>Ausrufezeich</a:t>
+                      </a:r>
+                      <a:r>
+                        <a:rPr lang="de-DE" sz="1400" dirty="0" smtClean="0">
+                          <a:solidFill>
+                            <a:schemeClr val="bg1"/>
+                          </a:solidFill>
+                        </a:rPr>
+                        <a:t>.</a:t>
+                      </a:r>
+                      <a:endParaRPr lang="de-DE" sz="1400" dirty="0">
+                        <a:solidFill>
+                          <a:schemeClr val="bg1"/>
+                        </a:solidFill>
+                      </a:endParaRPr>
                     </a:p>
                   </a:txBody>
-                  <a:tcPr>
-                    <a:noFill/>
-                  </a:tcPr>
+                  <a:tcPr/>
                 </a:tc>
                 <a:tc>
                   <a:txBody>
                     <a:bodyPr/>
                     <a:lstStyle/>
                     <a:p>
-                      <a:endParaRPr lang="de-DE"/>
+                      <a:r>
+                        <a:rPr lang="de-DE" sz="1400" dirty="0" smtClean="0">
+                          <a:hlinkClick r:id="rId12"/>
+                        </a:rPr>
+                        <a:t>http://www.iconarchive.com/show/characters-icons-by-dooffy/0-Exclamation-mark-icon.html</a:t>
+                      </a:r>
+                      <a:r>
+                        <a:rPr lang="de-DE" sz="1400" dirty="0" smtClean="0"/>
+                        <a:t> </a:t>
+                      </a:r>
+                      <a:endParaRPr lang="de-DE" sz="1400" dirty="0"/>
                     </a:p>
                   </a:txBody>
-                  <a:tcPr>
-                    <a:noFill/>
-                  </a:tcPr>
-                </a:tc>
-              </a:tr>
-              <a:tr h="370840">
-                <a:tc>
-                  <a:txBody>
-                    <a:bodyPr/>
-                    <a:lstStyle/>
-                    <a:p>
-                      <a:endParaRPr lang="de-DE"/>
-                    </a:p>
-                  </a:txBody>
-                  <a:tcPr>
-                    <a:noFill/>
-                  </a:tcPr>
-                </a:tc>
-                <a:tc>
-                  <a:txBody>
-                    <a:bodyPr/>
-                    <a:lstStyle/>
-                    <a:p>
-                      <a:endParaRPr lang="de-DE" dirty="0"/>
-                    </a:p>
-                  </a:txBody>
-                  <a:tcPr>
-                    <a:noFill/>
-                  </a:tcPr>
-                </a:tc>
-                <a:tc>
-                  <a:txBody>
-                    <a:bodyPr/>
-                    <a:lstStyle/>
-                    <a:p>
-                      <a:endParaRPr lang="de-DE" dirty="0"/>
-                    </a:p>
-                  </a:txBody>
-                  <a:tcPr>
-                    <a:noFill/>
-                  </a:tcPr>
+                  <a:tcPr/>
                 </a:tc>
               </a:tr>
             </a:tbl>
@@ -8851,6 +8976,13 @@
   <p:clrMapOvr>
     <a:masterClrMapping/>
   </p:clrMapOvr>
+  <p:timing>
+    <p:tnLst>
+      <p:par>
+        <p:cTn id="1" dur="indefinite" restart="never" nodeType="tmRoot"/>
+      </p:par>
+    </p:tnLst>
+  </p:timing>
 </p:sld>
 </file>
 
@@ -9221,7 +9353,15 @@
                   <a:schemeClr val="bg1"/>
                 </a:solidFill>
               </a:rPr>
-              <a:t>[5], [6], [7]	</a:t>
+              <a:t>[5], [6], [7</a:t>
+            </a:r>
+            <a:r>
+              <a:rPr lang="de-DE" sz="1400" dirty="0" smtClean="0">
+                <a:solidFill>
+                  <a:schemeClr val="bg1"/>
+                </a:solidFill>
+              </a:rPr>
+              <a:t>] 	</a:t>
             </a:r>
             <a:endParaRPr lang="de-DE" sz="1400" dirty="0">
               <a:solidFill>
@@ -9738,15 +9878,7 @@
             </a:pPr>
             <a:r>
               <a:rPr lang="de-DE" dirty="0" smtClean="0"/>
-              <a:t>	TU </a:t>
-            </a:r>
-            <a:r>
-              <a:rPr lang="de-DE" dirty="0" smtClean="0"/>
-              <a:t>Berlin </a:t>
-            </a:r>
-            <a:r>
-              <a:rPr lang="de-DE" dirty="0" smtClean="0"/>
-              <a:t>Wirtschaftingenieurwesen,</a:t>
+              <a:t>	TU Berlin Wirtschaftingenieurwesen,</a:t>
             </a:r>
           </a:p>
           <a:p>
@@ -9755,11 +9887,7 @@
             </a:pPr>
             <a:r>
               <a:rPr lang="de-DE" dirty="0" smtClean="0"/>
-              <a:t>	</a:t>
-            </a:r>
-            <a:r>
-              <a:rPr lang="de-DE" dirty="0" smtClean="0"/>
-              <a:t>3 Jahre Siemens, seit 2008 </a:t>
+              <a:t>	3 Jahre Siemens, seit 2008 </a:t>
             </a:r>
             <a:r>
               <a:rPr lang="de-DE" dirty="0" err="1" smtClean="0"/>
@@ -9818,11 +9946,7 @@
             </a:pPr>
             <a:r>
               <a:rPr lang="de-DE" dirty="0" smtClean="0"/>
-              <a:t>	</a:t>
-            </a:r>
-            <a:r>
-              <a:rPr lang="de-DE" dirty="0" smtClean="0"/>
-              <a:t>220 m²</a:t>
+              <a:t>	220 m²</a:t>
             </a:r>
           </a:p>
           <a:p>
@@ -9899,7 +10023,7 @@
               <a:pPr/>
               <a:t>4</a:t>
             </a:fld>
-            <a:endParaRPr lang="de-DE"/>
+            <a:endParaRPr lang="de-DE" dirty="0"/>
           </a:p>
         </p:txBody>
       </p:sp>
@@ -10135,7 +10259,22 @@
                   <a:schemeClr val="bg1"/>
                 </a:solidFill>
               </a:rPr>
-              <a:t>TODO Quellen	</a:t>
+              <a:t>[8], [9], [10]</a:t>
+            </a:r>
+            <a:br>
+              <a:rPr lang="de-DE" sz="1400" dirty="0" smtClean="0">
+                <a:solidFill>
+                  <a:schemeClr val="bg1"/>
+                </a:solidFill>
+              </a:rPr>
+            </a:br>
+            <a:r>
+              <a:rPr lang="de-DE" sz="1400" dirty="0" smtClean="0">
+                <a:solidFill>
+                  <a:schemeClr val="bg1"/>
+                </a:solidFill>
+              </a:rPr>
+              <a:t>[11], [12]</a:t>
             </a:r>
             <a:endParaRPr lang="de-DE" sz="1400" dirty="0">
               <a:solidFill>
@@ -11168,8 +11307,8 @@
         </p:nvSpPr>
         <p:spPr>
           <a:xfrm>
-            <a:off x="6732240" y="5877272"/>
-            <a:ext cx="1912923" cy="523220"/>
+            <a:off x="5868144" y="5877272"/>
+            <a:ext cx="2777019" cy="523220"/>
           </a:xfrm>
           <a:prstGeom prst="rect">
             <a:avLst/>
@@ -11189,7 +11328,22 @@
                   <a:schemeClr val="bg1"/>
                 </a:solidFill>
               </a:rPr>
-              <a:t>TODO Quellen	</a:t>
+              <a:t>[13], [14], [15], [16], [17], [18], [19],</a:t>
+            </a:r>
+            <a:br>
+              <a:rPr lang="de-DE" sz="1400" dirty="0" smtClean="0">
+                <a:solidFill>
+                  <a:schemeClr val="bg1"/>
+                </a:solidFill>
+              </a:rPr>
+            </a:br>
+            <a:r>
+              <a:rPr lang="de-DE" sz="1400" dirty="0" smtClean="0">
+                <a:solidFill>
+                  <a:schemeClr val="bg1"/>
+                </a:solidFill>
+              </a:rPr>
+              <a:t> [20], [21], [22], [23], [24], [25]</a:t>
             </a:r>
             <a:endParaRPr lang="de-DE" sz="1400" dirty="0">
               <a:solidFill>
@@ -11366,10 +11520,14 @@
           <a:lstStyle/>
           <a:p>
             <a:r>
-              <a:rPr lang="de-DE" smtClean="0"/>
-              <a:t>KickOff Präsentation</a:t>
-            </a:r>
-            <a:endParaRPr lang="de-DE"/>
+              <a:rPr lang="de-DE" dirty="0" err="1" smtClean="0"/>
+              <a:t>KickOff</a:t>
+            </a:r>
+            <a:r>
+              <a:rPr lang="de-DE" dirty="0" smtClean="0"/>
+              <a:t> Präsentation</a:t>
+            </a:r>
+            <a:endParaRPr lang="de-DE" dirty="0"/>
           </a:p>
         </p:txBody>
       </p:sp>
@@ -11414,7 +11572,7 @@
         </p:blipFill>
         <p:spPr bwMode="auto">
           <a:xfrm>
-            <a:off x="683568" y="4581128"/>
+            <a:off x="472480" y="4581128"/>
             <a:ext cx="1219200" cy="1219201"/>
           </a:xfrm>
           <a:prstGeom prst="rect">
@@ -11440,7 +11598,7 @@
         </p:blipFill>
         <p:spPr bwMode="auto">
           <a:xfrm>
-            <a:off x="4139952" y="4725144"/>
+            <a:off x="3923928" y="4725144"/>
             <a:ext cx="1219200" cy="1219201"/>
           </a:xfrm>
           <a:prstGeom prst="rect">
@@ -11466,7 +11624,7 @@
         </p:blipFill>
         <p:spPr bwMode="auto">
           <a:xfrm>
-            <a:off x="1403648" y="5229200"/>
+            <a:off x="1259632" y="5229200"/>
             <a:ext cx="576062" cy="576064"/>
           </a:xfrm>
           <a:prstGeom prst="rect">
@@ -11492,7 +11650,7 @@
         </p:blipFill>
         <p:spPr bwMode="auto">
           <a:xfrm>
-            <a:off x="5796136" y="4653136"/>
+            <a:off x="5580112" y="4653136"/>
             <a:ext cx="1219200" cy="1219201"/>
           </a:xfrm>
           <a:prstGeom prst="rect">
@@ -11518,7 +11676,7 @@
         </p:blipFill>
         <p:spPr bwMode="auto">
           <a:xfrm>
-            <a:off x="2339752" y="4293096"/>
+            <a:off x="2123728" y="4293096"/>
             <a:ext cx="1219200" cy="1219201"/>
           </a:xfrm>
           <a:prstGeom prst="rect">
@@ -11544,7 +11702,7 @@
         </p:blipFill>
         <p:spPr bwMode="auto">
           <a:xfrm>
-            <a:off x="2555776" y="4653136"/>
+            <a:off x="2339752" y="4653136"/>
             <a:ext cx="1219200" cy="1219201"/>
           </a:xfrm>
           <a:prstGeom prst="rect">
@@ -11570,7 +11728,7 @@
         </p:blipFill>
         <p:spPr bwMode="auto">
           <a:xfrm>
-            <a:off x="7303368" y="4941169"/>
+            <a:off x="7092280" y="4941169"/>
             <a:ext cx="864095" cy="864096"/>
           </a:xfrm>
           <a:prstGeom prst="rect">
@@ -11596,7 +11754,7 @@
         </p:blipFill>
         <p:spPr bwMode="auto">
           <a:xfrm>
-            <a:off x="7956376" y="4869160"/>
+            <a:off x="7745288" y="4869160"/>
             <a:ext cx="1008111" cy="1008112"/>
           </a:xfrm>
           <a:prstGeom prst="rect">
@@ -11634,7 +11792,22 @@
                   <a:schemeClr val="bg1"/>
                 </a:solidFill>
               </a:rPr>
-              <a:t>TODO Quellen	</a:t>
+              <a:t>[26], [27], [28], [29],</a:t>
+            </a:r>
+            <a:br>
+              <a:rPr lang="de-DE" sz="1400" dirty="0" smtClean="0">
+                <a:solidFill>
+                  <a:schemeClr val="bg1"/>
+                </a:solidFill>
+              </a:rPr>
+            </a:br>
+            <a:r>
+              <a:rPr lang="de-DE" sz="1400" dirty="0" smtClean="0">
+                <a:solidFill>
+                  <a:schemeClr val="bg1"/>
+                </a:solidFill>
+              </a:rPr>
+              <a:t>[30], [31], [32], [33]</a:t>
             </a:r>
             <a:endParaRPr lang="de-DE" sz="1400" dirty="0">
               <a:solidFill>
@@ -12533,15 +12706,7 @@
                   <a:schemeClr val="bg1"/>
                 </a:solidFill>
               </a:rPr>
-              <a:t>O</a:t>
-            </a:r>
-            <a:r>
-              <a:rPr lang="de-DE" dirty="0" smtClean="0">
-                <a:solidFill>
-                  <a:schemeClr val="bg1"/>
-                </a:solidFill>
-              </a:rPr>
-              <a:t>nlinebestellung</a:t>
+              <a:t>Onlinebestellung</a:t>
             </a:r>
             <a:endParaRPr lang="de-DE" dirty="0">
               <a:solidFill>
@@ -12580,7 +12745,22 @@
                   <a:schemeClr val="bg1"/>
                 </a:solidFill>
               </a:rPr>
-              <a:t>TODO Quellen	</a:t>
+              <a:t>[3], [16], [24,] [28],</a:t>
+            </a:r>
+            <a:br>
+              <a:rPr lang="de-DE" sz="1400" dirty="0" smtClean="0">
+                <a:solidFill>
+                  <a:schemeClr val="bg1"/>
+                </a:solidFill>
+              </a:rPr>
+            </a:br>
+            <a:r>
+              <a:rPr lang="de-DE" sz="1400" dirty="0" smtClean="0">
+                <a:solidFill>
+                  <a:schemeClr val="bg1"/>
+                </a:solidFill>
+              </a:rPr>
+              <a:t>[34], [35], [36], [37]  </a:t>
             </a:r>
             <a:endParaRPr lang="de-DE" sz="1400" dirty="0">
               <a:solidFill>
@@ -12699,7 +12879,6 @@
               <a:rPr lang="de-DE" dirty="0" smtClean="0"/>
               <a:t>Neue Liste</a:t>
             </a:r>
-            <a:endParaRPr lang="de-DE" dirty="0" smtClean="0"/>
           </a:p>
           <a:p>
             <a:pPr>

--- a/KickOff-Praesentation/vorlage.pptx
+++ b/KickOff-Praesentation/vorlage.pptx
@@ -5,7 +5,7 @@
     <p:sldMasterId id="2147483648" r:id="rId1"/>
   </p:sldMasterIdLst>
   <p:notesMasterIdLst>
-    <p:notesMasterId r:id="rId20"/>
+    <p:notesMasterId r:id="rId21"/>
   </p:notesMasterIdLst>
   <p:sldIdLst>
     <p:sldId id="256" r:id="rId2"/>
@@ -18,14 +18,15 @@
     <p:sldId id="265" r:id="rId9"/>
     <p:sldId id="271" r:id="rId10"/>
     <p:sldId id="266" r:id="rId11"/>
-    <p:sldId id="268" r:id="rId12"/>
-    <p:sldId id="273" r:id="rId13"/>
-    <p:sldId id="269" r:id="rId14"/>
-    <p:sldId id="270" r:id="rId15"/>
-    <p:sldId id="259" r:id="rId16"/>
-    <p:sldId id="263" r:id="rId17"/>
-    <p:sldId id="267" r:id="rId18"/>
-    <p:sldId id="272" r:id="rId19"/>
+    <p:sldId id="274" r:id="rId12"/>
+    <p:sldId id="268" r:id="rId13"/>
+    <p:sldId id="273" r:id="rId14"/>
+    <p:sldId id="269" r:id="rId15"/>
+    <p:sldId id="270" r:id="rId16"/>
+    <p:sldId id="259" r:id="rId17"/>
+    <p:sldId id="263" r:id="rId18"/>
+    <p:sldId id="267" r:id="rId19"/>
+    <p:sldId id="272" r:id="rId20"/>
   </p:sldIdLst>
   <p:sldSz cx="9144000" cy="6858000" type="screen4x3"/>
   <p:notesSz cx="6858000" cy="9144000"/>
@@ -210,7 +211,7 @@
             <a:fld id="{3AF138D4-E06A-4D92-B176-75A0C7906805}" type="datetimeFigureOut">
               <a:rPr lang="de-DE" smtClean="0"/>
               <a:pPr/>
-              <a:t>02.05.2012</a:t>
+              <a:t>03.05.2012</a:t>
             </a:fld>
             <a:endParaRPr lang="de-DE"/>
           </a:p>
@@ -3578,15 +3579,7 @@
           <a:p>
             <a:r>
               <a:rPr lang="de-DE" dirty="0" smtClean="0"/>
-              <a:t>Lösungsansätze für Applikationen zur Erleichterung des </a:t>
-            </a:r>
-            <a:r>
-              <a:rPr lang="de-DE" dirty="0" smtClean="0"/>
-              <a:t>intermodalen </a:t>
-            </a:r>
-            <a:r>
-              <a:rPr lang="de-DE" dirty="0" smtClean="0"/>
-              <a:t>Reisens bei der </a:t>
+              <a:t>Lösungsansätze für Applikationen zur Erleichterung des intermodalen Reisens bei der </a:t>
             </a:r>
             <a:r>
               <a:rPr lang="de-DE" dirty="0" err="1" smtClean="0"/>
@@ -3620,11 +3613,7 @@
           <a:p>
             <a:r>
               <a:rPr lang="de-DE" sz="2400" b="1" dirty="0" smtClean="0"/>
-              <a:t> – </a:t>
-            </a:r>
-            <a:r>
-              <a:rPr lang="de-DE" sz="2400" b="1" dirty="0" smtClean="0"/>
-              <a:t>Gruppe 1 – </a:t>
+              <a:t> – Gruppe 1 – </a:t>
             </a:r>
             <a:r>
               <a:rPr lang="de-DE" sz="2400" dirty="0" smtClean="0"/>
@@ -3635,11 +3624,7 @@
             </a:br>
             <a:r>
               <a:rPr lang="de-DE" sz="2400" i="1" dirty="0" smtClean="0"/>
-              <a:t>Tom </a:t>
-            </a:r>
-            <a:r>
-              <a:rPr lang="de-DE" sz="2400" i="1" dirty="0" smtClean="0"/>
-              <a:t>Bullmann, Andreas </a:t>
+              <a:t>Tom Bullmann, Andreas </a:t>
             </a:r>
             <a:r>
               <a:rPr lang="de-DE" sz="2400" i="1" dirty="0" err="1" smtClean="0"/>
@@ -3786,7 +3771,12 @@
             <p:ph idx="1"/>
           </p:nvPr>
         </p:nvSpPr>
-        <p:spPr/>
+        <p:spPr>
+          <a:xfrm>
+            <a:off x="457200" y="1124744"/>
+            <a:ext cx="8686800" cy="5001419"/>
+          </a:xfrm>
+        </p:spPr>
         <p:txBody>
           <a:bodyPr/>
           <a:lstStyle/>
@@ -3800,33 +3790,66 @@
             <a:pPr lvl="1"/>
             <a:r>
               <a:rPr lang="de-DE" dirty="0" smtClean="0"/>
-              <a:t>MS1: Paper </a:t>
+              <a:t>Zeitraum: 04.05 – 06.07.2012</a:t>
+            </a:r>
+            <a:endParaRPr lang="de-DE" dirty="0" smtClean="0"/>
+          </a:p>
+          <a:p>
+            <a:pPr lvl="2"/>
+            <a:r>
+              <a:rPr lang="de-DE" b="1" dirty="0" smtClean="0"/>
+              <a:t>MS1</a:t>
+            </a:r>
+            <a:r>
+              <a:rPr lang="de-DE" dirty="0" smtClean="0"/>
+              <a:t> (1 Woche, - 11.05): 	Paper </a:t>
             </a:r>
             <a:r>
               <a:rPr lang="de-DE" dirty="0" err="1" smtClean="0"/>
               <a:t>Prototyping</a:t>
             </a:r>
+            <a:r>
+              <a:rPr lang="de-DE" dirty="0" smtClean="0"/>
+              <a:t>	</a:t>
+            </a:r>
             <a:endParaRPr lang="de-DE" dirty="0" smtClean="0"/>
           </a:p>
           <a:p>
-            <a:pPr lvl="1"/>
+            <a:pPr lvl="2"/>
+            <a:r>
+              <a:rPr lang="de-DE" b="1" dirty="0" smtClean="0"/>
+              <a:t>MS2 </a:t>
+            </a:r>
             <a:r>
               <a:rPr lang="de-DE" dirty="0" smtClean="0"/>
-              <a:t>MS2: Webservice (Anmelden, Listen, etc.)</a:t>
-            </a:r>
-          </a:p>
-          <a:p>
-            <a:pPr lvl="1"/>
+              <a:t>(2 Wochen, - 25.05): 	Webservice </a:t>
+            </a:r>
             <a:r>
               <a:rPr lang="de-DE" dirty="0" smtClean="0"/>
-              <a:t>MS3: Taxierweiterung</a:t>
-            </a:r>
-          </a:p>
-          <a:p>
-            <a:pPr lvl="1"/>
+              <a:t>(Anmelden, Listen, etc.)</a:t>
+            </a:r>
+          </a:p>
+          <a:p>
+            <a:pPr lvl="2"/>
+            <a:r>
+              <a:rPr lang="de-DE" b="1" dirty="0" smtClean="0"/>
+              <a:t>MS3</a:t>
+            </a:r>
             <a:r>
               <a:rPr lang="de-DE" dirty="0" smtClean="0"/>
-              <a:t>MS4: Zugriff auf den Webservice per </a:t>
+              <a:t> (2 Wochen, - 08.06): 	Taxierweiterung</a:t>
+            </a:r>
+            <a:endParaRPr lang="de-DE" dirty="0" smtClean="0"/>
+          </a:p>
+          <a:p>
+            <a:pPr lvl="2"/>
+            <a:r>
+              <a:rPr lang="de-DE" b="1" dirty="0" smtClean="0"/>
+              <a:t>MS4</a:t>
+            </a:r>
+            <a:r>
+              <a:rPr lang="de-DE" dirty="0" smtClean="0"/>
+              <a:t> (2 Wochen, - 22.06):	Zugriff per </a:t>
             </a:r>
             <a:r>
               <a:rPr lang="de-DE" dirty="0" err="1" smtClean="0"/>
@@ -3838,10 +3861,18 @@
             </a:r>
           </a:p>
           <a:p>
-            <a:pPr lvl="1"/>
+            <a:pPr lvl="2"/>
+            <a:r>
+              <a:rPr lang="de-DE" b="1" dirty="0" smtClean="0"/>
+              <a:t>MS5</a:t>
+            </a:r>
             <a:r>
               <a:rPr lang="de-DE" dirty="0" smtClean="0"/>
-              <a:t>MS5: Optimierung &amp; Optionale Features</a:t>
+              <a:t> (2 Wochen, - 06.07):  	Optimierung </a:t>
+            </a:r>
+            <a:r>
+              <a:rPr lang="de-DE" dirty="0" smtClean="0"/>
+              <a:t>&amp; Optionale Features</a:t>
             </a:r>
           </a:p>
         </p:txBody>
@@ -3932,6 +3963,203 @@
 </file>
 
 <file path=ppt/slides/slide11.xml><?xml version="1.0" encoding="utf-8"?>
+<p:sld xmlns:a="http://schemas.openxmlformats.org/drawingml/2006/main" xmlns:r="http://schemas.openxmlformats.org/officeDocument/2006/relationships" xmlns:p="http://schemas.openxmlformats.org/presentationml/2006/main">
+  <p:cSld>
+    <p:spTree>
+      <p:nvGrpSpPr>
+        <p:cNvPr id="1" name=""/>
+        <p:cNvGrpSpPr/>
+        <p:nvPr/>
+      </p:nvGrpSpPr>
+      <p:grpSpPr>
+        <a:xfrm>
+          <a:off x="0" y="0"/>
+          <a:ext cx="0" cy="0"/>
+          <a:chOff x="0" y="0"/>
+          <a:chExt cx="0" cy="0"/>
+        </a:xfrm>
+      </p:grpSpPr>
+      <p:sp>
+        <p:nvSpPr>
+          <p:cNvPr id="2" name="Titel 1"/>
+          <p:cNvSpPr>
+            <a:spLocks noGrp="1"/>
+          </p:cNvSpPr>
+          <p:nvPr>
+            <p:ph type="title"/>
+          </p:nvPr>
+        </p:nvSpPr>
+        <p:spPr/>
+        <p:txBody>
+          <a:bodyPr/>
+          <a:lstStyle/>
+          <a:p>
+            <a:r>
+              <a:rPr lang="de-DE" dirty="0" smtClean="0"/>
+              <a:t>Agenda</a:t>
+            </a:r>
+            <a:endParaRPr lang="de-DE" dirty="0"/>
+          </a:p>
+        </p:txBody>
+      </p:sp>
+      <p:sp>
+        <p:nvSpPr>
+          <p:cNvPr id="3" name="Inhaltsplatzhalter 2"/>
+          <p:cNvSpPr>
+            <a:spLocks noGrp="1"/>
+          </p:cNvSpPr>
+          <p:nvPr>
+            <p:ph idx="1"/>
+          </p:nvPr>
+        </p:nvSpPr>
+        <p:spPr/>
+        <p:txBody>
+          <a:bodyPr/>
+          <a:lstStyle/>
+          <a:p>
+            <a:pPr marL="457200" indent="-457200">
+              <a:buFont typeface="+mj-lt"/>
+              <a:buAutoNum type="arabicPeriod"/>
+            </a:pPr>
+            <a:r>
+              <a:rPr lang="de-DE" dirty="0" smtClean="0"/>
+              <a:t>Anforderungsanalyse</a:t>
+            </a:r>
+          </a:p>
+          <a:p>
+            <a:pPr marL="457200" indent="-457200">
+              <a:buFont typeface="+mj-lt"/>
+              <a:buAutoNum type="arabicPeriod"/>
+            </a:pPr>
+            <a:r>
+              <a:rPr lang="de-DE" dirty="0" smtClean="0"/>
+              <a:t>Lösungsansatz 1</a:t>
+            </a:r>
+          </a:p>
+          <a:p>
+            <a:pPr marL="457200" indent="-457200">
+              <a:buFont typeface="+mj-lt"/>
+              <a:buAutoNum type="arabicPeriod"/>
+            </a:pPr>
+            <a:r>
+              <a:rPr lang="de-DE" dirty="0" smtClean="0">
+                <a:solidFill>
+                  <a:srgbClr val="FF0000"/>
+                </a:solidFill>
+              </a:rPr>
+              <a:t>Lösungsansatz </a:t>
+            </a:r>
+            <a:r>
+              <a:rPr lang="de-DE" dirty="0" smtClean="0">
+                <a:solidFill>
+                  <a:srgbClr val="FF0000"/>
+                </a:solidFill>
+              </a:rPr>
+              <a:t>2</a:t>
+            </a:r>
+          </a:p>
+          <a:p>
+            <a:pPr marL="457200" indent="-457200">
+              <a:buFont typeface="+mj-lt"/>
+              <a:buAutoNum type="arabicPeriod"/>
+            </a:pPr>
+            <a:r>
+              <a:rPr lang="de-DE" dirty="0" smtClean="0"/>
+              <a:t>Diskussion</a:t>
+            </a:r>
+            <a:endParaRPr lang="de-DE" dirty="0" smtClean="0"/>
+          </a:p>
+          <a:p>
+            <a:endParaRPr lang="de-DE" dirty="0"/>
+          </a:p>
+        </p:txBody>
+      </p:sp>
+      <p:sp>
+        <p:nvSpPr>
+          <p:cNvPr id="4" name="Datumsplatzhalter 3"/>
+          <p:cNvSpPr>
+            <a:spLocks noGrp="1"/>
+          </p:cNvSpPr>
+          <p:nvPr>
+            <p:ph type="dt" sz="half" idx="10"/>
+          </p:nvPr>
+        </p:nvSpPr>
+        <p:spPr/>
+        <p:txBody>
+          <a:bodyPr/>
+          <a:lstStyle/>
+          <a:p>
+            <a:r>
+              <a:rPr lang="de-DE" smtClean="0"/>
+              <a:t>04.05.2012</a:t>
+            </a:r>
+            <a:endParaRPr lang="de-DE"/>
+          </a:p>
+        </p:txBody>
+      </p:sp>
+      <p:sp>
+        <p:nvSpPr>
+          <p:cNvPr id="5" name="Foliennummernplatzhalter 4"/>
+          <p:cNvSpPr>
+            <a:spLocks noGrp="1"/>
+          </p:cNvSpPr>
+          <p:nvPr>
+            <p:ph type="sldNum" sz="quarter" idx="12"/>
+          </p:nvPr>
+        </p:nvSpPr>
+        <p:spPr/>
+        <p:txBody>
+          <a:bodyPr/>
+          <a:lstStyle/>
+          <a:p>
+            <a:fld id="{6C6AE60A-B69C-4790-82F7-3882EDF23186}" type="slidenum">
+              <a:rPr lang="de-DE" smtClean="0"/>
+              <a:pPr/>
+              <a:t>11</a:t>
+            </a:fld>
+            <a:endParaRPr lang="de-DE"/>
+          </a:p>
+        </p:txBody>
+      </p:sp>
+      <p:sp>
+        <p:nvSpPr>
+          <p:cNvPr id="6" name="Fußzeilenplatzhalter 5"/>
+          <p:cNvSpPr>
+            <a:spLocks noGrp="1"/>
+          </p:cNvSpPr>
+          <p:nvPr>
+            <p:ph type="ftr" sz="quarter" idx="11"/>
+          </p:nvPr>
+        </p:nvSpPr>
+        <p:spPr/>
+        <p:txBody>
+          <a:bodyPr/>
+          <a:lstStyle/>
+          <a:p>
+            <a:r>
+              <a:rPr lang="de-DE" smtClean="0"/>
+              <a:t>KickOff Präsentation</a:t>
+            </a:r>
+            <a:endParaRPr lang="de-DE"/>
+          </a:p>
+        </p:txBody>
+      </p:sp>
+    </p:spTree>
+  </p:cSld>
+  <p:clrMapOvr>
+    <a:masterClrMapping/>
+  </p:clrMapOvr>
+  <p:timing>
+    <p:tnLst>
+      <p:par>
+        <p:cTn id="1" dur="indefinite" restart="never" nodeType="tmRoot"/>
+      </p:par>
+    </p:tnLst>
+  </p:timing>
+</p:sld>
+</file>
+
+<file path=ppt/slides/slide12.xml><?xml version="1.0" encoding="utf-8"?>
 <p:sld xmlns:a="http://schemas.openxmlformats.org/drawingml/2006/main" xmlns:r="http://schemas.openxmlformats.org/officeDocument/2006/relationships" xmlns:p="http://schemas.openxmlformats.org/presentationml/2006/main">
   <p:cSld>
     <p:spTree>
@@ -4084,7 +4312,7 @@
             <a:fld id="{6C6AE60A-B69C-4790-82F7-3882EDF23186}" type="slidenum">
               <a:rPr lang="de-DE" smtClean="0"/>
               <a:pPr/>
-              <a:t>11</a:t>
+              <a:t>12</a:t>
             </a:fld>
             <a:endParaRPr lang="de-DE"/>
           </a:p>
@@ -4623,7 +4851,7 @@
         <p:spPr>
           <a:xfrm>
             <a:off x="6732240" y="5877272"/>
-            <a:ext cx="1912923" cy="523220"/>
+            <a:ext cx="1912923" cy="400110"/>
           </a:xfrm>
           <a:prstGeom prst="rect">
             <a:avLst/>
@@ -4638,7 +4866,7 @@
           <a:p>
             <a:pPr algn="r"/>
             <a:r>
-              <a:rPr lang="de-DE" sz="1400" dirty="0" smtClean="0">
+              <a:rPr lang="de-DE" sz="1000" dirty="0" smtClean="0">
                 <a:solidFill>
                   <a:schemeClr val="bg1"/>
                 </a:solidFill>
@@ -4646,211 +4874,25 @@
               <a:t>[3], [28], [36], [38],</a:t>
             </a:r>
             <a:br>
-              <a:rPr lang="de-DE" sz="1400" dirty="0" smtClean="0">
+              <a:rPr lang="de-DE" sz="1000" dirty="0" smtClean="0">
                 <a:solidFill>
                   <a:schemeClr val="bg1"/>
                 </a:solidFill>
               </a:rPr>
             </a:br>
             <a:r>
-              <a:rPr lang="de-DE" sz="1400" dirty="0" smtClean="0">
+              <a:rPr lang="de-DE" sz="1000" dirty="0" smtClean="0">
                 <a:solidFill>
                   <a:schemeClr val="bg1"/>
                 </a:solidFill>
               </a:rPr>
               <a:t>[39], [40], [41], [42]</a:t>
             </a:r>
-            <a:endParaRPr lang="de-DE" sz="1400" dirty="0">
+            <a:endParaRPr lang="de-DE" sz="1000" dirty="0">
               <a:solidFill>
                 <a:schemeClr val="bg1"/>
               </a:solidFill>
             </a:endParaRPr>
-          </a:p>
-        </p:txBody>
-      </p:sp>
-    </p:spTree>
-  </p:cSld>
-  <p:clrMapOvr>
-    <a:masterClrMapping/>
-  </p:clrMapOvr>
-  <p:timing>
-    <p:tnLst>
-      <p:par>
-        <p:cTn id="1" dur="indefinite" restart="never" nodeType="tmRoot"/>
-      </p:par>
-    </p:tnLst>
-  </p:timing>
-</p:sld>
-</file>
-
-<file path=ppt/slides/slide12.xml><?xml version="1.0" encoding="utf-8"?>
-<p:sld xmlns:a="http://schemas.openxmlformats.org/drawingml/2006/main" xmlns:r="http://schemas.openxmlformats.org/officeDocument/2006/relationships" xmlns:p="http://schemas.openxmlformats.org/presentationml/2006/main">
-  <p:cSld>
-    <p:spTree>
-      <p:nvGrpSpPr>
-        <p:cNvPr id="1" name=""/>
-        <p:cNvGrpSpPr/>
-        <p:nvPr/>
-      </p:nvGrpSpPr>
-      <p:grpSpPr>
-        <a:xfrm>
-          <a:off x="0" y="0"/>
-          <a:ext cx="0" cy="0"/>
-          <a:chOff x="0" y="0"/>
-          <a:chExt cx="0" cy="0"/>
-        </a:xfrm>
-      </p:grpSpPr>
-      <p:sp>
-        <p:nvSpPr>
-          <p:cNvPr id="2" name="Titel 1"/>
-          <p:cNvSpPr>
-            <a:spLocks noGrp="1"/>
-          </p:cNvSpPr>
-          <p:nvPr>
-            <p:ph type="title"/>
-          </p:nvPr>
-        </p:nvSpPr>
-        <p:spPr/>
-        <p:txBody>
-          <a:bodyPr/>
-          <a:lstStyle/>
-          <a:p>
-            <a:r>
-              <a:rPr lang="de-DE" dirty="0" smtClean="0"/>
-              <a:t>Lösungsansatz 2</a:t>
-            </a:r>
-            <a:endParaRPr lang="de-DE" dirty="0"/>
-          </a:p>
-        </p:txBody>
-      </p:sp>
-      <p:sp>
-        <p:nvSpPr>
-          <p:cNvPr id="3" name="Inhaltsplatzhalter 2"/>
-          <p:cNvSpPr>
-            <a:spLocks noGrp="1"/>
-          </p:cNvSpPr>
-          <p:nvPr>
-            <p:ph idx="1"/>
-          </p:nvPr>
-        </p:nvSpPr>
-        <p:spPr/>
-        <p:txBody>
-          <a:bodyPr/>
-          <a:lstStyle/>
-          <a:p>
-            <a:r>
-              <a:rPr lang="de-DE" dirty="0" smtClean="0"/>
-              <a:t>Useraktivität</a:t>
-            </a:r>
-          </a:p>
-          <a:p>
-            <a:pPr lvl="1"/>
-            <a:r>
-              <a:rPr lang="de-DE" dirty="0" smtClean="0"/>
-              <a:t>User braucht nur den </a:t>
-            </a:r>
-            <a:r>
-              <a:rPr lang="de-DE" dirty="0" err="1" smtClean="0"/>
-              <a:t>Excelexport</a:t>
-            </a:r>
-            <a:r>
-              <a:rPr lang="de-DE" dirty="0" smtClean="0"/>
-              <a:t> anzustoßen</a:t>
-            </a:r>
-          </a:p>
-          <a:p>
-            <a:pPr lvl="1"/>
-            <a:r>
-              <a:rPr lang="de-DE" dirty="0" smtClean="0"/>
-              <a:t>Alle andere Aktivitäten passieren automatisch</a:t>
-            </a:r>
-          </a:p>
-          <a:p>
-            <a:endParaRPr lang="de-DE" dirty="0" smtClean="0"/>
-          </a:p>
-          <a:p>
-            <a:r>
-              <a:rPr lang="de-DE" dirty="0" smtClean="0"/>
-              <a:t>Optional</a:t>
-            </a:r>
-          </a:p>
-          <a:p>
-            <a:pPr lvl="1"/>
-            <a:r>
-              <a:rPr lang="de-DE" dirty="0" smtClean="0"/>
-              <a:t>Digitalisieren von Belegen und Anheften an die Reisetagebucheinträge</a:t>
-            </a:r>
-            <a:endParaRPr lang="de-DE" dirty="0"/>
-          </a:p>
-        </p:txBody>
-      </p:sp>
-      <p:sp>
-        <p:nvSpPr>
-          <p:cNvPr id="4" name="Datumsplatzhalter 3"/>
-          <p:cNvSpPr>
-            <a:spLocks noGrp="1"/>
-          </p:cNvSpPr>
-          <p:nvPr>
-            <p:ph type="dt" sz="half" idx="10"/>
-          </p:nvPr>
-        </p:nvSpPr>
-        <p:spPr/>
-        <p:txBody>
-          <a:bodyPr/>
-          <a:lstStyle/>
-          <a:p>
-            <a:r>
-              <a:rPr lang="de-DE" smtClean="0"/>
-              <a:t>04.05.2012</a:t>
-            </a:r>
-            <a:endParaRPr lang="de-DE"/>
-          </a:p>
-        </p:txBody>
-      </p:sp>
-      <p:sp>
-        <p:nvSpPr>
-          <p:cNvPr id="5" name="Fußzeilenplatzhalter 4"/>
-          <p:cNvSpPr>
-            <a:spLocks noGrp="1"/>
-          </p:cNvSpPr>
-          <p:nvPr>
-            <p:ph type="ftr" sz="quarter" idx="11"/>
-          </p:nvPr>
-        </p:nvSpPr>
-        <p:spPr/>
-        <p:txBody>
-          <a:bodyPr/>
-          <a:lstStyle/>
-          <a:p>
-            <a:r>
-              <a:rPr lang="de-DE" smtClean="0"/>
-              <a:t>KickOff Präsentation</a:t>
-            </a:r>
-            <a:endParaRPr lang="de-DE"/>
-          </a:p>
-        </p:txBody>
-      </p:sp>
-      <p:sp>
-        <p:nvSpPr>
-          <p:cNvPr id="6" name="Foliennummernplatzhalter 5"/>
-          <p:cNvSpPr>
-            <a:spLocks noGrp="1"/>
-          </p:cNvSpPr>
-          <p:nvPr>
-            <p:ph type="sldNum" sz="quarter" idx="12"/>
-          </p:nvPr>
-        </p:nvSpPr>
-        <p:spPr/>
-        <p:txBody>
-          <a:bodyPr/>
-          <a:lstStyle/>
-          <a:p>
-            <a:fld id="{6C6AE60A-B69C-4790-82F7-3882EDF23186}" type="slidenum">
-              <a:rPr lang="de-DE" smtClean="0"/>
-              <a:pPr/>
-              <a:t>12</a:t>
-            </a:fld>
-            <a:endParaRPr lang="de-DE"/>
           </a:p>
         </p:txBody>
       </p:sp>
@@ -4926,53 +4968,47 @@
           <a:p>
             <a:r>
               <a:rPr lang="de-DE" dirty="0" smtClean="0"/>
-              <a:t>Projektplanung</a:t>
+              <a:t>Useraktivität</a:t>
             </a:r>
           </a:p>
           <a:p>
             <a:pPr lvl="1"/>
             <a:r>
               <a:rPr lang="de-DE" dirty="0" smtClean="0"/>
-              <a:t>MS1: Paper </a:t>
+              <a:t>User braucht nur den </a:t>
             </a:r>
             <a:r>
               <a:rPr lang="de-DE" dirty="0" err="1" smtClean="0"/>
-              <a:t>Prototyping</a:t>
-            </a:r>
+              <a:t>Excelexport</a:t>
+            </a:r>
+            <a:r>
+              <a:rPr lang="de-DE" dirty="0" smtClean="0"/>
+              <a:t> anzustoßen</a:t>
+            </a:r>
+          </a:p>
+          <a:p>
+            <a:pPr lvl="1"/>
+            <a:r>
+              <a:rPr lang="de-DE" dirty="0" smtClean="0"/>
+              <a:t>Alle andere Aktivitäten passieren automatisch</a:t>
+            </a:r>
+          </a:p>
+          <a:p>
             <a:endParaRPr lang="de-DE" dirty="0" smtClean="0"/>
           </a:p>
           <a:p>
+            <a:r>
+              <a:rPr lang="de-DE" dirty="0" smtClean="0"/>
+              <a:t>Optional</a:t>
+            </a:r>
+          </a:p>
+          <a:p>
             <a:pPr lvl="1"/>
             <a:r>
               <a:rPr lang="de-DE" dirty="0" smtClean="0"/>
-              <a:t>MS2: Outlookexport der Termine</a:t>
-            </a:r>
-          </a:p>
-          <a:p>
-            <a:pPr lvl="1"/>
-            <a:r>
-              <a:rPr lang="de-DE" dirty="0" smtClean="0"/>
-              <a:t>MS3: Basisversion der </a:t>
-            </a:r>
-            <a:r>
-              <a:rPr lang="de-DE" dirty="0" err="1" smtClean="0"/>
-              <a:t>App</a:t>
-            </a:r>
-            <a:endParaRPr lang="de-DE" dirty="0" smtClean="0"/>
-          </a:p>
-          <a:p>
-            <a:pPr lvl="1"/>
-            <a:r>
-              <a:rPr lang="de-DE" dirty="0" smtClean="0"/>
-              <a:t>MS4: Bugfixing, Export nach Excel</a:t>
-            </a:r>
-          </a:p>
-          <a:p>
-            <a:pPr lvl="1"/>
-            <a:r>
-              <a:rPr lang="de-DE" dirty="0" smtClean="0"/>
-              <a:t>MS5: Optimierung &amp; Optionale Features</a:t>
-            </a:r>
+              <a:t>Digitalisieren von Belegen und Anheften an die Reisetagebucheinträge</a:t>
+            </a:r>
+            <a:endParaRPr lang="de-DE" dirty="0"/>
           </a:p>
         </p:txBody>
       </p:sp>
@@ -5093,6 +5129,279 @@
           <a:bodyPr/>
           <a:lstStyle/>
           <a:p>
+            <a:r>
+              <a:rPr lang="de-DE" dirty="0" smtClean="0"/>
+              <a:t>Lösungsansatz 2</a:t>
+            </a:r>
+            <a:endParaRPr lang="de-DE" dirty="0"/>
+          </a:p>
+        </p:txBody>
+      </p:sp>
+      <p:sp>
+        <p:nvSpPr>
+          <p:cNvPr id="3" name="Inhaltsplatzhalter 2"/>
+          <p:cNvSpPr>
+            <a:spLocks noGrp="1"/>
+          </p:cNvSpPr>
+          <p:nvPr>
+            <p:ph idx="1"/>
+          </p:nvPr>
+        </p:nvSpPr>
+        <p:spPr>
+          <a:xfrm>
+            <a:off x="457200" y="1124744"/>
+            <a:ext cx="8507288" cy="5001419"/>
+          </a:xfrm>
+        </p:spPr>
+        <p:txBody>
+          <a:bodyPr/>
+          <a:lstStyle/>
+          <a:p>
+            <a:r>
+              <a:rPr lang="de-DE" dirty="0" smtClean="0"/>
+              <a:t>Projektplanung</a:t>
+            </a:r>
+          </a:p>
+          <a:p>
+            <a:pPr lvl="1"/>
+            <a:r>
+              <a:rPr lang="de-DE" dirty="0" smtClean="0"/>
+              <a:t>Zeitraum: 04.05 – </a:t>
+            </a:r>
+            <a:r>
+              <a:rPr lang="de-DE" dirty="0" smtClean="0"/>
+              <a:t>06.07.2012</a:t>
+            </a:r>
+            <a:endParaRPr lang="de-DE" dirty="0" smtClean="0"/>
+          </a:p>
+          <a:p>
+            <a:pPr lvl="2"/>
+            <a:r>
+              <a:rPr lang="de-DE" b="1" dirty="0" smtClean="0"/>
+              <a:t>MS1</a:t>
+            </a:r>
+            <a:r>
+              <a:rPr lang="de-DE" dirty="0" smtClean="0"/>
+              <a:t> (1 Woche, - 11.05</a:t>
+            </a:r>
+            <a:r>
+              <a:rPr lang="de-DE" dirty="0" smtClean="0"/>
+              <a:t>):		</a:t>
+            </a:r>
+            <a:r>
+              <a:rPr lang="de-DE" dirty="0" smtClean="0"/>
+              <a:t>Paper </a:t>
+            </a:r>
+            <a:r>
+              <a:rPr lang="de-DE" dirty="0" err="1" smtClean="0"/>
+              <a:t>Prototyping</a:t>
+            </a:r>
+            <a:endParaRPr lang="de-DE" dirty="0" smtClean="0"/>
+          </a:p>
+          <a:p>
+            <a:pPr lvl="2"/>
+            <a:r>
+              <a:rPr lang="de-DE" b="1" dirty="0" smtClean="0"/>
+              <a:t>MS2 </a:t>
+            </a:r>
+            <a:r>
+              <a:rPr lang="de-DE" dirty="0" smtClean="0"/>
+              <a:t>(2 Wochen, - 25.05): </a:t>
+            </a:r>
+            <a:r>
+              <a:rPr lang="de-DE" dirty="0" smtClean="0"/>
+              <a:t>	Outlookexport </a:t>
+            </a:r>
+            <a:r>
+              <a:rPr lang="de-DE" dirty="0" smtClean="0"/>
+              <a:t>der Termine</a:t>
+            </a:r>
+          </a:p>
+          <a:p>
+            <a:pPr lvl="2"/>
+            <a:r>
+              <a:rPr lang="de-DE" b="1" dirty="0" smtClean="0"/>
+              <a:t>MS3</a:t>
+            </a:r>
+            <a:r>
+              <a:rPr lang="de-DE" dirty="0" smtClean="0"/>
+              <a:t> (2 Wochen, - 08.06): </a:t>
+            </a:r>
+            <a:r>
+              <a:rPr lang="de-DE" dirty="0" smtClean="0"/>
+              <a:t>	Basisversion </a:t>
+            </a:r>
+            <a:r>
+              <a:rPr lang="de-DE" dirty="0" smtClean="0"/>
+              <a:t>der </a:t>
+            </a:r>
+            <a:r>
+              <a:rPr lang="de-DE" dirty="0" err="1" smtClean="0"/>
+              <a:t>App</a:t>
+            </a:r>
+            <a:endParaRPr lang="de-DE" dirty="0" smtClean="0"/>
+          </a:p>
+          <a:p>
+            <a:pPr lvl="2"/>
+            <a:r>
+              <a:rPr lang="de-DE" b="1" dirty="0" smtClean="0"/>
+              <a:t>MS4</a:t>
+            </a:r>
+            <a:r>
+              <a:rPr lang="de-DE" dirty="0" smtClean="0"/>
+              <a:t> (2 Wochen, - 22.06): </a:t>
+            </a:r>
+            <a:r>
+              <a:rPr lang="de-DE" dirty="0" smtClean="0"/>
+              <a:t>	Bugfixing</a:t>
+            </a:r>
+            <a:r>
+              <a:rPr lang="de-DE" dirty="0" smtClean="0"/>
+              <a:t>, Export nach Excel</a:t>
+            </a:r>
+          </a:p>
+          <a:p>
+            <a:pPr lvl="2"/>
+            <a:r>
+              <a:rPr lang="de-DE" b="1" dirty="0" smtClean="0"/>
+              <a:t>MS5</a:t>
+            </a:r>
+            <a:r>
+              <a:rPr lang="de-DE" dirty="0" smtClean="0"/>
+              <a:t> (2 Wochen, - 06.07): </a:t>
+            </a:r>
+            <a:r>
+              <a:rPr lang="de-DE" dirty="0" smtClean="0"/>
+              <a:t>	Optimierung </a:t>
+            </a:r>
+            <a:r>
+              <a:rPr lang="de-DE" dirty="0" smtClean="0"/>
+              <a:t>&amp; Optionale Features</a:t>
+            </a:r>
+          </a:p>
+        </p:txBody>
+      </p:sp>
+      <p:sp>
+        <p:nvSpPr>
+          <p:cNvPr id="4" name="Datumsplatzhalter 3"/>
+          <p:cNvSpPr>
+            <a:spLocks noGrp="1"/>
+          </p:cNvSpPr>
+          <p:nvPr>
+            <p:ph type="dt" sz="half" idx="10"/>
+          </p:nvPr>
+        </p:nvSpPr>
+        <p:spPr/>
+        <p:txBody>
+          <a:bodyPr/>
+          <a:lstStyle/>
+          <a:p>
+            <a:r>
+              <a:rPr lang="de-DE" smtClean="0"/>
+              <a:t>04.05.2012</a:t>
+            </a:r>
+            <a:endParaRPr lang="de-DE"/>
+          </a:p>
+        </p:txBody>
+      </p:sp>
+      <p:sp>
+        <p:nvSpPr>
+          <p:cNvPr id="5" name="Fußzeilenplatzhalter 4"/>
+          <p:cNvSpPr>
+            <a:spLocks noGrp="1"/>
+          </p:cNvSpPr>
+          <p:nvPr>
+            <p:ph type="ftr" sz="quarter" idx="11"/>
+          </p:nvPr>
+        </p:nvSpPr>
+        <p:spPr/>
+        <p:txBody>
+          <a:bodyPr/>
+          <a:lstStyle/>
+          <a:p>
+            <a:r>
+              <a:rPr lang="de-DE" smtClean="0"/>
+              <a:t>KickOff Präsentation</a:t>
+            </a:r>
+            <a:endParaRPr lang="de-DE"/>
+          </a:p>
+        </p:txBody>
+      </p:sp>
+      <p:sp>
+        <p:nvSpPr>
+          <p:cNvPr id="6" name="Foliennummernplatzhalter 5"/>
+          <p:cNvSpPr>
+            <a:spLocks noGrp="1"/>
+          </p:cNvSpPr>
+          <p:nvPr>
+            <p:ph type="sldNum" sz="quarter" idx="12"/>
+          </p:nvPr>
+        </p:nvSpPr>
+        <p:spPr/>
+        <p:txBody>
+          <a:bodyPr/>
+          <a:lstStyle/>
+          <a:p>
+            <a:fld id="{6C6AE60A-B69C-4790-82F7-3882EDF23186}" type="slidenum">
+              <a:rPr lang="de-DE" smtClean="0"/>
+              <a:pPr/>
+              <a:t>14</a:t>
+            </a:fld>
+            <a:endParaRPr lang="de-DE"/>
+          </a:p>
+        </p:txBody>
+      </p:sp>
+    </p:spTree>
+  </p:cSld>
+  <p:clrMapOvr>
+    <a:masterClrMapping/>
+  </p:clrMapOvr>
+  <p:timing>
+    <p:tnLst>
+      <p:par>
+        <p:cTn id="1" dur="indefinite" restart="never" nodeType="tmRoot"/>
+      </p:par>
+    </p:tnLst>
+  </p:timing>
+</p:sld>
+</file>
+
+<file path=ppt/slides/slide15.xml><?xml version="1.0" encoding="utf-8"?>
+<p:sld xmlns:a="http://schemas.openxmlformats.org/drawingml/2006/main" xmlns:r="http://schemas.openxmlformats.org/officeDocument/2006/relationships" xmlns:p="http://schemas.openxmlformats.org/presentationml/2006/main">
+  <p:cSld>
+    <p:spTree>
+      <p:nvGrpSpPr>
+        <p:cNvPr id="1" name=""/>
+        <p:cNvGrpSpPr/>
+        <p:nvPr/>
+      </p:nvGrpSpPr>
+      <p:grpSpPr>
+        <a:xfrm>
+          <a:off x="0" y="0"/>
+          <a:ext cx="0" cy="0"/>
+          <a:chOff x="0" y="0"/>
+          <a:chExt cx="0" cy="0"/>
+        </a:xfrm>
+      </p:grpSpPr>
+      <p:sp>
+        <p:nvSpPr>
+          <p:cNvPr id="2" name="Titel 1"/>
+          <p:cNvSpPr>
+            <a:spLocks noGrp="1"/>
+          </p:cNvSpPr>
+          <p:nvPr>
+            <p:ph type="title"/>
+          </p:nvPr>
+        </p:nvSpPr>
+        <p:spPr/>
+        <p:txBody>
+          <a:bodyPr/>
+          <a:lstStyle/>
+          <a:p>
+            <a:r>
+              <a:rPr lang="de-DE" dirty="0" smtClean="0"/>
+              <a:t>Diskussion</a:t>
+            </a:r>
             <a:endParaRPr lang="de-DE" dirty="0"/>
           </a:p>
         </p:txBody>
@@ -5198,7 +5507,7 @@
             <a:fld id="{6C6AE60A-B69C-4790-82F7-3882EDF23186}" type="slidenum">
               <a:rPr lang="de-DE" smtClean="0"/>
               <a:pPr/>
-              <a:t>14</a:t>
+              <a:t>15</a:t>
             </a:fld>
             <a:endParaRPr lang="de-DE"/>
           </a:p>
@@ -5336,7 +5645,7 @@
 </p:sld>
 </file>
 
-<file path=ppt/slides/slide15.xml><?xml version="1.0" encoding="utf-8"?>
+<file path=ppt/slides/slide16.xml><?xml version="1.0" encoding="utf-8"?>
 <p:sld xmlns:a="http://schemas.openxmlformats.org/drawingml/2006/main" xmlns:r="http://schemas.openxmlformats.org/officeDocument/2006/relationships" xmlns:p="http://schemas.openxmlformats.org/presentationml/2006/main">
   <p:cSld>
     <p:spTree>
@@ -6190,902 +6499,6 @@
                           <a:hlinkClick r:id="rId13"/>
                         </a:rPr>
                         <a:t>http://www.iconarchive.com/show/sleek-xp-basic-icons-by-deleket/Home-icon.html</a:t>
-                      </a:r>
-                      <a:r>
-                        <a:rPr lang="de-DE" sz="1400" dirty="0" smtClean="0"/>
-                        <a:t> </a:t>
-                      </a:r>
-                      <a:endParaRPr lang="de-DE" sz="1400" dirty="0"/>
-                    </a:p>
-                  </a:txBody>
-                  <a:tcPr/>
-                </a:tc>
-              </a:tr>
-            </a:tbl>
-          </a:graphicData>
-        </a:graphic>
-      </p:graphicFrame>
-      <p:sp>
-        <p:nvSpPr>
-          <p:cNvPr id="4" name="Datumsplatzhalter 3"/>
-          <p:cNvSpPr>
-            <a:spLocks noGrp="1"/>
-          </p:cNvSpPr>
-          <p:nvPr>
-            <p:ph type="dt" sz="half" idx="10"/>
-          </p:nvPr>
-        </p:nvSpPr>
-        <p:spPr/>
-        <p:txBody>
-          <a:bodyPr/>
-          <a:lstStyle/>
-          <a:p>
-            <a:r>
-              <a:rPr lang="de-DE" smtClean="0"/>
-              <a:t>04.05.2012</a:t>
-            </a:r>
-            <a:endParaRPr lang="de-DE"/>
-          </a:p>
-        </p:txBody>
-      </p:sp>
-      <p:sp>
-        <p:nvSpPr>
-          <p:cNvPr id="5" name="Fußzeilenplatzhalter 4"/>
-          <p:cNvSpPr>
-            <a:spLocks noGrp="1"/>
-          </p:cNvSpPr>
-          <p:nvPr>
-            <p:ph type="ftr" sz="quarter" idx="11"/>
-          </p:nvPr>
-        </p:nvSpPr>
-        <p:spPr/>
-        <p:txBody>
-          <a:bodyPr/>
-          <a:lstStyle/>
-          <a:p>
-            <a:r>
-              <a:rPr lang="de-DE" smtClean="0"/>
-              <a:t>KickOff Präsentation</a:t>
-            </a:r>
-            <a:endParaRPr lang="de-DE"/>
-          </a:p>
-        </p:txBody>
-      </p:sp>
-      <p:sp>
-        <p:nvSpPr>
-          <p:cNvPr id="6" name="Foliennummernplatzhalter 5"/>
-          <p:cNvSpPr>
-            <a:spLocks noGrp="1"/>
-          </p:cNvSpPr>
-          <p:nvPr>
-            <p:ph type="sldNum" sz="quarter" idx="12"/>
-          </p:nvPr>
-        </p:nvSpPr>
-        <p:spPr/>
-        <p:txBody>
-          <a:bodyPr/>
-          <a:lstStyle/>
-          <a:p>
-            <a:fld id="{6C6AE60A-B69C-4790-82F7-3882EDF23186}" type="slidenum">
-              <a:rPr lang="de-DE" smtClean="0"/>
-              <a:pPr/>
-              <a:t>15</a:t>
-            </a:fld>
-            <a:endParaRPr lang="de-DE"/>
-          </a:p>
-        </p:txBody>
-      </p:sp>
-    </p:spTree>
-  </p:cSld>
-  <p:clrMapOvr>
-    <a:masterClrMapping/>
-  </p:clrMapOvr>
-  <p:timing>
-    <p:tnLst>
-      <p:par>
-        <p:cTn id="1" dur="indefinite" restart="never" nodeType="tmRoot"/>
-      </p:par>
-    </p:tnLst>
-  </p:timing>
-</p:sld>
-</file>
-
-<file path=ppt/slides/slide16.xml><?xml version="1.0" encoding="utf-8"?>
-<p:sld xmlns:a="http://schemas.openxmlformats.org/drawingml/2006/main" xmlns:r="http://schemas.openxmlformats.org/officeDocument/2006/relationships" xmlns:p="http://schemas.openxmlformats.org/presentationml/2006/main">
-  <p:cSld>
-    <p:spTree>
-      <p:nvGrpSpPr>
-        <p:cNvPr id="1" name=""/>
-        <p:cNvGrpSpPr/>
-        <p:nvPr/>
-      </p:nvGrpSpPr>
-      <p:grpSpPr>
-        <a:xfrm>
-          <a:off x="0" y="0"/>
-          <a:ext cx="0" cy="0"/>
-          <a:chOff x="0" y="0"/>
-          <a:chExt cx="0" cy="0"/>
-        </a:xfrm>
-      </p:grpSpPr>
-      <p:sp>
-        <p:nvSpPr>
-          <p:cNvPr id="2" name="Titel 1"/>
-          <p:cNvSpPr>
-            <a:spLocks noGrp="1"/>
-          </p:cNvSpPr>
-          <p:nvPr>
-            <p:ph type="title"/>
-          </p:nvPr>
-        </p:nvSpPr>
-        <p:spPr/>
-        <p:txBody>
-          <a:bodyPr/>
-          <a:lstStyle/>
-          <a:p>
-            <a:r>
-              <a:rPr lang="de-DE" dirty="0" smtClean="0"/>
-              <a:t>Quellen</a:t>
-            </a:r>
-            <a:endParaRPr lang="de-DE" dirty="0"/>
-          </a:p>
-        </p:txBody>
-      </p:sp>
-      <p:graphicFrame>
-        <p:nvGraphicFramePr>
-          <p:cNvPr id="7" name="Inhaltsplatzhalter 6"/>
-          <p:cNvGraphicFramePr>
-            <a:graphicFrameLocks noGrp="1"/>
-          </p:cNvGraphicFramePr>
-          <p:nvPr>
-            <p:ph idx="1"/>
-          </p:nvPr>
-        </p:nvGraphicFramePr>
-        <p:xfrm>
-          <a:off x="323528" y="1125538"/>
-          <a:ext cx="8568952" cy="4749800"/>
-        </p:xfrm>
-        <a:graphic>
-          <a:graphicData uri="http://schemas.openxmlformats.org/drawingml/2006/table">
-            <a:tbl>
-              <a:tblPr firstRow="1" bandRow="1">
-                <a:tableStyleId>{2D5ABB26-0587-4C30-8999-92F81FD0307C}</a:tableStyleId>
-              </a:tblPr>
-              <a:tblGrid>
-                <a:gridCol w="504056"/>
-                <a:gridCol w="1152128"/>
-                <a:gridCol w="6912768"/>
-              </a:tblGrid>
-              <a:tr h="287238">
-                <a:tc>
-                  <a:txBody>
-                    <a:bodyPr/>
-                    <a:lstStyle/>
-                    <a:p>
-                      <a:r>
-                        <a:rPr lang="de-DE" sz="1400" dirty="0" smtClean="0">
-                          <a:solidFill>
-                            <a:schemeClr val="bg1"/>
-                          </a:solidFill>
-                        </a:rPr>
-                        <a:t>[13]</a:t>
-                      </a:r>
-                      <a:endParaRPr lang="de-DE" sz="1400" b="0" dirty="0">
-                        <a:solidFill>
-                          <a:schemeClr val="bg1"/>
-                        </a:solidFill>
-                      </a:endParaRPr>
-                    </a:p>
-                  </a:txBody>
-                  <a:tcPr/>
-                </a:tc>
-                <a:tc>
-                  <a:txBody>
-                    <a:bodyPr/>
-                    <a:lstStyle/>
-                    <a:p>
-                      <a:r>
-                        <a:rPr lang="de-DE" sz="1400" dirty="0" smtClean="0">
-                          <a:solidFill>
-                            <a:schemeClr val="bg1"/>
-                          </a:solidFill>
-                        </a:rPr>
-                        <a:t>Ortsschild B</a:t>
-                      </a:r>
-                      <a:endParaRPr lang="de-DE" sz="1400" b="0" dirty="0">
-                        <a:solidFill>
-                          <a:schemeClr val="bg1"/>
-                        </a:solidFill>
-                      </a:endParaRPr>
-                    </a:p>
-                  </a:txBody>
-                  <a:tcPr/>
-                </a:tc>
-                <a:tc>
-                  <a:txBody>
-                    <a:bodyPr/>
-                    <a:lstStyle/>
-                    <a:p>
-                      <a:r>
-                        <a:rPr lang="de-DE" sz="1400" dirty="0" smtClean="0">
-                          <a:hlinkClick r:id="rId2"/>
-                        </a:rPr>
-                        <a:t>http://onlinestreet.de/strassen/ortsschild/Berlin.Neuk%F6lln.html</a:t>
-                      </a:r>
-                      <a:r>
-                        <a:rPr lang="de-DE" sz="1400" dirty="0" smtClean="0"/>
-                        <a:t> </a:t>
-                      </a:r>
-                      <a:endParaRPr lang="de-DE" sz="1400" b="0" dirty="0"/>
-                    </a:p>
-                  </a:txBody>
-                  <a:tcPr/>
-                </a:tc>
-              </a:tr>
-              <a:tr h="370840">
-                <a:tc>
-                  <a:txBody>
-                    <a:bodyPr/>
-                    <a:lstStyle/>
-                    <a:p>
-                      <a:r>
-                        <a:rPr lang="de-DE" sz="1400" dirty="0" smtClean="0">
-                          <a:solidFill>
-                            <a:schemeClr val="bg1"/>
-                          </a:solidFill>
-                        </a:rPr>
-                        <a:t>[14]</a:t>
-                      </a:r>
-                      <a:endParaRPr lang="de-DE" sz="1400" dirty="0">
-                        <a:solidFill>
-                          <a:schemeClr val="bg1"/>
-                        </a:solidFill>
-                      </a:endParaRPr>
-                    </a:p>
-                  </a:txBody>
-                  <a:tcPr/>
-                </a:tc>
-                <a:tc>
-                  <a:txBody>
-                    <a:bodyPr/>
-                    <a:lstStyle/>
-                    <a:p>
-                      <a:r>
-                        <a:rPr lang="de-DE" sz="1400" dirty="0" smtClean="0">
-                          <a:solidFill>
-                            <a:schemeClr val="bg1"/>
-                          </a:solidFill>
-                        </a:rPr>
-                        <a:t>Auto</a:t>
-                      </a:r>
-                      <a:endParaRPr lang="de-DE" sz="1400" dirty="0">
-                        <a:solidFill>
-                          <a:schemeClr val="bg1"/>
-                        </a:solidFill>
-                      </a:endParaRPr>
-                    </a:p>
-                  </a:txBody>
-                  <a:tcPr/>
-                </a:tc>
-                <a:tc>
-                  <a:txBody>
-                    <a:bodyPr/>
-                    <a:lstStyle/>
-                    <a:p>
-                      <a:r>
-                        <a:rPr lang="de-DE" sz="1400" dirty="0" smtClean="0">
-                          <a:hlinkClick r:id="rId3"/>
-                        </a:rPr>
-                        <a:t>http://www.iconarchive.com/show/transport-icons-by-icons-land/Car-icon.html</a:t>
-                      </a:r>
-                      <a:r>
-                        <a:rPr lang="de-DE" sz="1400" dirty="0" smtClean="0"/>
-                        <a:t> </a:t>
-                      </a:r>
-                      <a:endParaRPr lang="de-DE" sz="1400" dirty="0"/>
-                    </a:p>
-                  </a:txBody>
-                  <a:tcPr/>
-                </a:tc>
-              </a:tr>
-              <a:tr h="370840">
-                <a:tc>
-                  <a:txBody>
-                    <a:bodyPr/>
-                    <a:lstStyle/>
-                    <a:p>
-                      <a:r>
-                        <a:rPr lang="de-DE" sz="1400" dirty="0" smtClean="0">
-                          <a:solidFill>
-                            <a:schemeClr val="bg1"/>
-                          </a:solidFill>
-                        </a:rPr>
-                        <a:t>[15]</a:t>
-                      </a:r>
-                      <a:endParaRPr lang="de-DE" sz="1400" dirty="0">
-                        <a:solidFill>
-                          <a:schemeClr val="bg1"/>
-                        </a:solidFill>
-                      </a:endParaRPr>
-                    </a:p>
-                  </a:txBody>
-                  <a:tcPr/>
-                </a:tc>
-                <a:tc>
-                  <a:txBody>
-                    <a:bodyPr/>
-                    <a:lstStyle/>
-                    <a:p>
-                      <a:r>
-                        <a:rPr lang="de-DE" sz="1400" dirty="0" smtClean="0">
-                          <a:solidFill>
-                            <a:schemeClr val="bg1"/>
-                          </a:solidFill>
-                        </a:rPr>
-                        <a:t>Bahn Logo</a:t>
-                      </a:r>
-                      <a:endParaRPr lang="de-DE" sz="1400" dirty="0">
-                        <a:solidFill>
-                          <a:schemeClr val="bg1"/>
-                        </a:solidFill>
-                      </a:endParaRPr>
-                    </a:p>
-                  </a:txBody>
-                  <a:tcPr/>
-                </a:tc>
-                <a:tc>
-                  <a:txBody>
-                    <a:bodyPr/>
-                    <a:lstStyle/>
-                    <a:p>
-                      <a:r>
-                        <a:rPr lang="de-DE" sz="1400" dirty="0" smtClean="0">
-                          <a:hlinkClick r:id="rId4"/>
-                        </a:rPr>
-                        <a:t>http://smartphonearea.de/2009/12/appstore-db-navigator-offizielle-bahn-applikation/</a:t>
-                      </a:r>
-                      <a:r>
-                        <a:rPr lang="de-DE" sz="1400" dirty="0" smtClean="0"/>
-                        <a:t> </a:t>
-                      </a:r>
-                      <a:endParaRPr lang="de-DE" sz="1400" dirty="0"/>
-                    </a:p>
-                  </a:txBody>
-                  <a:tcPr/>
-                </a:tc>
-              </a:tr>
-              <a:tr h="370840">
-                <a:tc>
-                  <a:txBody>
-                    <a:bodyPr/>
-                    <a:lstStyle/>
-                    <a:p>
-                      <a:r>
-                        <a:rPr lang="de-DE" sz="1400" dirty="0" smtClean="0">
-                          <a:solidFill>
-                            <a:schemeClr val="bg1"/>
-                          </a:solidFill>
-                        </a:rPr>
-                        <a:t>[16]</a:t>
-                      </a:r>
-                      <a:endParaRPr lang="de-DE" sz="1400" dirty="0">
-                        <a:solidFill>
-                          <a:schemeClr val="bg1"/>
-                        </a:solidFill>
-                      </a:endParaRPr>
-                    </a:p>
-                  </a:txBody>
-                  <a:tcPr/>
-                </a:tc>
-                <a:tc>
-                  <a:txBody>
-                    <a:bodyPr/>
-                    <a:lstStyle/>
-                    <a:p>
-                      <a:r>
-                        <a:rPr lang="de-DE" sz="1400" dirty="0" smtClean="0">
-                          <a:solidFill>
-                            <a:schemeClr val="bg1"/>
-                          </a:solidFill>
-                        </a:rPr>
-                        <a:t>Zug</a:t>
-                      </a:r>
-                      <a:endParaRPr lang="de-DE" sz="1400" dirty="0">
-                        <a:solidFill>
-                          <a:schemeClr val="bg1"/>
-                        </a:solidFill>
-                      </a:endParaRPr>
-                    </a:p>
-                  </a:txBody>
-                  <a:tcPr/>
-                </a:tc>
-                <a:tc>
-                  <a:txBody>
-                    <a:bodyPr/>
-                    <a:lstStyle/>
-                    <a:p>
-                      <a:r>
-                        <a:rPr lang="de-DE" sz="1400" dirty="0" smtClean="0">
-                          <a:hlinkClick r:id="rId5"/>
-                        </a:rPr>
-                        <a:t>http://www.iconarchive.com/show/vista-artistic-icons-by-awicons/2-Hot-Train-icon.html</a:t>
-                      </a:r>
-                      <a:r>
-                        <a:rPr lang="de-DE" sz="1400" dirty="0" smtClean="0"/>
-                        <a:t> </a:t>
-                      </a:r>
-                      <a:endParaRPr lang="de-DE" sz="1400" dirty="0"/>
-                    </a:p>
-                  </a:txBody>
-                  <a:tcPr/>
-                </a:tc>
-              </a:tr>
-              <a:tr h="370840">
-                <a:tc>
-                  <a:txBody>
-                    <a:bodyPr/>
-                    <a:lstStyle/>
-                    <a:p>
-                      <a:r>
-                        <a:rPr lang="de-DE" sz="1400" dirty="0" smtClean="0">
-                          <a:solidFill>
-                            <a:schemeClr val="bg1"/>
-                          </a:solidFill>
-                        </a:rPr>
-                        <a:t>[17]</a:t>
-                      </a:r>
-                      <a:endParaRPr lang="de-DE" sz="1400" dirty="0">
-                        <a:solidFill>
-                          <a:schemeClr val="bg1"/>
-                        </a:solidFill>
-                      </a:endParaRPr>
-                    </a:p>
-                  </a:txBody>
-                  <a:tcPr/>
-                </a:tc>
-                <a:tc>
-                  <a:txBody>
-                    <a:bodyPr/>
-                    <a:lstStyle/>
-                    <a:p>
-                      <a:r>
-                        <a:rPr lang="de-DE" sz="1400" dirty="0" smtClean="0">
-                          <a:solidFill>
-                            <a:schemeClr val="bg1"/>
-                          </a:solidFill>
-                        </a:rPr>
-                        <a:t>Bahncard</a:t>
-                      </a:r>
-                      <a:endParaRPr lang="de-DE" sz="1400" dirty="0">
-                        <a:solidFill>
-                          <a:schemeClr val="bg1"/>
-                        </a:solidFill>
-                      </a:endParaRPr>
-                    </a:p>
-                  </a:txBody>
-                  <a:tcPr/>
-                </a:tc>
-                <a:tc>
-                  <a:txBody>
-                    <a:bodyPr/>
-                    <a:lstStyle/>
-                    <a:p>
-                      <a:r>
-                        <a:rPr lang="de-DE" sz="1400" dirty="0" smtClean="0">
-                          <a:hlinkClick r:id="rId6"/>
-                        </a:rPr>
-                        <a:t>http://de.wikipedia.org/w/index.php?title=Datei:Bahncard_100_102009.png&amp;filetimestamp=20101123214027</a:t>
-                      </a:r>
-                      <a:r>
-                        <a:rPr lang="de-DE" sz="1400" dirty="0" smtClean="0"/>
-                        <a:t> </a:t>
-                      </a:r>
-                      <a:endParaRPr lang="de-DE" sz="1400" dirty="0"/>
-                    </a:p>
-                  </a:txBody>
-                  <a:tcPr/>
-                </a:tc>
-              </a:tr>
-              <a:tr h="370840">
-                <a:tc>
-                  <a:txBody>
-                    <a:bodyPr/>
-                    <a:lstStyle/>
-                    <a:p>
-                      <a:r>
-                        <a:rPr lang="de-DE" sz="1400" dirty="0" smtClean="0">
-                          <a:solidFill>
-                            <a:schemeClr val="bg1"/>
-                          </a:solidFill>
-                        </a:rPr>
-                        <a:t>[18]</a:t>
-                      </a:r>
-                      <a:endParaRPr lang="de-DE" sz="1400" dirty="0">
-                        <a:solidFill>
-                          <a:schemeClr val="bg1"/>
-                        </a:solidFill>
-                      </a:endParaRPr>
-                    </a:p>
-                  </a:txBody>
-                  <a:tcPr/>
-                </a:tc>
-                <a:tc>
-                  <a:txBody>
-                    <a:bodyPr/>
-                    <a:lstStyle/>
-                    <a:p>
-                      <a:r>
-                        <a:rPr lang="de-DE" sz="1400" dirty="0" smtClean="0">
-                          <a:solidFill>
-                            <a:schemeClr val="bg1"/>
-                          </a:solidFill>
-                        </a:rPr>
-                        <a:t>Ticket X</a:t>
-                      </a:r>
-                      <a:endParaRPr lang="de-DE" sz="1400" dirty="0">
-                        <a:solidFill>
-                          <a:schemeClr val="bg1"/>
-                        </a:solidFill>
-                      </a:endParaRPr>
-                    </a:p>
-                  </a:txBody>
-                  <a:tcPr/>
-                </a:tc>
-                <a:tc>
-                  <a:txBody>
-                    <a:bodyPr/>
-                    <a:lstStyle/>
-                    <a:p>
-                      <a:r>
-                        <a:rPr lang="de-DE" sz="1400" dirty="0" smtClean="0">
-                          <a:hlinkClick r:id="rId7"/>
-                        </a:rPr>
-                        <a:t>http://www.iconarchive.com/show/pretty-office-3-icons-by-custom-icon-design/remove-ticket-icon.html</a:t>
-                      </a:r>
-                      <a:r>
-                        <a:rPr lang="de-DE" sz="1400" dirty="0" smtClean="0"/>
-                        <a:t> </a:t>
-                      </a:r>
-                      <a:endParaRPr lang="de-DE" sz="1400" dirty="0"/>
-                    </a:p>
-                  </a:txBody>
-                  <a:tcPr/>
-                </a:tc>
-              </a:tr>
-              <a:tr h="370840">
-                <a:tc>
-                  <a:txBody>
-                    <a:bodyPr/>
-                    <a:lstStyle/>
-                    <a:p>
-                      <a:r>
-                        <a:rPr lang="de-DE" sz="1400" dirty="0" smtClean="0">
-                          <a:solidFill>
-                            <a:schemeClr val="bg1"/>
-                          </a:solidFill>
-                        </a:rPr>
-                        <a:t>[19]</a:t>
-                      </a:r>
-                      <a:endParaRPr lang="de-DE" sz="1400" dirty="0">
-                        <a:solidFill>
-                          <a:schemeClr val="bg1"/>
-                        </a:solidFill>
-                      </a:endParaRPr>
-                    </a:p>
-                  </a:txBody>
-                  <a:tcPr/>
-                </a:tc>
-                <a:tc>
-                  <a:txBody>
-                    <a:bodyPr/>
-                    <a:lstStyle/>
-                    <a:p>
-                      <a:r>
-                        <a:rPr lang="de-DE" sz="1400" dirty="0" err="1" smtClean="0">
-                          <a:solidFill>
-                            <a:schemeClr val="bg1"/>
-                          </a:solidFill>
-                        </a:rPr>
-                        <a:t>Fragezeich</a:t>
-                      </a:r>
-                      <a:r>
-                        <a:rPr lang="de-DE" sz="1400" dirty="0" smtClean="0">
-                          <a:solidFill>
-                            <a:schemeClr val="bg1"/>
-                          </a:solidFill>
-                        </a:rPr>
-                        <a:t>.</a:t>
-                      </a:r>
-                      <a:endParaRPr lang="de-DE" sz="1400" dirty="0">
-                        <a:solidFill>
-                          <a:schemeClr val="bg1"/>
-                        </a:solidFill>
-                      </a:endParaRPr>
-                    </a:p>
-                  </a:txBody>
-                  <a:tcPr/>
-                </a:tc>
-                <a:tc>
-                  <a:txBody>
-                    <a:bodyPr/>
-                    <a:lstStyle/>
-                    <a:p>
-                      <a:r>
-                        <a:rPr lang="de-DE" sz="1400" dirty="0" smtClean="0">
-                          <a:hlinkClick r:id="rId8"/>
-                        </a:rPr>
-                        <a:t>http://www.iconarchive.com/show/3d-cartoon-vol2-icons-by-deleket/Help-And-Support-icon.html</a:t>
-                      </a:r>
-                      <a:r>
-                        <a:rPr lang="de-DE" sz="1400" dirty="0" smtClean="0"/>
-                        <a:t> </a:t>
-                      </a:r>
-                      <a:endParaRPr lang="de-DE" sz="1400" dirty="0"/>
-                    </a:p>
-                  </a:txBody>
-                  <a:tcPr/>
-                </a:tc>
-              </a:tr>
-              <a:tr h="370840">
-                <a:tc>
-                  <a:txBody>
-                    <a:bodyPr/>
-                    <a:lstStyle/>
-                    <a:p>
-                      <a:r>
-                        <a:rPr lang="de-DE" sz="1400" dirty="0" smtClean="0">
-                          <a:solidFill>
-                            <a:schemeClr val="bg1"/>
-                          </a:solidFill>
-                        </a:rPr>
-                        <a:t>[20]</a:t>
-                      </a:r>
-                      <a:endParaRPr lang="de-DE" sz="1400" dirty="0">
-                        <a:solidFill>
-                          <a:schemeClr val="bg1"/>
-                        </a:solidFill>
-                      </a:endParaRPr>
-                    </a:p>
-                  </a:txBody>
-                  <a:tcPr/>
-                </a:tc>
-                <a:tc>
-                  <a:txBody>
-                    <a:bodyPr/>
-                    <a:lstStyle/>
-                    <a:p>
-                      <a:r>
-                        <a:rPr lang="de-DE" sz="1400" dirty="0" err="1" smtClean="0">
-                          <a:solidFill>
-                            <a:schemeClr val="bg1"/>
-                          </a:solidFill>
-                        </a:rPr>
-                        <a:t>Frownie</a:t>
-                      </a:r>
-                      <a:endParaRPr lang="de-DE" sz="1400" dirty="0">
-                        <a:solidFill>
-                          <a:schemeClr val="bg1"/>
-                        </a:solidFill>
-                      </a:endParaRPr>
-                    </a:p>
-                  </a:txBody>
-                  <a:tcPr/>
-                </a:tc>
-                <a:tc>
-                  <a:txBody>
-                    <a:bodyPr/>
-                    <a:lstStyle/>
-                    <a:p>
-                      <a:r>
-                        <a:rPr lang="de-DE" sz="1400" dirty="0" smtClean="0">
-                          <a:hlinkClick r:id="rId9"/>
-                        </a:rPr>
-                        <a:t>http://www.iconarchive.com/show/keriyo-emoticons-icons-by-deleket/Smiley-upset-3-icon.html</a:t>
-                      </a:r>
-                      <a:r>
-                        <a:rPr lang="de-DE" sz="1400" dirty="0" smtClean="0"/>
-                        <a:t> </a:t>
-                      </a:r>
-                      <a:endParaRPr lang="de-DE" sz="1400" dirty="0"/>
-                    </a:p>
-                  </a:txBody>
-                  <a:tcPr/>
-                </a:tc>
-              </a:tr>
-              <a:tr h="370840">
-                <a:tc>
-                  <a:txBody>
-                    <a:bodyPr/>
-                    <a:lstStyle/>
-                    <a:p>
-                      <a:r>
-                        <a:rPr lang="de-DE" sz="1400" dirty="0" smtClean="0">
-                          <a:solidFill>
-                            <a:schemeClr val="bg1"/>
-                          </a:solidFill>
-                        </a:rPr>
-                        <a:t>[21]</a:t>
-                      </a:r>
-                      <a:endParaRPr lang="de-DE" sz="1400" dirty="0">
-                        <a:solidFill>
-                          <a:schemeClr val="bg1"/>
-                        </a:solidFill>
-                      </a:endParaRPr>
-                    </a:p>
-                  </a:txBody>
-                  <a:tcPr/>
-                </a:tc>
-                <a:tc>
-                  <a:txBody>
-                    <a:bodyPr/>
-                    <a:lstStyle/>
-                    <a:p>
-                      <a:r>
-                        <a:rPr lang="de-DE" sz="1400" dirty="0" smtClean="0">
-                          <a:solidFill>
-                            <a:schemeClr val="bg1"/>
-                          </a:solidFill>
-                        </a:rPr>
-                        <a:t>Laptop</a:t>
-                      </a:r>
-                      <a:endParaRPr lang="de-DE" sz="1400" b="0" dirty="0">
-                        <a:solidFill>
-                          <a:schemeClr val="bg1"/>
-                        </a:solidFill>
-                      </a:endParaRPr>
-                    </a:p>
-                  </a:txBody>
-                  <a:tcPr/>
-                </a:tc>
-                <a:tc>
-                  <a:txBody>
-                    <a:bodyPr/>
-                    <a:lstStyle/>
-                    <a:p>
-                      <a:r>
-                        <a:rPr lang="de-DE" sz="1400" dirty="0" smtClean="0">
-                          <a:hlinkClick r:id="rId10"/>
-                        </a:rPr>
-                        <a:t>http://www.iconarchive.com/show/refresh-cl-icons-by-tpdkdesign.net/Hardware-Laptop-2-icon.html</a:t>
-                      </a:r>
-                      <a:r>
-                        <a:rPr lang="de-DE" sz="1400" dirty="0" smtClean="0"/>
-                        <a:t> </a:t>
-                      </a:r>
-                      <a:endParaRPr lang="de-DE" sz="1400" b="0" dirty="0"/>
-                    </a:p>
-                  </a:txBody>
-                  <a:tcPr/>
-                </a:tc>
-              </a:tr>
-              <a:tr h="370840">
-                <a:tc>
-                  <a:txBody>
-                    <a:bodyPr/>
-                    <a:lstStyle/>
-                    <a:p>
-                      <a:r>
-                        <a:rPr lang="de-DE" sz="1400" dirty="0" smtClean="0">
-                          <a:solidFill>
-                            <a:schemeClr val="bg1"/>
-                          </a:solidFill>
-                        </a:rPr>
-                        <a:t>[22]</a:t>
-                      </a:r>
-                      <a:endParaRPr lang="de-DE" sz="1400" dirty="0">
-                        <a:solidFill>
-                          <a:schemeClr val="bg1"/>
-                        </a:solidFill>
-                      </a:endParaRPr>
-                    </a:p>
-                  </a:txBody>
-                  <a:tcPr/>
-                </a:tc>
-                <a:tc>
-                  <a:txBody>
-                    <a:bodyPr/>
-                    <a:lstStyle/>
-                    <a:p>
-                      <a:r>
-                        <a:rPr lang="de-DE" sz="1400" dirty="0" smtClean="0">
-                          <a:solidFill>
-                            <a:schemeClr val="bg1"/>
-                          </a:solidFill>
-                        </a:rPr>
-                        <a:t>Ortsschild </a:t>
-                      </a:r>
-                      <a:r>
-                        <a:rPr lang="de-DE" sz="1400" dirty="0" smtClean="0">
-                          <a:solidFill>
-                            <a:schemeClr val="bg1"/>
-                          </a:solidFill>
-                        </a:rPr>
-                        <a:t>W</a:t>
-                      </a:r>
-                      <a:endParaRPr lang="de-DE" sz="1400" dirty="0">
-                        <a:solidFill>
-                          <a:schemeClr val="bg1"/>
-                        </a:solidFill>
-                      </a:endParaRPr>
-                    </a:p>
-                  </a:txBody>
-                  <a:tcPr/>
-                </a:tc>
-                <a:tc>
-                  <a:txBody>
-                    <a:bodyPr/>
-                    <a:lstStyle/>
-                    <a:p>
-                      <a:r>
-                        <a:rPr lang="de-DE" sz="1400" dirty="0" smtClean="0">
-                          <a:hlinkClick r:id="rId2"/>
-                        </a:rPr>
-                        <a:t>http://onlinestreet.de/strassen/ortsschild/Wolfsburg.html</a:t>
-                      </a:r>
-                      <a:r>
-                        <a:rPr lang="de-DE" sz="1400" dirty="0" smtClean="0"/>
-                        <a:t> </a:t>
-                      </a:r>
-                      <a:endParaRPr lang="de-DE" sz="1400" dirty="0"/>
-                    </a:p>
-                  </a:txBody>
-                  <a:tcPr/>
-                </a:tc>
-              </a:tr>
-              <a:tr h="370840">
-                <a:tc>
-                  <a:txBody>
-                    <a:bodyPr/>
-                    <a:lstStyle/>
-                    <a:p>
-                      <a:r>
-                        <a:rPr lang="de-DE" sz="1400" dirty="0" smtClean="0">
-                          <a:solidFill>
-                            <a:schemeClr val="bg1"/>
-                          </a:solidFill>
-                        </a:rPr>
-                        <a:t>[23]</a:t>
-                      </a:r>
-                      <a:endParaRPr lang="de-DE" sz="1400" dirty="0">
-                        <a:solidFill>
-                          <a:schemeClr val="bg1"/>
-                        </a:solidFill>
-                      </a:endParaRPr>
-                    </a:p>
-                  </a:txBody>
-                  <a:tcPr/>
-                </a:tc>
-                <a:tc>
-                  <a:txBody>
-                    <a:bodyPr/>
-                    <a:lstStyle/>
-                    <a:p>
-                      <a:r>
-                        <a:rPr lang="de-DE" sz="1400" dirty="0" smtClean="0">
-                          <a:solidFill>
-                            <a:schemeClr val="bg1"/>
-                          </a:solidFill>
-                        </a:rPr>
-                        <a:t>Gruppe</a:t>
-                      </a:r>
-                      <a:endParaRPr lang="de-DE" sz="1400" dirty="0">
-                        <a:solidFill>
-                          <a:schemeClr val="bg1"/>
-                        </a:solidFill>
-                      </a:endParaRPr>
-                    </a:p>
-                  </a:txBody>
-                  <a:tcPr/>
-                </a:tc>
-                <a:tc>
-                  <a:txBody>
-                    <a:bodyPr/>
-                    <a:lstStyle/>
-                    <a:p>
-                      <a:r>
-                        <a:rPr lang="de-DE" sz="1400" dirty="0" smtClean="0">
-                          <a:hlinkClick r:id="rId11"/>
-                        </a:rPr>
-                        <a:t>http://www.iconarchive.com/show/soft-scraps-icons-by-deleket/User-Group-icon.html</a:t>
                       </a:r>
                       <a:r>
                         <a:rPr lang="de-DE" sz="1400" dirty="0" smtClean="0"/>
@@ -7238,7 +6651,7 @@
         </p:nvGraphicFramePr>
         <p:xfrm>
           <a:off x="323528" y="1125538"/>
-          <a:ext cx="8568952" cy="4815840"/>
+          <a:ext cx="8568952" cy="4749800"/>
         </p:xfrm>
         <a:graphic>
           <a:graphicData uri="http://schemas.openxmlformats.org/drawingml/2006/table">
@@ -7263,7 +6676,7 @@
                             <a:schemeClr val="bg1"/>
                           </a:solidFill>
                         </a:rPr>
-                        <a:t>[24]</a:t>
+                        <a:t>[13]</a:t>
                       </a:r>
                       <a:endParaRPr lang="de-DE" sz="1400" b="0" dirty="0">
                         <a:solidFill>
@@ -7285,7 +6698,7 @@
                             <a:schemeClr val="bg1"/>
                           </a:solidFill>
                         </a:rPr>
-                        <a:t>Taxi</a:t>
+                        <a:t>Ortsschild B</a:t>
                       </a:r>
                       <a:endParaRPr lang="de-DE" sz="1400" b="0" dirty="0">
                         <a:solidFill>
@@ -7305,7 +6718,7 @@
                         <a:rPr lang="de-DE" sz="1400" dirty="0" smtClean="0">
                           <a:hlinkClick r:id="rId2"/>
                         </a:rPr>
-                        <a:t>http://www.iconarchive.com/show/travel-icons-by-aha-soft/taxi-icon.html</a:t>
+                        <a:t>http://onlinestreet.de/strassen/ortsschild/Berlin.Neuk%F6lln.html</a:t>
                       </a:r>
                       <a:r>
                         <a:rPr lang="de-DE" sz="1400" dirty="0" smtClean="0"/>
@@ -7329,15 +6742,7 @@
                             <a:schemeClr val="bg1"/>
                           </a:solidFill>
                         </a:rPr>
-                        <a:t>[</a:t>
-                      </a:r>
-                      <a:r>
-                        <a:rPr lang="de-DE" sz="1400" dirty="0" smtClean="0">
-                          <a:solidFill>
-                            <a:schemeClr val="bg1"/>
-                          </a:solidFill>
-                        </a:rPr>
-                        <a:t>25]</a:t>
+                        <a:t>[14]</a:t>
                       </a:r>
                       <a:endParaRPr lang="de-DE" sz="1400" dirty="0">
                         <a:solidFill>
@@ -7359,7 +6764,7 @@
                             <a:schemeClr val="bg1"/>
                           </a:solidFill>
                         </a:rPr>
-                        <a:t>VW Logo</a:t>
+                        <a:t>Auto</a:t>
                       </a:r>
                       <a:endParaRPr lang="de-DE" sz="1400" dirty="0">
                         <a:solidFill>
@@ -7379,7 +6784,7 @@
                         <a:rPr lang="de-DE" sz="1400" dirty="0" smtClean="0">
                           <a:hlinkClick r:id="rId3"/>
                         </a:rPr>
-                        <a:t>http://media.photobucket.com/image/vw%20button%20icon/caddy-shack/VW%20Emblems%20%20Logos/VW%20Applied%20Emblems/vw-button_icon-3.jpg?o=3</a:t>
+                        <a:t>http://www.iconarchive.com/show/transport-icons-by-icons-land/Car-icon.html</a:t>
                       </a:r>
                       <a:r>
                         <a:rPr lang="de-DE" sz="1400" dirty="0" smtClean="0"/>
@@ -7403,7 +6808,7 @@
                             <a:schemeClr val="bg1"/>
                           </a:solidFill>
                         </a:rPr>
-                        <a:t>[26]</a:t>
+                        <a:t>[15]</a:t>
                       </a:r>
                       <a:endParaRPr lang="de-DE" sz="1400" dirty="0">
                         <a:solidFill>
@@ -7425,7 +6830,411 @@
                             <a:schemeClr val="bg1"/>
                           </a:solidFill>
                         </a:rPr>
-                        <a:t>Stapel</a:t>
+                        <a:t>Bahn Logo</a:t>
+                      </a:r>
+                      <a:endParaRPr lang="de-DE" sz="1400" dirty="0">
+                        <a:solidFill>
+                          <a:schemeClr val="bg1"/>
+                        </a:solidFill>
+                      </a:endParaRPr>
+                    </a:p>
+                  </a:txBody>
+                  <a:tcPr/>
+                </a:tc>
+                <a:tc>
+                  <a:txBody>
+                    <a:bodyPr/>
+                    <a:lstStyle/>
+                    <a:p>
+                      <a:r>
+                        <a:rPr lang="de-DE" sz="1400" dirty="0" smtClean="0">
+                          <a:hlinkClick r:id="rId4"/>
+                        </a:rPr>
+                        <a:t>http://smartphonearea.de/2009/12/appstore-db-navigator-offizielle-bahn-applikation/</a:t>
+                      </a:r>
+                      <a:r>
+                        <a:rPr lang="de-DE" sz="1400" dirty="0" smtClean="0"/>
+                        <a:t> </a:t>
+                      </a:r>
+                      <a:endParaRPr lang="de-DE" sz="1400" dirty="0"/>
+                    </a:p>
+                  </a:txBody>
+                  <a:tcPr/>
+                </a:tc>
+              </a:tr>
+              <a:tr h="370840">
+                <a:tc>
+                  <a:txBody>
+                    <a:bodyPr/>
+                    <a:lstStyle/>
+                    <a:p>
+                      <a:r>
+                        <a:rPr lang="de-DE" sz="1400" dirty="0" smtClean="0">
+                          <a:solidFill>
+                            <a:schemeClr val="bg1"/>
+                          </a:solidFill>
+                        </a:rPr>
+                        <a:t>[16]</a:t>
+                      </a:r>
+                      <a:endParaRPr lang="de-DE" sz="1400" dirty="0">
+                        <a:solidFill>
+                          <a:schemeClr val="bg1"/>
+                        </a:solidFill>
+                      </a:endParaRPr>
+                    </a:p>
+                  </a:txBody>
+                  <a:tcPr/>
+                </a:tc>
+                <a:tc>
+                  <a:txBody>
+                    <a:bodyPr/>
+                    <a:lstStyle/>
+                    <a:p>
+                      <a:r>
+                        <a:rPr lang="de-DE" sz="1400" dirty="0" smtClean="0">
+                          <a:solidFill>
+                            <a:schemeClr val="bg1"/>
+                          </a:solidFill>
+                        </a:rPr>
+                        <a:t>Zug</a:t>
+                      </a:r>
+                      <a:endParaRPr lang="de-DE" sz="1400" dirty="0">
+                        <a:solidFill>
+                          <a:schemeClr val="bg1"/>
+                        </a:solidFill>
+                      </a:endParaRPr>
+                    </a:p>
+                  </a:txBody>
+                  <a:tcPr/>
+                </a:tc>
+                <a:tc>
+                  <a:txBody>
+                    <a:bodyPr/>
+                    <a:lstStyle/>
+                    <a:p>
+                      <a:r>
+                        <a:rPr lang="de-DE" sz="1400" dirty="0" smtClean="0">
+                          <a:hlinkClick r:id="rId5"/>
+                        </a:rPr>
+                        <a:t>http://www.iconarchive.com/show/vista-artistic-icons-by-awicons/2-Hot-Train-icon.html</a:t>
+                      </a:r>
+                      <a:r>
+                        <a:rPr lang="de-DE" sz="1400" dirty="0" smtClean="0"/>
+                        <a:t> </a:t>
+                      </a:r>
+                      <a:endParaRPr lang="de-DE" sz="1400" dirty="0"/>
+                    </a:p>
+                  </a:txBody>
+                  <a:tcPr/>
+                </a:tc>
+              </a:tr>
+              <a:tr h="370840">
+                <a:tc>
+                  <a:txBody>
+                    <a:bodyPr/>
+                    <a:lstStyle/>
+                    <a:p>
+                      <a:r>
+                        <a:rPr lang="de-DE" sz="1400" dirty="0" smtClean="0">
+                          <a:solidFill>
+                            <a:schemeClr val="bg1"/>
+                          </a:solidFill>
+                        </a:rPr>
+                        <a:t>[17]</a:t>
+                      </a:r>
+                      <a:endParaRPr lang="de-DE" sz="1400" dirty="0">
+                        <a:solidFill>
+                          <a:schemeClr val="bg1"/>
+                        </a:solidFill>
+                      </a:endParaRPr>
+                    </a:p>
+                  </a:txBody>
+                  <a:tcPr/>
+                </a:tc>
+                <a:tc>
+                  <a:txBody>
+                    <a:bodyPr/>
+                    <a:lstStyle/>
+                    <a:p>
+                      <a:r>
+                        <a:rPr lang="de-DE" sz="1400" dirty="0" smtClean="0">
+                          <a:solidFill>
+                            <a:schemeClr val="bg1"/>
+                          </a:solidFill>
+                        </a:rPr>
+                        <a:t>Bahncard</a:t>
+                      </a:r>
+                      <a:endParaRPr lang="de-DE" sz="1400" dirty="0">
+                        <a:solidFill>
+                          <a:schemeClr val="bg1"/>
+                        </a:solidFill>
+                      </a:endParaRPr>
+                    </a:p>
+                  </a:txBody>
+                  <a:tcPr/>
+                </a:tc>
+                <a:tc>
+                  <a:txBody>
+                    <a:bodyPr/>
+                    <a:lstStyle/>
+                    <a:p>
+                      <a:r>
+                        <a:rPr lang="de-DE" sz="1400" dirty="0" smtClean="0">
+                          <a:hlinkClick r:id="rId6"/>
+                        </a:rPr>
+                        <a:t>http://de.wikipedia.org/w/index.php?title=Datei:Bahncard_100_102009.png&amp;filetimestamp=20101123214027</a:t>
+                      </a:r>
+                      <a:r>
+                        <a:rPr lang="de-DE" sz="1400" dirty="0" smtClean="0"/>
+                        <a:t> </a:t>
+                      </a:r>
+                      <a:endParaRPr lang="de-DE" sz="1400" dirty="0"/>
+                    </a:p>
+                  </a:txBody>
+                  <a:tcPr/>
+                </a:tc>
+              </a:tr>
+              <a:tr h="370840">
+                <a:tc>
+                  <a:txBody>
+                    <a:bodyPr/>
+                    <a:lstStyle/>
+                    <a:p>
+                      <a:r>
+                        <a:rPr lang="de-DE" sz="1400" dirty="0" smtClean="0">
+                          <a:solidFill>
+                            <a:schemeClr val="bg1"/>
+                          </a:solidFill>
+                        </a:rPr>
+                        <a:t>[18]</a:t>
+                      </a:r>
+                      <a:endParaRPr lang="de-DE" sz="1400" dirty="0">
+                        <a:solidFill>
+                          <a:schemeClr val="bg1"/>
+                        </a:solidFill>
+                      </a:endParaRPr>
+                    </a:p>
+                  </a:txBody>
+                  <a:tcPr/>
+                </a:tc>
+                <a:tc>
+                  <a:txBody>
+                    <a:bodyPr/>
+                    <a:lstStyle/>
+                    <a:p>
+                      <a:r>
+                        <a:rPr lang="de-DE" sz="1400" dirty="0" smtClean="0">
+                          <a:solidFill>
+                            <a:schemeClr val="bg1"/>
+                          </a:solidFill>
+                        </a:rPr>
+                        <a:t>Ticket X</a:t>
+                      </a:r>
+                      <a:endParaRPr lang="de-DE" sz="1400" dirty="0">
+                        <a:solidFill>
+                          <a:schemeClr val="bg1"/>
+                        </a:solidFill>
+                      </a:endParaRPr>
+                    </a:p>
+                  </a:txBody>
+                  <a:tcPr/>
+                </a:tc>
+                <a:tc>
+                  <a:txBody>
+                    <a:bodyPr/>
+                    <a:lstStyle/>
+                    <a:p>
+                      <a:r>
+                        <a:rPr lang="de-DE" sz="1400" dirty="0" smtClean="0">
+                          <a:hlinkClick r:id="rId7"/>
+                        </a:rPr>
+                        <a:t>http://www.iconarchive.com/show/pretty-office-3-icons-by-custom-icon-design/remove-ticket-icon.html</a:t>
+                      </a:r>
+                      <a:r>
+                        <a:rPr lang="de-DE" sz="1400" dirty="0" smtClean="0"/>
+                        <a:t> </a:t>
+                      </a:r>
+                      <a:endParaRPr lang="de-DE" sz="1400" dirty="0"/>
+                    </a:p>
+                  </a:txBody>
+                  <a:tcPr/>
+                </a:tc>
+              </a:tr>
+              <a:tr h="370840">
+                <a:tc>
+                  <a:txBody>
+                    <a:bodyPr/>
+                    <a:lstStyle/>
+                    <a:p>
+                      <a:r>
+                        <a:rPr lang="de-DE" sz="1400" dirty="0" smtClean="0">
+                          <a:solidFill>
+                            <a:schemeClr val="bg1"/>
+                          </a:solidFill>
+                        </a:rPr>
+                        <a:t>[19]</a:t>
+                      </a:r>
+                      <a:endParaRPr lang="de-DE" sz="1400" dirty="0">
+                        <a:solidFill>
+                          <a:schemeClr val="bg1"/>
+                        </a:solidFill>
+                      </a:endParaRPr>
+                    </a:p>
+                  </a:txBody>
+                  <a:tcPr/>
+                </a:tc>
+                <a:tc>
+                  <a:txBody>
+                    <a:bodyPr/>
+                    <a:lstStyle/>
+                    <a:p>
+                      <a:r>
+                        <a:rPr lang="de-DE" sz="1400" dirty="0" err="1" smtClean="0">
+                          <a:solidFill>
+                            <a:schemeClr val="bg1"/>
+                          </a:solidFill>
+                        </a:rPr>
+                        <a:t>Fragezeich</a:t>
+                      </a:r>
+                      <a:r>
+                        <a:rPr lang="de-DE" sz="1400" dirty="0" smtClean="0">
+                          <a:solidFill>
+                            <a:schemeClr val="bg1"/>
+                          </a:solidFill>
+                        </a:rPr>
+                        <a:t>.</a:t>
+                      </a:r>
+                      <a:endParaRPr lang="de-DE" sz="1400" dirty="0">
+                        <a:solidFill>
+                          <a:schemeClr val="bg1"/>
+                        </a:solidFill>
+                      </a:endParaRPr>
+                    </a:p>
+                  </a:txBody>
+                  <a:tcPr/>
+                </a:tc>
+                <a:tc>
+                  <a:txBody>
+                    <a:bodyPr/>
+                    <a:lstStyle/>
+                    <a:p>
+                      <a:r>
+                        <a:rPr lang="de-DE" sz="1400" dirty="0" smtClean="0">
+                          <a:hlinkClick r:id="rId8"/>
+                        </a:rPr>
+                        <a:t>http://www.iconarchive.com/show/3d-cartoon-vol2-icons-by-deleket/Help-And-Support-icon.html</a:t>
+                      </a:r>
+                      <a:r>
+                        <a:rPr lang="de-DE" sz="1400" dirty="0" smtClean="0"/>
+                        <a:t> </a:t>
+                      </a:r>
+                      <a:endParaRPr lang="de-DE" sz="1400" dirty="0"/>
+                    </a:p>
+                  </a:txBody>
+                  <a:tcPr/>
+                </a:tc>
+              </a:tr>
+              <a:tr h="370840">
+                <a:tc>
+                  <a:txBody>
+                    <a:bodyPr/>
+                    <a:lstStyle/>
+                    <a:p>
+                      <a:r>
+                        <a:rPr lang="de-DE" sz="1400" dirty="0" smtClean="0">
+                          <a:solidFill>
+                            <a:schemeClr val="bg1"/>
+                          </a:solidFill>
+                        </a:rPr>
+                        <a:t>[20]</a:t>
+                      </a:r>
+                      <a:endParaRPr lang="de-DE" sz="1400" dirty="0">
+                        <a:solidFill>
+                          <a:schemeClr val="bg1"/>
+                        </a:solidFill>
+                      </a:endParaRPr>
+                    </a:p>
+                  </a:txBody>
+                  <a:tcPr/>
+                </a:tc>
+                <a:tc>
+                  <a:txBody>
+                    <a:bodyPr/>
+                    <a:lstStyle/>
+                    <a:p>
+                      <a:r>
+                        <a:rPr lang="de-DE" sz="1400" dirty="0" err="1" smtClean="0">
+                          <a:solidFill>
+                            <a:schemeClr val="bg1"/>
+                          </a:solidFill>
+                        </a:rPr>
+                        <a:t>Frownie</a:t>
+                      </a:r>
+                      <a:endParaRPr lang="de-DE" sz="1400" dirty="0">
+                        <a:solidFill>
+                          <a:schemeClr val="bg1"/>
+                        </a:solidFill>
+                      </a:endParaRPr>
+                    </a:p>
+                  </a:txBody>
+                  <a:tcPr/>
+                </a:tc>
+                <a:tc>
+                  <a:txBody>
+                    <a:bodyPr/>
+                    <a:lstStyle/>
+                    <a:p>
+                      <a:r>
+                        <a:rPr lang="de-DE" sz="1400" dirty="0" smtClean="0">
+                          <a:hlinkClick r:id="rId9"/>
+                        </a:rPr>
+                        <a:t>http://www.iconarchive.com/show/keriyo-emoticons-icons-by-deleket/Smiley-upset-3-icon.html</a:t>
+                      </a:r>
+                      <a:r>
+                        <a:rPr lang="de-DE" sz="1400" dirty="0" smtClean="0"/>
+                        <a:t> </a:t>
+                      </a:r>
+                      <a:endParaRPr lang="de-DE" sz="1400" dirty="0"/>
+                    </a:p>
+                  </a:txBody>
+                  <a:tcPr/>
+                </a:tc>
+              </a:tr>
+              <a:tr h="370840">
+                <a:tc>
+                  <a:txBody>
+                    <a:bodyPr/>
+                    <a:lstStyle/>
+                    <a:p>
+                      <a:r>
+                        <a:rPr lang="de-DE" sz="1400" dirty="0" smtClean="0">
+                          <a:solidFill>
+                            <a:schemeClr val="bg1"/>
+                          </a:solidFill>
+                        </a:rPr>
+                        <a:t>[21]</a:t>
+                      </a:r>
+                      <a:endParaRPr lang="de-DE" sz="1400" dirty="0">
+                        <a:solidFill>
+                          <a:schemeClr val="bg1"/>
+                        </a:solidFill>
+                      </a:endParaRPr>
+                    </a:p>
+                  </a:txBody>
+                  <a:tcPr/>
+                </a:tc>
+                <a:tc>
+                  <a:txBody>
+                    <a:bodyPr/>
+                    <a:lstStyle/>
+                    <a:p>
+                      <a:r>
+                        <a:rPr lang="de-DE" sz="1400" dirty="0" smtClean="0">
+                          <a:solidFill>
+                            <a:schemeClr val="bg1"/>
+                          </a:solidFill>
+                        </a:rPr>
+                        <a:t>Laptop</a:t>
                       </a:r>
                       <a:endParaRPr lang="de-DE" sz="1400" b="0" dirty="0">
                         <a:solidFill>
@@ -7443,9 +7252,9 @@
                     <a:p>
                       <a:r>
                         <a:rPr lang="de-DE" sz="1400" dirty="0" smtClean="0">
-                          <a:hlinkClick r:id="rId4"/>
-                        </a:rPr>
-                        <a:t>http://www.iconarchive.com/show/recycling-icons-by-skuzigraphic/paper-icon.html</a:t>
+                          <a:hlinkClick r:id="rId10"/>
+                        </a:rPr>
+                        <a:t>http://www.iconarchive.com/show/refresh-cl-icons-by-tpdkdesign.net/Hardware-Laptop-2-icon.html</a:t>
                       </a:r>
                       <a:r>
                         <a:rPr lang="de-DE" sz="1400" dirty="0" smtClean="0"/>
@@ -7469,7 +7278,7 @@
                             <a:schemeClr val="bg1"/>
                           </a:solidFill>
                         </a:rPr>
-                        <a:t>[27]</a:t>
+                        <a:t>[22]</a:t>
                       </a:r>
                       <a:endParaRPr lang="de-DE" sz="1400" dirty="0">
                         <a:solidFill>
@@ -7491,51 +7300,7 @@
                             <a:schemeClr val="bg1"/>
                           </a:solidFill>
                         </a:rPr>
-                        <a:t>X</a:t>
-                      </a:r>
-                      <a:endParaRPr lang="de-DE" sz="1400" b="0" dirty="0">
-                        <a:solidFill>
-                          <a:schemeClr val="bg1"/>
-                        </a:solidFill>
-                      </a:endParaRPr>
-                    </a:p>
-                  </a:txBody>
-                  <a:tcPr/>
-                </a:tc>
-                <a:tc>
-                  <a:txBody>
-                    <a:bodyPr/>
-                    <a:lstStyle/>
-                    <a:p>
-                      <a:r>
-                        <a:rPr lang="de-DE" sz="1400" dirty="0" smtClean="0">
-                          <a:hlinkClick r:id="rId5"/>
-                        </a:rPr>
-                        <a:t>http://www.iconarchive.com/show/farm-fresh-icons-by-fatcow/cross-icon.html</a:t>
-                      </a:r>
-                      <a:r>
-                        <a:rPr lang="de-DE" sz="1400" dirty="0" smtClean="0"/>
-                        <a:t> </a:t>
-                      </a:r>
-                      <a:endParaRPr lang="de-DE" sz="1400" b="0" dirty="0"/>
-                    </a:p>
-                  </a:txBody>
-                  <a:tcPr/>
-                </a:tc>
-              </a:tr>
-              <a:tr h="370840">
-                <a:tc>
-                  <a:txBody>
-                    <a:bodyPr/>
-                    <a:lstStyle/>
-                    <a:p>
-                      <a:r>
-                        <a:rPr lang="de-DE" sz="1400" dirty="0" smtClean="0">
-                          <a:solidFill>
-                            <a:schemeClr val="bg1"/>
-                          </a:solidFill>
-                        </a:rPr>
-                        <a:t>[28]</a:t>
+                        <a:t>Ortsschild W</a:t>
                       </a:r>
                       <a:endParaRPr lang="de-DE" sz="1400" dirty="0">
                         <a:solidFill>
@@ -7553,37 +7318,15 @@
                     <a:p>
                       <a:r>
                         <a:rPr lang="de-DE" sz="1400" dirty="0" smtClean="0">
-                          <a:solidFill>
-                            <a:schemeClr val="bg1"/>
-                          </a:solidFill>
-                        </a:rPr>
-                        <a:t>Handy</a:t>
-                      </a:r>
-                      <a:endParaRPr lang="de-DE" sz="1400" b="0" dirty="0">
-                        <a:solidFill>
-                          <a:schemeClr val="bg1"/>
-                        </a:solidFill>
-                      </a:endParaRPr>
-                    </a:p>
-                  </a:txBody>
-                  <a:tcPr/>
-                </a:tc>
-                <a:tc>
-                  <a:txBody>
-                    <a:bodyPr/>
-                    <a:lstStyle/>
-                    <a:p>
-                      <a:r>
-                        <a:rPr lang="de-DE" sz="1400" dirty="0" smtClean="0">
-                          <a:hlinkClick r:id="rId6"/>
-                        </a:rPr>
-                        <a:t>http://www.iconarchive.com/show/real-vista-mobile-icons-by-iconshock/blackberry-icon.html</a:t>
+                          <a:hlinkClick r:id="rId2"/>
+                        </a:rPr>
+                        <a:t>http://onlinestreet.de/strassen/ortsschild/Wolfsburg.html</a:t>
                       </a:r>
                       <a:r>
                         <a:rPr lang="de-DE" sz="1400" dirty="0" smtClean="0"/>
                         <a:t> </a:t>
                       </a:r>
-                      <a:endParaRPr lang="de-DE" sz="1400" b="0" dirty="0"/>
+                      <a:endParaRPr lang="de-DE" sz="1400" dirty="0"/>
                     </a:p>
                   </a:txBody>
                   <a:tcPr/>
@@ -7601,7 +7344,7 @@
                             <a:schemeClr val="bg1"/>
                           </a:solidFill>
                         </a:rPr>
-                        <a:t>[29]</a:t>
+                        <a:t>[23]</a:t>
                       </a:r>
                       <a:endParaRPr lang="de-DE" sz="1400" dirty="0">
                         <a:solidFill>
@@ -7623,51 +7366,7 @@
                             <a:schemeClr val="bg1"/>
                           </a:solidFill>
                         </a:rPr>
-                        <a:t>Ticket Grün</a:t>
-                      </a:r>
-                      <a:endParaRPr lang="de-DE" sz="1400" b="0" dirty="0">
-                        <a:solidFill>
-                          <a:schemeClr val="bg1"/>
-                        </a:solidFill>
-                      </a:endParaRPr>
-                    </a:p>
-                  </a:txBody>
-                  <a:tcPr/>
-                </a:tc>
-                <a:tc>
-                  <a:txBody>
-                    <a:bodyPr/>
-                    <a:lstStyle/>
-                    <a:p>
-                      <a:r>
-                        <a:rPr lang="de-DE" sz="1400" dirty="0" smtClean="0">
-                          <a:hlinkClick r:id="rId7"/>
-                        </a:rPr>
-                        <a:t>http://www.iconarchive.com/show/pretty-office-3-icons-by-custom-icon-design/ticket-1-icon.html</a:t>
-                      </a:r>
-                      <a:r>
-                        <a:rPr lang="de-DE" sz="1400" dirty="0" smtClean="0"/>
-                        <a:t> </a:t>
-                      </a:r>
-                      <a:endParaRPr lang="de-DE" sz="1400" b="0" dirty="0"/>
-                    </a:p>
-                  </a:txBody>
-                  <a:tcPr/>
-                </a:tc>
-              </a:tr>
-              <a:tr h="370840">
-                <a:tc>
-                  <a:txBody>
-                    <a:bodyPr/>
-                    <a:lstStyle/>
-                    <a:p>
-                      <a:r>
-                        <a:rPr lang="de-DE" sz="1400" dirty="0" smtClean="0">
-                          <a:solidFill>
-                            <a:schemeClr val="bg1"/>
-                          </a:solidFill>
-                        </a:rPr>
-                        <a:t>[30]</a:t>
+                        <a:t>Gruppe</a:t>
                       </a:r>
                       <a:endParaRPr lang="de-DE" sz="1400" dirty="0">
                         <a:solidFill>
@@ -7685,309 +7384,15 @@
                     <a:p>
                       <a:r>
                         <a:rPr lang="de-DE" sz="1400" dirty="0" smtClean="0">
-                          <a:solidFill>
-                            <a:schemeClr val="bg1"/>
-                          </a:solidFill>
-                        </a:rPr>
-                        <a:t>Blasen</a:t>
-                      </a:r>
-                      <a:endParaRPr lang="de-DE" sz="1400" b="0" dirty="0">
-                        <a:solidFill>
-                          <a:schemeClr val="bg1"/>
-                        </a:solidFill>
-                      </a:endParaRPr>
-                    </a:p>
-                  </a:txBody>
-                  <a:tcPr/>
-                </a:tc>
-                <a:tc>
-                  <a:txBody>
-                    <a:bodyPr/>
-                    <a:lstStyle/>
-                    <a:p>
-                      <a:r>
-                        <a:rPr lang="de-DE" sz="1400" dirty="0" smtClean="0">
-                          <a:hlinkClick r:id="rId8"/>
-                        </a:rPr>
-                        <a:t>http://www.iconarchive.com/show/pretty-office-6-icons-by-custom-icon-design/communication-icon.html</a:t>
+                          <a:hlinkClick r:id="rId11"/>
+                        </a:rPr>
+                        <a:t>http://www.iconarchive.com/show/soft-scraps-icons-by-deleket/User-Group-icon.html</a:t>
                       </a:r>
                       <a:r>
                         <a:rPr lang="de-DE" sz="1400" dirty="0" smtClean="0"/>
                         <a:t> </a:t>
                       </a:r>
-                      <a:endParaRPr lang="de-DE" sz="1400" b="0" dirty="0"/>
-                    </a:p>
-                  </a:txBody>
-                  <a:tcPr/>
-                </a:tc>
-              </a:tr>
-              <a:tr h="370840">
-                <a:tc>
-                  <a:txBody>
-                    <a:bodyPr/>
-                    <a:lstStyle/>
-                    <a:p>
-                      <a:r>
-                        <a:rPr lang="de-DE" sz="1400" dirty="0" smtClean="0">
-                          <a:solidFill>
-                            <a:schemeClr val="bg1"/>
-                          </a:solidFill>
-                        </a:rPr>
-                        <a:t>[31]</a:t>
-                      </a:r>
-                      <a:endParaRPr lang="de-DE" sz="1400" dirty="0">
-                        <a:solidFill>
-                          <a:schemeClr val="bg1"/>
-                        </a:solidFill>
-                      </a:endParaRPr>
-                    </a:p>
-                  </a:txBody>
-                  <a:tcPr/>
-                </a:tc>
-                <a:tc>
-                  <a:txBody>
-                    <a:bodyPr/>
-                    <a:lstStyle/>
-                    <a:p>
-                      <a:r>
-                        <a:rPr lang="de-DE" sz="1400" dirty="0" smtClean="0">
-                          <a:solidFill>
-                            <a:schemeClr val="bg1"/>
-                          </a:solidFill>
-                        </a:rPr>
-                        <a:t>Karte</a:t>
-                      </a:r>
-                      <a:endParaRPr lang="de-DE" sz="1400" dirty="0">
-                        <a:solidFill>
-                          <a:schemeClr val="bg1"/>
-                        </a:solidFill>
-                      </a:endParaRPr>
-                    </a:p>
-                  </a:txBody>
-                  <a:tcPr/>
-                </a:tc>
-                <a:tc>
-                  <a:txBody>
-                    <a:bodyPr/>
-                    <a:lstStyle/>
-                    <a:p>
-                      <a:r>
-                        <a:rPr lang="de-DE" sz="1400" dirty="0" smtClean="0">
-                          <a:hlinkClick r:id="rId9"/>
-                        </a:rPr>
-                        <a:t>http://www.iconarchive.com/show/palm-icons-by-thiago-silva/Google-Maps-icon.html</a:t>
-                      </a:r>
-                      <a:r>
-                        <a:rPr lang="de-DE" sz="1400" dirty="0" smtClean="0"/>
-                        <a:t> </a:t>
-                      </a:r>
                       <a:endParaRPr lang="de-DE" sz="1400" dirty="0"/>
-                    </a:p>
-                  </a:txBody>
-                  <a:tcPr/>
-                </a:tc>
-              </a:tr>
-              <a:tr h="370840">
-                <a:tc>
-                  <a:txBody>
-                    <a:bodyPr/>
-                    <a:lstStyle/>
-                    <a:p>
-                      <a:r>
-                        <a:rPr lang="de-DE" sz="1400" dirty="0" smtClean="0">
-                          <a:solidFill>
-                            <a:schemeClr val="bg1"/>
-                          </a:solidFill>
-                        </a:rPr>
-                        <a:t>[32]</a:t>
-                      </a:r>
-                      <a:endParaRPr lang="de-DE" sz="1400" dirty="0">
-                        <a:solidFill>
-                          <a:schemeClr val="bg1"/>
-                        </a:solidFill>
-                      </a:endParaRPr>
-                    </a:p>
-                  </a:txBody>
-                  <a:tcPr/>
-                </a:tc>
-                <a:tc>
-                  <a:txBody>
-                    <a:bodyPr/>
-                    <a:lstStyle/>
-                    <a:p>
-                      <a:r>
-                        <a:rPr lang="de-DE" sz="1400" dirty="0" smtClean="0">
-                          <a:solidFill>
-                            <a:schemeClr val="bg1"/>
-                          </a:solidFill>
-                        </a:rPr>
-                        <a:t>Sozial 1</a:t>
-                      </a:r>
-                      <a:endParaRPr lang="de-DE" sz="1400" b="0" dirty="0">
-                        <a:solidFill>
-                          <a:schemeClr val="bg1"/>
-                        </a:solidFill>
-                      </a:endParaRPr>
-                    </a:p>
-                  </a:txBody>
-                  <a:tcPr/>
-                </a:tc>
-                <a:tc>
-                  <a:txBody>
-                    <a:bodyPr/>
-                    <a:lstStyle/>
-                    <a:p>
-                      <a:r>
-                        <a:rPr lang="de-DE" sz="1400" dirty="0" smtClean="0">
-                          <a:hlinkClick r:id="rId10"/>
-                        </a:rPr>
-                        <a:t>http://www.iconarchive.com/show/soft-scraps-icons-by-deleket/User-Chat-icon.html</a:t>
-                      </a:r>
-                      <a:r>
-                        <a:rPr lang="de-DE" sz="1400" dirty="0" smtClean="0"/>
-                        <a:t> </a:t>
-                      </a:r>
-                      <a:endParaRPr lang="de-DE" sz="1400" b="0" dirty="0"/>
-                    </a:p>
-                  </a:txBody>
-                  <a:tcPr/>
-                </a:tc>
-              </a:tr>
-              <a:tr h="370840">
-                <a:tc>
-                  <a:txBody>
-                    <a:bodyPr/>
-                    <a:lstStyle/>
-                    <a:p>
-                      <a:r>
-                        <a:rPr lang="de-DE" sz="1400" dirty="0" smtClean="0">
-                          <a:solidFill>
-                            <a:schemeClr val="bg1"/>
-                          </a:solidFill>
-                        </a:rPr>
-                        <a:t>[33]</a:t>
-                      </a:r>
-                      <a:endParaRPr lang="de-DE" sz="1400" dirty="0">
-                        <a:solidFill>
-                          <a:schemeClr val="bg1"/>
-                        </a:solidFill>
-                      </a:endParaRPr>
-                    </a:p>
-                  </a:txBody>
-                  <a:tcPr/>
-                </a:tc>
-                <a:tc>
-                  <a:txBody>
-                    <a:bodyPr/>
-                    <a:lstStyle/>
-                    <a:p>
-                      <a:r>
-                        <a:rPr lang="de-DE" sz="1400" dirty="0" smtClean="0">
-                          <a:solidFill>
-                            <a:schemeClr val="bg1"/>
-                          </a:solidFill>
-                        </a:rPr>
-                        <a:t>Sozial</a:t>
-                      </a:r>
-                      <a:r>
-                        <a:rPr lang="de-DE" sz="1400" baseline="0" dirty="0" smtClean="0">
-                          <a:solidFill>
-                            <a:schemeClr val="bg1"/>
-                          </a:solidFill>
-                        </a:rPr>
-                        <a:t> 2</a:t>
-                      </a:r>
-                      <a:endParaRPr lang="de-DE" sz="1400" b="0" dirty="0">
-                        <a:solidFill>
-                          <a:schemeClr val="bg1"/>
-                        </a:solidFill>
-                      </a:endParaRPr>
-                    </a:p>
-                  </a:txBody>
-                  <a:tcPr/>
-                </a:tc>
-                <a:tc>
-                  <a:txBody>
-                    <a:bodyPr/>
-                    <a:lstStyle/>
-                    <a:p>
-                      <a:r>
-                        <a:rPr lang="de-DE" sz="1400" dirty="0" smtClean="0">
-                          <a:hlinkClick r:id="rId11"/>
-                        </a:rPr>
-                        <a:t>http://www.iconarchive.com/show/sleek-xp-basic-icons-by-deleket/Chat-icon.html</a:t>
-                      </a:r>
-                      <a:r>
-                        <a:rPr lang="de-DE" sz="1400" dirty="0" smtClean="0"/>
-                        <a:t> </a:t>
-                      </a:r>
-                      <a:endParaRPr lang="de-DE" sz="1400" b="0" dirty="0"/>
-                    </a:p>
-                  </a:txBody>
-                  <a:tcPr/>
-                </a:tc>
-              </a:tr>
-              <a:tr h="370840">
-                <a:tc>
-                  <a:txBody>
-                    <a:bodyPr/>
-                    <a:lstStyle/>
-                    <a:p>
-                      <a:r>
-                        <a:rPr lang="de-DE" sz="1400" dirty="0" smtClean="0">
-                          <a:solidFill>
-                            <a:schemeClr val="bg1"/>
-                          </a:solidFill>
-                        </a:rPr>
-                        <a:t>[34]</a:t>
-                      </a:r>
-                      <a:endParaRPr lang="de-DE" sz="1400" dirty="0">
-                        <a:solidFill>
-                          <a:schemeClr val="bg1"/>
-                        </a:solidFill>
-                      </a:endParaRPr>
-                    </a:p>
-                  </a:txBody>
-                  <a:tcPr/>
-                </a:tc>
-                <a:tc>
-                  <a:txBody>
-                    <a:bodyPr/>
-                    <a:lstStyle/>
-                    <a:p>
-                      <a:r>
-                        <a:rPr lang="de-DE" sz="1400" dirty="0" smtClean="0">
-                          <a:solidFill>
-                            <a:schemeClr val="bg1"/>
-                          </a:solidFill>
-                        </a:rPr>
-                        <a:t>Router</a:t>
-                      </a:r>
-                      <a:endParaRPr lang="de-DE" sz="1400" b="0" dirty="0">
-                        <a:solidFill>
-                          <a:schemeClr val="bg1"/>
-                        </a:solidFill>
-                      </a:endParaRPr>
-                    </a:p>
-                  </a:txBody>
-                  <a:tcPr/>
-                </a:tc>
-                <a:tc>
-                  <a:txBody>
-                    <a:bodyPr/>
-                    <a:lstStyle/>
-                    <a:p>
-                      <a:r>
-                        <a:rPr lang="de-DE" sz="1400" dirty="0" smtClean="0">
-                          <a:hlinkClick r:id="rId12"/>
-                        </a:rPr>
-                        <a:t>http://www.iconarchive.com/show/junior-icons-by-treetog/network-icon.html</a:t>
-                      </a:r>
-                      <a:r>
-                        <a:rPr lang="de-DE" sz="1400" dirty="0" smtClean="0"/>
-                        <a:t> </a:t>
-                      </a:r>
-                      <a:endParaRPr lang="de-DE" sz="1400" b="0" dirty="0"/>
                     </a:p>
                   </a:txBody>
                   <a:tcPr/>
@@ -8134,6 +7539,894 @@
         </p:nvGraphicFramePr>
         <p:xfrm>
           <a:off x="323528" y="1125538"/>
+          <a:ext cx="8568952" cy="4815840"/>
+        </p:xfrm>
+        <a:graphic>
+          <a:graphicData uri="http://schemas.openxmlformats.org/drawingml/2006/table">
+            <a:tbl>
+              <a:tblPr firstRow="1" bandRow="1">
+                <a:tableStyleId>{2D5ABB26-0587-4C30-8999-92F81FD0307C}</a:tableStyleId>
+              </a:tblPr>
+              <a:tblGrid>
+                <a:gridCol w="504056"/>
+                <a:gridCol w="1152128"/>
+                <a:gridCol w="6912768"/>
+              </a:tblGrid>
+              <a:tr h="287238">
+                <a:tc>
+                  <a:txBody>
+                    <a:bodyPr/>
+                    <a:lstStyle/>
+                    <a:p>
+                      <a:r>
+                        <a:rPr lang="de-DE" sz="1400" dirty="0" smtClean="0">
+                          <a:solidFill>
+                            <a:schemeClr val="bg1"/>
+                          </a:solidFill>
+                        </a:rPr>
+                        <a:t>[24]</a:t>
+                      </a:r>
+                      <a:endParaRPr lang="de-DE" sz="1400" b="0" dirty="0">
+                        <a:solidFill>
+                          <a:schemeClr val="bg1"/>
+                        </a:solidFill>
+                      </a:endParaRPr>
+                    </a:p>
+                  </a:txBody>
+                  <a:tcPr/>
+                </a:tc>
+                <a:tc>
+                  <a:txBody>
+                    <a:bodyPr/>
+                    <a:lstStyle/>
+                    <a:p>
+                      <a:r>
+                        <a:rPr lang="de-DE" sz="1400" dirty="0" smtClean="0">
+                          <a:solidFill>
+                            <a:schemeClr val="bg1"/>
+                          </a:solidFill>
+                        </a:rPr>
+                        <a:t>Taxi</a:t>
+                      </a:r>
+                      <a:endParaRPr lang="de-DE" sz="1400" b="0" dirty="0">
+                        <a:solidFill>
+                          <a:schemeClr val="bg1"/>
+                        </a:solidFill>
+                      </a:endParaRPr>
+                    </a:p>
+                  </a:txBody>
+                  <a:tcPr/>
+                </a:tc>
+                <a:tc>
+                  <a:txBody>
+                    <a:bodyPr/>
+                    <a:lstStyle/>
+                    <a:p>
+                      <a:r>
+                        <a:rPr lang="de-DE" sz="1400" dirty="0" smtClean="0">
+                          <a:hlinkClick r:id="rId2"/>
+                        </a:rPr>
+                        <a:t>http://www.iconarchive.com/show/travel-icons-by-aha-soft/taxi-icon.html</a:t>
+                      </a:r>
+                      <a:r>
+                        <a:rPr lang="de-DE" sz="1400" dirty="0" smtClean="0"/>
+                        <a:t> </a:t>
+                      </a:r>
+                      <a:endParaRPr lang="de-DE" sz="1400" b="0" dirty="0"/>
+                    </a:p>
+                  </a:txBody>
+                  <a:tcPr/>
+                </a:tc>
+              </a:tr>
+              <a:tr h="370840">
+                <a:tc>
+                  <a:txBody>
+                    <a:bodyPr/>
+                    <a:lstStyle/>
+                    <a:p>
+                      <a:r>
+                        <a:rPr lang="de-DE" sz="1400" dirty="0" smtClean="0">
+                          <a:solidFill>
+                            <a:schemeClr val="bg1"/>
+                          </a:solidFill>
+                        </a:rPr>
+                        <a:t>[25]</a:t>
+                      </a:r>
+                      <a:endParaRPr lang="de-DE" sz="1400" dirty="0">
+                        <a:solidFill>
+                          <a:schemeClr val="bg1"/>
+                        </a:solidFill>
+                      </a:endParaRPr>
+                    </a:p>
+                  </a:txBody>
+                  <a:tcPr/>
+                </a:tc>
+                <a:tc>
+                  <a:txBody>
+                    <a:bodyPr/>
+                    <a:lstStyle/>
+                    <a:p>
+                      <a:r>
+                        <a:rPr lang="de-DE" sz="1400" dirty="0" smtClean="0">
+                          <a:solidFill>
+                            <a:schemeClr val="bg1"/>
+                          </a:solidFill>
+                        </a:rPr>
+                        <a:t>VW Logo</a:t>
+                      </a:r>
+                      <a:endParaRPr lang="de-DE" sz="1400" dirty="0">
+                        <a:solidFill>
+                          <a:schemeClr val="bg1"/>
+                        </a:solidFill>
+                      </a:endParaRPr>
+                    </a:p>
+                  </a:txBody>
+                  <a:tcPr/>
+                </a:tc>
+                <a:tc>
+                  <a:txBody>
+                    <a:bodyPr/>
+                    <a:lstStyle/>
+                    <a:p>
+                      <a:r>
+                        <a:rPr lang="de-DE" sz="1400" dirty="0" smtClean="0">
+                          <a:hlinkClick r:id="rId3"/>
+                        </a:rPr>
+                        <a:t>http://media.photobucket.com/image/vw%20button%20icon/caddy-shack/VW%20Emblems%20%20Logos/VW%20Applied%20Emblems/vw-button_icon-3.jpg?o=3</a:t>
+                      </a:r>
+                      <a:r>
+                        <a:rPr lang="de-DE" sz="1400" dirty="0" smtClean="0"/>
+                        <a:t> </a:t>
+                      </a:r>
+                      <a:endParaRPr lang="de-DE" sz="1400" dirty="0"/>
+                    </a:p>
+                  </a:txBody>
+                  <a:tcPr/>
+                </a:tc>
+              </a:tr>
+              <a:tr h="370840">
+                <a:tc>
+                  <a:txBody>
+                    <a:bodyPr/>
+                    <a:lstStyle/>
+                    <a:p>
+                      <a:r>
+                        <a:rPr lang="de-DE" sz="1400" dirty="0" smtClean="0">
+                          <a:solidFill>
+                            <a:schemeClr val="bg1"/>
+                          </a:solidFill>
+                        </a:rPr>
+                        <a:t>[26]</a:t>
+                      </a:r>
+                      <a:endParaRPr lang="de-DE" sz="1400" dirty="0">
+                        <a:solidFill>
+                          <a:schemeClr val="bg1"/>
+                        </a:solidFill>
+                      </a:endParaRPr>
+                    </a:p>
+                  </a:txBody>
+                  <a:tcPr/>
+                </a:tc>
+                <a:tc>
+                  <a:txBody>
+                    <a:bodyPr/>
+                    <a:lstStyle/>
+                    <a:p>
+                      <a:r>
+                        <a:rPr lang="de-DE" sz="1400" dirty="0" smtClean="0">
+                          <a:solidFill>
+                            <a:schemeClr val="bg1"/>
+                          </a:solidFill>
+                        </a:rPr>
+                        <a:t>Stapel</a:t>
+                      </a:r>
+                      <a:endParaRPr lang="de-DE" sz="1400" b="0" dirty="0">
+                        <a:solidFill>
+                          <a:schemeClr val="bg1"/>
+                        </a:solidFill>
+                      </a:endParaRPr>
+                    </a:p>
+                  </a:txBody>
+                  <a:tcPr/>
+                </a:tc>
+                <a:tc>
+                  <a:txBody>
+                    <a:bodyPr/>
+                    <a:lstStyle/>
+                    <a:p>
+                      <a:r>
+                        <a:rPr lang="de-DE" sz="1400" dirty="0" smtClean="0">
+                          <a:hlinkClick r:id="rId4"/>
+                        </a:rPr>
+                        <a:t>http://www.iconarchive.com/show/recycling-icons-by-skuzigraphic/paper-icon.html</a:t>
+                      </a:r>
+                      <a:r>
+                        <a:rPr lang="de-DE" sz="1400" dirty="0" smtClean="0"/>
+                        <a:t> </a:t>
+                      </a:r>
+                      <a:endParaRPr lang="de-DE" sz="1400" b="0" dirty="0"/>
+                    </a:p>
+                  </a:txBody>
+                  <a:tcPr/>
+                </a:tc>
+              </a:tr>
+              <a:tr h="370840">
+                <a:tc>
+                  <a:txBody>
+                    <a:bodyPr/>
+                    <a:lstStyle/>
+                    <a:p>
+                      <a:r>
+                        <a:rPr lang="de-DE" sz="1400" dirty="0" smtClean="0">
+                          <a:solidFill>
+                            <a:schemeClr val="bg1"/>
+                          </a:solidFill>
+                        </a:rPr>
+                        <a:t>[27]</a:t>
+                      </a:r>
+                      <a:endParaRPr lang="de-DE" sz="1400" dirty="0">
+                        <a:solidFill>
+                          <a:schemeClr val="bg1"/>
+                        </a:solidFill>
+                      </a:endParaRPr>
+                    </a:p>
+                  </a:txBody>
+                  <a:tcPr/>
+                </a:tc>
+                <a:tc>
+                  <a:txBody>
+                    <a:bodyPr/>
+                    <a:lstStyle/>
+                    <a:p>
+                      <a:r>
+                        <a:rPr lang="de-DE" sz="1400" dirty="0" smtClean="0">
+                          <a:solidFill>
+                            <a:schemeClr val="bg1"/>
+                          </a:solidFill>
+                        </a:rPr>
+                        <a:t>X</a:t>
+                      </a:r>
+                      <a:endParaRPr lang="de-DE" sz="1400" b="0" dirty="0">
+                        <a:solidFill>
+                          <a:schemeClr val="bg1"/>
+                        </a:solidFill>
+                      </a:endParaRPr>
+                    </a:p>
+                  </a:txBody>
+                  <a:tcPr/>
+                </a:tc>
+                <a:tc>
+                  <a:txBody>
+                    <a:bodyPr/>
+                    <a:lstStyle/>
+                    <a:p>
+                      <a:r>
+                        <a:rPr lang="de-DE" sz="1400" dirty="0" smtClean="0">
+                          <a:hlinkClick r:id="rId5"/>
+                        </a:rPr>
+                        <a:t>http://www.iconarchive.com/show/farm-fresh-icons-by-fatcow/cross-icon.html</a:t>
+                      </a:r>
+                      <a:r>
+                        <a:rPr lang="de-DE" sz="1400" dirty="0" smtClean="0"/>
+                        <a:t> </a:t>
+                      </a:r>
+                      <a:endParaRPr lang="de-DE" sz="1400" b="0" dirty="0"/>
+                    </a:p>
+                  </a:txBody>
+                  <a:tcPr/>
+                </a:tc>
+              </a:tr>
+              <a:tr h="370840">
+                <a:tc>
+                  <a:txBody>
+                    <a:bodyPr/>
+                    <a:lstStyle/>
+                    <a:p>
+                      <a:r>
+                        <a:rPr lang="de-DE" sz="1400" dirty="0" smtClean="0">
+                          <a:solidFill>
+                            <a:schemeClr val="bg1"/>
+                          </a:solidFill>
+                        </a:rPr>
+                        <a:t>[28]</a:t>
+                      </a:r>
+                      <a:endParaRPr lang="de-DE" sz="1400" dirty="0">
+                        <a:solidFill>
+                          <a:schemeClr val="bg1"/>
+                        </a:solidFill>
+                      </a:endParaRPr>
+                    </a:p>
+                  </a:txBody>
+                  <a:tcPr/>
+                </a:tc>
+                <a:tc>
+                  <a:txBody>
+                    <a:bodyPr/>
+                    <a:lstStyle/>
+                    <a:p>
+                      <a:r>
+                        <a:rPr lang="de-DE" sz="1400" dirty="0" smtClean="0">
+                          <a:solidFill>
+                            <a:schemeClr val="bg1"/>
+                          </a:solidFill>
+                        </a:rPr>
+                        <a:t>Handy</a:t>
+                      </a:r>
+                      <a:endParaRPr lang="de-DE" sz="1400" b="0" dirty="0">
+                        <a:solidFill>
+                          <a:schemeClr val="bg1"/>
+                        </a:solidFill>
+                      </a:endParaRPr>
+                    </a:p>
+                  </a:txBody>
+                  <a:tcPr/>
+                </a:tc>
+                <a:tc>
+                  <a:txBody>
+                    <a:bodyPr/>
+                    <a:lstStyle/>
+                    <a:p>
+                      <a:r>
+                        <a:rPr lang="de-DE" sz="1400" dirty="0" smtClean="0">
+                          <a:hlinkClick r:id="rId6"/>
+                        </a:rPr>
+                        <a:t>http://www.iconarchive.com/show/real-vista-mobile-icons-by-iconshock/blackberry-icon.html</a:t>
+                      </a:r>
+                      <a:r>
+                        <a:rPr lang="de-DE" sz="1400" dirty="0" smtClean="0"/>
+                        <a:t> </a:t>
+                      </a:r>
+                      <a:endParaRPr lang="de-DE" sz="1400" b="0" dirty="0"/>
+                    </a:p>
+                  </a:txBody>
+                  <a:tcPr/>
+                </a:tc>
+              </a:tr>
+              <a:tr h="370840">
+                <a:tc>
+                  <a:txBody>
+                    <a:bodyPr/>
+                    <a:lstStyle/>
+                    <a:p>
+                      <a:r>
+                        <a:rPr lang="de-DE" sz="1400" dirty="0" smtClean="0">
+                          <a:solidFill>
+                            <a:schemeClr val="bg1"/>
+                          </a:solidFill>
+                        </a:rPr>
+                        <a:t>[29]</a:t>
+                      </a:r>
+                      <a:endParaRPr lang="de-DE" sz="1400" dirty="0">
+                        <a:solidFill>
+                          <a:schemeClr val="bg1"/>
+                        </a:solidFill>
+                      </a:endParaRPr>
+                    </a:p>
+                  </a:txBody>
+                  <a:tcPr/>
+                </a:tc>
+                <a:tc>
+                  <a:txBody>
+                    <a:bodyPr/>
+                    <a:lstStyle/>
+                    <a:p>
+                      <a:r>
+                        <a:rPr lang="de-DE" sz="1400" dirty="0" smtClean="0">
+                          <a:solidFill>
+                            <a:schemeClr val="bg1"/>
+                          </a:solidFill>
+                        </a:rPr>
+                        <a:t>Ticket Grün</a:t>
+                      </a:r>
+                      <a:endParaRPr lang="de-DE" sz="1400" b="0" dirty="0">
+                        <a:solidFill>
+                          <a:schemeClr val="bg1"/>
+                        </a:solidFill>
+                      </a:endParaRPr>
+                    </a:p>
+                  </a:txBody>
+                  <a:tcPr/>
+                </a:tc>
+                <a:tc>
+                  <a:txBody>
+                    <a:bodyPr/>
+                    <a:lstStyle/>
+                    <a:p>
+                      <a:r>
+                        <a:rPr lang="de-DE" sz="1400" dirty="0" smtClean="0">
+                          <a:hlinkClick r:id="rId7"/>
+                        </a:rPr>
+                        <a:t>http://www.iconarchive.com/show/pretty-office-3-icons-by-custom-icon-design/ticket-1-icon.html</a:t>
+                      </a:r>
+                      <a:r>
+                        <a:rPr lang="de-DE" sz="1400" dirty="0" smtClean="0"/>
+                        <a:t> </a:t>
+                      </a:r>
+                      <a:endParaRPr lang="de-DE" sz="1400" b="0" dirty="0"/>
+                    </a:p>
+                  </a:txBody>
+                  <a:tcPr/>
+                </a:tc>
+              </a:tr>
+              <a:tr h="370840">
+                <a:tc>
+                  <a:txBody>
+                    <a:bodyPr/>
+                    <a:lstStyle/>
+                    <a:p>
+                      <a:r>
+                        <a:rPr lang="de-DE" sz="1400" dirty="0" smtClean="0">
+                          <a:solidFill>
+                            <a:schemeClr val="bg1"/>
+                          </a:solidFill>
+                        </a:rPr>
+                        <a:t>[30]</a:t>
+                      </a:r>
+                      <a:endParaRPr lang="de-DE" sz="1400" dirty="0">
+                        <a:solidFill>
+                          <a:schemeClr val="bg1"/>
+                        </a:solidFill>
+                      </a:endParaRPr>
+                    </a:p>
+                  </a:txBody>
+                  <a:tcPr/>
+                </a:tc>
+                <a:tc>
+                  <a:txBody>
+                    <a:bodyPr/>
+                    <a:lstStyle/>
+                    <a:p>
+                      <a:r>
+                        <a:rPr lang="de-DE" sz="1400" dirty="0" smtClean="0">
+                          <a:solidFill>
+                            <a:schemeClr val="bg1"/>
+                          </a:solidFill>
+                        </a:rPr>
+                        <a:t>Blasen</a:t>
+                      </a:r>
+                      <a:endParaRPr lang="de-DE" sz="1400" b="0" dirty="0">
+                        <a:solidFill>
+                          <a:schemeClr val="bg1"/>
+                        </a:solidFill>
+                      </a:endParaRPr>
+                    </a:p>
+                  </a:txBody>
+                  <a:tcPr/>
+                </a:tc>
+                <a:tc>
+                  <a:txBody>
+                    <a:bodyPr/>
+                    <a:lstStyle/>
+                    <a:p>
+                      <a:r>
+                        <a:rPr lang="de-DE" sz="1400" dirty="0" smtClean="0">
+                          <a:hlinkClick r:id="rId8"/>
+                        </a:rPr>
+                        <a:t>http://www.iconarchive.com/show/pretty-office-6-icons-by-custom-icon-design/communication-icon.html</a:t>
+                      </a:r>
+                      <a:r>
+                        <a:rPr lang="de-DE" sz="1400" dirty="0" smtClean="0"/>
+                        <a:t> </a:t>
+                      </a:r>
+                      <a:endParaRPr lang="de-DE" sz="1400" b="0" dirty="0"/>
+                    </a:p>
+                  </a:txBody>
+                  <a:tcPr/>
+                </a:tc>
+              </a:tr>
+              <a:tr h="370840">
+                <a:tc>
+                  <a:txBody>
+                    <a:bodyPr/>
+                    <a:lstStyle/>
+                    <a:p>
+                      <a:r>
+                        <a:rPr lang="de-DE" sz="1400" dirty="0" smtClean="0">
+                          <a:solidFill>
+                            <a:schemeClr val="bg1"/>
+                          </a:solidFill>
+                        </a:rPr>
+                        <a:t>[31]</a:t>
+                      </a:r>
+                      <a:endParaRPr lang="de-DE" sz="1400" dirty="0">
+                        <a:solidFill>
+                          <a:schemeClr val="bg1"/>
+                        </a:solidFill>
+                      </a:endParaRPr>
+                    </a:p>
+                  </a:txBody>
+                  <a:tcPr/>
+                </a:tc>
+                <a:tc>
+                  <a:txBody>
+                    <a:bodyPr/>
+                    <a:lstStyle/>
+                    <a:p>
+                      <a:r>
+                        <a:rPr lang="de-DE" sz="1400" dirty="0" smtClean="0">
+                          <a:solidFill>
+                            <a:schemeClr val="bg1"/>
+                          </a:solidFill>
+                        </a:rPr>
+                        <a:t>Karte</a:t>
+                      </a:r>
+                      <a:endParaRPr lang="de-DE" sz="1400" dirty="0">
+                        <a:solidFill>
+                          <a:schemeClr val="bg1"/>
+                        </a:solidFill>
+                      </a:endParaRPr>
+                    </a:p>
+                  </a:txBody>
+                  <a:tcPr/>
+                </a:tc>
+                <a:tc>
+                  <a:txBody>
+                    <a:bodyPr/>
+                    <a:lstStyle/>
+                    <a:p>
+                      <a:r>
+                        <a:rPr lang="de-DE" sz="1400" dirty="0" smtClean="0">
+                          <a:hlinkClick r:id="rId9"/>
+                        </a:rPr>
+                        <a:t>http://www.iconarchive.com/show/palm-icons-by-thiago-silva/Google-Maps-icon.html</a:t>
+                      </a:r>
+                      <a:r>
+                        <a:rPr lang="de-DE" sz="1400" dirty="0" smtClean="0"/>
+                        <a:t> </a:t>
+                      </a:r>
+                      <a:endParaRPr lang="de-DE" sz="1400" dirty="0"/>
+                    </a:p>
+                  </a:txBody>
+                  <a:tcPr/>
+                </a:tc>
+              </a:tr>
+              <a:tr h="370840">
+                <a:tc>
+                  <a:txBody>
+                    <a:bodyPr/>
+                    <a:lstStyle/>
+                    <a:p>
+                      <a:r>
+                        <a:rPr lang="de-DE" sz="1400" dirty="0" smtClean="0">
+                          <a:solidFill>
+                            <a:schemeClr val="bg1"/>
+                          </a:solidFill>
+                        </a:rPr>
+                        <a:t>[32]</a:t>
+                      </a:r>
+                      <a:endParaRPr lang="de-DE" sz="1400" dirty="0">
+                        <a:solidFill>
+                          <a:schemeClr val="bg1"/>
+                        </a:solidFill>
+                      </a:endParaRPr>
+                    </a:p>
+                  </a:txBody>
+                  <a:tcPr/>
+                </a:tc>
+                <a:tc>
+                  <a:txBody>
+                    <a:bodyPr/>
+                    <a:lstStyle/>
+                    <a:p>
+                      <a:r>
+                        <a:rPr lang="de-DE" sz="1400" dirty="0" smtClean="0">
+                          <a:solidFill>
+                            <a:schemeClr val="bg1"/>
+                          </a:solidFill>
+                        </a:rPr>
+                        <a:t>Sozial 1</a:t>
+                      </a:r>
+                      <a:endParaRPr lang="de-DE" sz="1400" b="0" dirty="0">
+                        <a:solidFill>
+                          <a:schemeClr val="bg1"/>
+                        </a:solidFill>
+                      </a:endParaRPr>
+                    </a:p>
+                  </a:txBody>
+                  <a:tcPr/>
+                </a:tc>
+                <a:tc>
+                  <a:txBody>
+                    <a:bodyPr/>
+                    <a:lstStyle/>
+                    <a:p>
+                      <a:r>
+                        <a:rPr lang="de-DE" sz="1400" dirty="0" smtClean="0">
+                          <a:hlinkClick r:id="rId10"/>
+                        </a:rPr>
+                        <a:t>http://www.iconarchive.com/show/soft-scraps-icons-by-deleket/User-Chat-icon.html</a:t>
+                      </a:r>
+                      <a:r>
+                        <a:rPr lang="de-DE" sz="1400" dirty="0" smtClean="0"/>
+                        <a:t> </a:t>
+                      </a:r>
+                      <a:endParaRPr lang="de-DE" sz="1400" b="0" dirty="0"/>
+                    </a:p>
+                  </a:txBody>
+                  <a:tcPr/>
+                </a:tc>
+              </a:tr>
+              <a:tr h="370840">
+                <a:tc>
+                  <a:txBody>
+                    <a:bodyPr/>
+                    <a:lstStyle/>
+                    <a:p>
+                      <a:r>
+                        <a:rPr lang="de-DE" sz="1400" dirty="0" smtClean="0">
+                          <a:solidFill>
+                            <a:schemeClr val="bg1"/>
+                          </a:solidFill>
+                        </a:rPr>
+                        <a:t>[33]</a:t>
+                      </a:r>
+                      <a:endParaRPr lang="de-DE" sz="1400" dirty="0">
+                        <a:solidFill>
+                          <a:schemeClr val="bg1"/>
+                        </a:solidFill>
+                      </a:endParaRPr>
+                    </a:p>
+                  </a:txBody>
+                  <a:tcPr/>
+                </a:tc>
+                <a:tc>
+                  <a:txBody>
+                    <a:bodyPr/>
+                    <a:lstStyle/>
+                    <a:p>
+                      <a:r>
+                        <a:rPr lang="de-DE" sz="1400" dirty="0" smtClean="0">
+                          <a:solidFill>
+                            <a:schemeClr val="bg1"/>
+                          </a:solidFill>
+                        </a:rPr>
+                        <a:t>Sozial</a:t>
+                      </a:r>
+                      <a:r>
+                        <a:rPr lang="de-DE" sz="1400" baseline="0" dirty="0" smtClean="0">
+                          <a:solidFill>
+                            <a:schemeClr val="bg1"/>
+                          </a:solidFill>
+                        </a:rPr>
+                        <a:t> 2</a:t>
+                      </a:r>
+                      <a:endParaRPr lang="de-DE" sz="1400" b="0" dirty="0">
+                        <a:solidFill>
+                          <a:schemeClr val="bg1"/>
+                        </a:solidFill>
+                      </a:endParaRPr>
+                    </a:p>
+                  </a:txBody>
+                  <a:tcPr/>
+                </a:tc>
+                <a:tc>
+                  <a:txBody>
+                    <a:bodyPr/>
+                    <a:lstStyle/>
+                    <a:p>
+                      <a:r>
+                        <a:rPr lang="de-DE" sz="1400" dirty="0" smtClean="0">
+                          <a:hlinkClick r:id="rId11"/>
+                        </a:rPr>
+                        <a:t>http://www.iconarchive.com/show/sleek-xp-basic-icons-by-deleket/Chat-icon.html</a:t>
+                      </a:r>
+                      <a:r>
+                        <a:rPr lang="de-DE" sz="1400" dirty="0" smtClean="0"/>
+                        <a:t> </a:t>
+                      </a:r>
+                      <a:endParaRPr lang="de-DE" sz="1400" b="0" dirty="0"/>
+                    </a:p>
+                  </a:txBody>
+                  <a:tcPr/>
+                </a:tc>
+              </a:tr>
+              <a:tr h="370840">
+                <a:tc>
+                  <a:txBody>
+                    <a:bodyPr/>
+                    <a:lstStyle/>
+                    <a:p>
+                      <a:r>
+                        <a:rPr lang="de-DE" sz="1400" dirty="0" smtClean="0">
+                          <a:solidFill>
+                            <a:schemeClr val="bg1"/>
+                          </a:solidFill>
+                        </a:rPr>
+                        <a:t>[34]</a:t>
+                      </a:r>
+                      <a:endParaRPr lang="de-DE" sz="1400" dirty="0">
+                        <a:solidFill>
+                          <a:schemeClr val="bg1"/>
+                        </a:solidFill>
+                      </a:endParaRPr>
+                    </a:p>
+                  </a:txBody>
+                  <a:tcPr/>
+                </a:tc>
+                <a:tc>
+                  <a:txBody>
+                    <a:bodyPr/>
+                    <a:lstStyle/>
+                    <a:p>
+                      <a:r>
+                        <a:rPr lang="de-DE" sz="1400" dirty="0" smtClean="0">
+                          <a:solidFill>
+                            <a:schemeClr val="bg1"/>
+                          </a:solidFill>
+                        </a:rPr>
+                        <a:t>Router</a:t>
+                      </a:r>
+                      <a:endParaRPr lang="de-DE" sz="1400" b="0" dirty="0">
+                        <a:solidFill>
+                          <a:schemeClr val="bg1"/>
+                        </a:solidFill>
+                      </a:endParaRPr>
+                    </a:p>
+                  </a:txBody>
+                  <a:tcPr/>
+                </a:tc>
+                <a:tc>
+                  <a:txBody>
+                    <a:bodyPr/>
+                    <a:lstStyle/>
+                    <a:p>
+                      <a:r>
+                        <a:rPr lang="de-DE" sz="1400" dirty="0" smtClean="0">
+                          <a:hlinkClick r:id="rId12"/>
+                        </a:rPr>
+                        <a:t>http://www.iconarchive.com/show/junior-icons-by-treetog/network-icon.html</a:t>
+                      </a:r>
+                      <a:r>
+                        <a:rPr lang="de-DE" sz="1400" dirty="0" smtClean="0"/>
+                        <a:t> </a:t>
+                      </a:r>
+                      <a:endParaRPr lang="de-DE" sz="1400" b="0" dirty="0"/>
+                    </a:p>
+                  </a:txBody>
+                  <a:tcPr/>
+                </a:tc>
+              </a:tr>
+            </a:tbl>
+          </a:graphicData>
+        </a:graphic>
+      </p:graphicFrame>
+      <p:sp>
+        <p:nvSpPr>
+          <p:cNvPr id="4" name="Datumsplatzhalter 3"/>
+          <p:cNvSpPr>
+            <a:spLocks noGrp="1"/>
+          </p:cNvSpPr>
+          <p:nvPr>
+            <p:ph type="dt" sz="half" idx="10"/>
+          </p:nvPr>
+        </p:nvSpPr>
+        <p:spPr/>
+        <p:txBody>
+          <a:bodyPr/>
+          <a:lstStyle/>
+          <a:p>
+            <a:r>
+              <a:rPr lang="de-DE" smtClean="0"/>
+              <a:t>04.05.2012</a:t>
+            </a:r>
+            <a:endParaRPr lang="de-DE"/>
+          </a:p>
+        </p:txBody>
+      </p:sp>
+      <p:sp>
+        <p:nvSpPr>
+          <p:cNvPr id="5" name="Fußzeilenplatzhalter 4"/>
+          <p:cNvSpPr>
+            <a:spLocks noGrp="1"/>
+          </p:cNvSpPr>
+          <p:nvPr>
+            <p:ph type="ftr" sz="quarter" idx="11"/>
+          </p:nvPr>
+        </p:nvSpPr>
+        <p:spPr/>
+        <p:txBody>
+          <a:bodyPr/>
+          <a:lstStyle/>
+          <a:p>
+            <a:r>
+              <a:rPr lang="de-DE" smtClean="0"/>
+              <a:t>KickOff Präsentation</a:t>
+            </a:r>
+            <a:endParaRPr lang="de-DE"/>
+          </a:p>
+        </p:txBody>
+      </p:sp>
+      <p:sp>
+        <p:nvSpPr>
+          <p:cNvPr id="6" name="Foliennummernplatzhalter 5"/>
+          <p:cNvSpPr>
+            <a:spLocks noGrp="1"/>
+          </p:cNvSpPr>
+          <p:nvPr>
+            <p:ph type="sldNum" sz="quarter" idx="12"/>
+          </p:nvPr>
+        </p:nvSpPr>
+        <p:spPr/>
+        <p:txBody>
+          <a:bodyPr/>
+          <a:lstStyle/>
+          <a:p>
+            <a:fld id="{6C6AE60A-B69C-4790-82F7-3882EDF23186}" type="slidenum">
+              <a:rPr lang="de-DE" smtClean="0"/>
+              <a:pPr/>
+              <a:t>18</a:t>
+            </a:fld>
+            <a:endParaRPr lang="de-DE"/>
+          </a:p>
+        </p:txBody>
+      </p:sp>
+    </p:spTree>
+  </p:cSld>
+  <p:clrMapOvr>
+    <a:masterClrMapping/>
+  </p:clrMapOvr>
+  <p:timing>
+    <p:tnLst>
+      <p:par>
+        <p:cTn id="1" dur="indefinite" restart="never" nodeType="tmRoot"/>
+      </p:par>
+    </p:tnLst>
+  </p:timing>
+</p:sld>
+</file>
+
+<file path=ppt/slides/slide19.xml><?xml version="1.0" encoding="utf-8"?>
+<p:sld xmlns:a="http://schemas.openxmlformats.org/drawingml/2006/main" xmlns:r="http://schemas.openxmlformats.org/officeDocument/2006/relationships" xmlns:p="http://schemas.openxmlformats.org/presentationml/2006/main">
+  <p:cSld>
+    <p:spTree>
+      <p:nvGrpSpPr>
+        <p:cNvPr id="1" name=""/>
+        <p:cNvGrpSpPr/>
+        <p:nvPr/>
+      </p:nvGrpSpPr>
+      <p:grpSpPr>
+        <a:xfrm>
+          <a:off x="0" y="0"/>
+          <a:ext cx="0" cy="0"/>
+          <a:chOff x="0" y="0"/>
+          <a:chExt cx="0" cy="0"/>
+        </a:xfrm>
+      </p:grpSpPr>
+      <p:sp>
+        <p:nvSpPr>
+          <p:cNvPr id="2" name="Titel 1"/>
+          <p:cNvSpPr>
+            <a:spLocks noGrp="1"/>
+          </p:cNvSpPr>
+          <p:nvPr>
+            <p:ph type="title"/>
+          </p:nvPr>
+        </p:nvSpPr>
+        <p:spPr/>
+        <p:txBody>
+          <a:bodyPr/>
+          <a:lstStyle/>
+          <a:p>
+            <a:r>
+              <a:rPr lang="de-DE" dirty="0" smtClean="0"/>
+              <a:t>Quellen</a:t>
+            </a:r>
+            <a:endParaRPr lang="de-DE" dirty="0"/>
+          </a:p>
+        </p:txBody>
+      </p:sp>
+      <p:graphicFrame>
+        <p:nvGraphicFramePr>
+          <p:cNvPr id="7" name="Inhaltsplatzhalter 6"/>
+          <p:cNvGraphicFramePr>
+            <a:graphicFrameLocks noGrp="1"/>
+          </p:cNvGraphicFramePr>
+          <p:nvPr>
+            <p:ph idx="1"/>
+          </p:nvPr>
+        </p:nvGraphicFramePr>
+        <p:xfrm>
+          <a:off x="323528" y="1125538"/>
           <a:ext cx="8568952" cy="4521200"/>
         </p:xfrm>
         <a:graphic>
@@ -8621,15 +8914,7 @@
                             <a:schemeClr val="bg1"/>
                           </a:solidFill>
                         </a:rPr>
-                        <a:t>[</a:t>
-                      </a:r>
-                      <a:r>
-                        <a:rPr lang="de-DE" sz="1400" dirty="0" smtClean="0">
-                          <a:solidFill>
-                            <a:schemeClr val="bg1"/>
-                          </a:solidFill>
-                        </a:rPr>
-                        <a:t>42]</a:t>
+                        <a:t>[42]</a:t>
                       </a:r>
                       <a:endParaRPr lang="de-DE" sz="1400" dirty="0">
                         <a:solidFill>
@@ -8965,7 +9250,7 @@
             <a:fld id="{6C6AE60A-B69C-4790-82F7-3882EDF23186}" type="slidenum">
               <a:rPr lang="de-DE" smtClean="0"/>
               <a:pPr/>
-              <a:t>18</a:t>
+              <a:t>19</a:t>
             </a:fld>
             <a:endParaRPr lang="de-DE"/>
           </a:p>
@@ -9067,7 +9352,11 @@
             </a:pPr>
             <a:r>
               <a:rPr lang="de-DE" dirty="0" smtClean="0"/>
-              <a:t>Lösungsansatz 2</a:t>
+              <a:t>Lösungsansatz </a:t>
+            </a:r>
+            <a:r>
+              <a:rPr lang="de-DE" dirty="0" smtClean="0"/>
+              <a:t>2</a:t>
             </a:r>
           </a:p>
           <a:p>
@@ -9077,21 +9366,9 @@
             </a:pPr>
             <a:r>
               <a:rPr lang="de-DE" dirty="0" smtClean="0"/>
-              <a:t>Fragen</a:t>
-            </a:r>
-          </a:p>
-          <a:p>
-            <a:pPr marL="457200" indent="-457200">
-              <a:buFont typeface="+mj-lt"/>
-              <a:buAutoNum type="arabicPeriod"/>
-            </a:pPr>
-            <a:r>
-              <a:rPr lang="de-DE" dirty="0" smtClean="0"/>
-              <a:t>Quellen</a:t>
-            </a:r>
-          </a:p>
-          <a:p>
-            <a:endParaRPr lang="de-DE" dirty="0"/>
+              <a:t>Diskussion</a:t>
+            </a:r>
+            <a:endParaRPr lang="de-DE" dirty="0" smtClean="0"/>
           </a:p>
         </p:txBody>
       </p:sp>
@@ -9322,7 +9599,7 @@
         <p:spPr>
           <a:xfrm>
             <a:off x="6732240" y="5877272"/>
-            <a:ext cx="1912923" cy="523220"/>
+            <a:ext cx="1912923" cy="400110"/>
           </a:xfrm>
           <a:prstGeom prst="rect">
             <a:avLst/>
@@ -9337,7 +9614,7 @@
           <a:p>
             <a:pPr algn="r"/>
             <a:r>
-              <a:rPr lang="de-DE" sz="1400" dirty="0" smtClean="0">
+              <a:rPr lang="de-DE" sz="1000" dirty="0" smtClean="0">
                 <a:solidFill>
                   <a:schemeClr val="bg1"/>
                 </a:solidFill>
@@ -9348,22 +9625,14 @@
           <a:p>
             <a:pPr algn="r"/>
             <a:r>
-              <a:rPr lang="de-DE" sz="1400" dirty="0" smtClean="0">
+              <a:rPr lang="de-DE" sz="1000" dirty="0" smtClean="0">
                 <a:solidFill>
                   <a:schemeClr val="bg1"/>
                 </a:solidFill>
               </a:rPr>
-              <a:t>[5], [6], [7</a:t>
-            </a:r>
-            <a:r>
-              <a:rPr lang="de-DE" sz="1400" dirty="0" smtClean="0">
-                <a:solidFill>
-                  <a:schemeClr val="bg1"/>
-                </a:solidFill>
-              </a:rPr>
-              <a:t>] 	</a:t>
-            </a:r>
-            <a:endParaRPr lang="de-DE" sz="1400" dirty="0">
+              <a:t>[5], [6], [7] </a:t>
+            </a:r>
+            <a:endParaRPr lang="de-DE" sz="1000" dirty="0">
               <a:solidFill>
                 <a:schemeClr val="bg1"/>
               </a:solidFill>
@@ -9838,7 +10107,9 @@
         </p:nvSpPr>
         <p:spPr/>
         <p:txBody>
-          <a:bodyPr/>
+          <a:bodyPr>
+            <a:normAutofit/>
+          </a:bodyPr>
           <a:lstStyle/>
           <a:p>
             <a:r>
@@ -9852,19 +10123,36 @@
             </a:pPr>
             <a:r>
               <a:rPr lang="de-DE" dirty="0" smtClean="0"/>
-              <a:t>	Eltern aus der Türkei, </a:t>
+              <a:t>	</a:t>
+            </a:r>
+            <a:r>
+              <a:rPr lang="de-DE" dirty="0" smtClean="0"/>
+              <a:t>geboren </a:t>
+            </a:r>
+            <a:r>
+              <a:rPr lang="de-DE" dirty="0" smtClean="0"/>
+              <a:t>in </a:t>
+            </a:r>
+            <a:r>
+              <a:rPr lang="de-DE" dirty="0" smtClean="0"/>
+              <a:t>Dortmund,</a:t>
             </a:r>
             <a:br>
               <a:rPr lang="de-DE" dirty="0" smtClean="0"/>
             </a:br>
             <a:r>
-              <a:rPr lang="de-DE" dirty="0" err="1" smtClean="0"/>
-              <a:t>Batur</a:t>
-            </a:r>
-            <a:r>
               <a:rPr lang="de-DE" dirty="0" smtClean="0"/>
-              <a:t> geboren in Dortmund</a:t>
-            </a:r>
+              <a:t>Eltern </a:t>
+            </a:r>
+            <a:r>
+              <a:rPr lang="de-DE" dirty="0" smtClean="0"/>
+              <a:t>aus der </a:t>
+            </a:r>
+            <a:r>
+              <a:rPr lang="de-DE" dirty="0" smtClean="0"/>
+              <a:t>Türkei</a:t>
+            </a:r>
+            <a:endParaRPr lang="de-DE" dirty="0" smtClean="0"/>
           </a:p>
           <a:p>
             <a:pPr lvl="3">
@@ -10239,7 +10527,7 @@
         <p:spPr>
           <a:xfrm>
             <a:off x="6732240" y="5877272"/>
-            <a:ext cx="1912923" cy="523220"/>
+            <a:ext cx="1912923" cy="400110"/>
           </a:xfrm>
           <a:prstGeom prst="rect">
             <a:avLst/>
@@ -10254,7 +10542,7 @@
           <a:p>
             <a:pPr algn="r"/>
             <a:r>
-              <a:rPr lang="de-DE" sz="1400" dirty="0" smtClean="0">
+              <a:rPr lang="de-DE" sz="1000" dirty="0" smtClean="0">
                 <a:solidFill>
                   <a:schemeClr val="bg1"/>
                 </a:solidFill>
@@ -10262,21 +10550,21 @@
               <a:t>[8], [9], [10]</a:t>
             </a:r>
             <a:br>
-              <a:rPr lang="de-DE" sz="1400" dirty="0" smtClean="0">
+              <a:rPr lang="de-DE" sz="1000" dirty="0" smtClean="0">
                 <a:solidFill>
                   <a:schemeClr val="bg1"/>
                 </a:solidFill>
               </a:rPr>
             </a:br>
             <a:r>
-              <a:rPr lang="de-DE" sz="1400" dirty="0" smtClean="0">
+              <a:rPr lang="de-DE" sz="1000" dirty="0" smtClean="0">
                 <a:solidFill>
                   <a:schemeClr val="bg1"/>
                 </a:solidFill>
               </a:rPr>
               <a:t>[11], [12]</a:t>
             </a:r>
-            <a:endParaRPr lang="de-DE" sz="1400" dirty="0">
+            <a:endParaRPr lang="de-DE" sz="1000" dirty="0">
               <a:solidFill>
                 <a:schemeClr val="bg1"/>
               </a:solidFill>
@@ -11308,7 +11596,7 @@
         <p:spPr>
           <a:xfrm>
             <a:off x="5868144" y="5877272"/>
-            <a:ext cx="2777019" cy="523220"/>
+            <a:ext cx="2777019" cy="400110"/>
           </a:xfrm>
           <a:prstGeom prst="rect">
             <a:avLst/>
@@ -11323,7 +11611,7 @@
           <a:p>
             <a:pPr algn="r"/>
             <a:r>
-              <a:rPr lang="de-DE" sz="1400" dirty="0" smtClean="0">
+              <a:rPr lang="de-DE" sz="1000" dirty="0" smtClean="0">
                 <a:solidFill>
                   <a:schemeClr val="bg1"/>
                 </a:solidFill>
@@ -11331,21 +11619,21 @@
               <a:t>[13], [14], [15], [16], [17], [18], [19],</a:t>
             </a:r>
             <a:br>
-              <a:rPr lang="de-DE" sz="1400" dirty="0" smtClean="0">
+              <a:rPr lang="de-DE" sz="1000" dirty="0" smtClean="0">
                 <a:solidFill>
                   <a:schemeClr val="bg1"/>
                 </a:solidFill>
               </a:rPr>
             </a:br>
             <a:r>
-              <a:rPr lang="de-DE" sz="1400" dirty="0" smtClean="0">
+              <a:rPr lang="de-DE" sz="1000" dirty="0" smtClean="0">
                 <a:solidFill>
                   <a:schemeClr val="bg1"/>
                 </a:solidFill>
               </a:rPr>
               <a:t> [20], [21], [22], [23], [24], [25]</a:t>
             </a:r>
-            <a:endParaRPr lang="de-DE" sz="1400" dirty="0">
+            <a:endParaRPr lang="de-DE" sz="1000" dirty="0">
               <a:solidFill>
                 <a:schemeClr val="bg1"/>
               </a:solidFill>
@@ -11772,7 +12060,7 @@
         <p:spPr>
           <a:xfrm>
             <a:off x="6732240" y="5877272"/>
-            <a:ext cx="1912923" cy="523220"/>
+            <a:ext cx="1912923" cy="400110"/>
           </a:xfrm>
           <a:prstGeom prst="rect">
             <a:avLst/>
@@ -11787,7 +12075,7 @@
           <a:p>
             <a:pPr algn="r"/>
             <a:r>
-              <a:rPr lang="de-DE" sz="1400" dirty="0" smtClean="0">
+              <a:rPr lang="de-DE" sz="1000" dirty="0" smtClean="0">
                 <a:solidFill>
                   <a:schemeClr val="bg1"/>
                 </a:solidFill>
@@ -11795,21 +12083,21 @@
               <a:t>[26], [27], [28], [29],</a:t>
             </a:r>
             <a:br>
-              <a:rPr lang="de-DE" sz="1400" dirty="0" smtClean="0">
+              <a:rPr lang="de-DE" sz="1000" dirty="0" smtClean="0">
                 <a:solidFill>
                   <a:schemeClr val="bg1"/>
                 </a:solidFill>
               </a:rPr>
             </a:br>
             <a:r>
-              <a:rPr lang="de-DE" sz="1400" dirty="0" smtClean="0">
+              <a:rPr lang="de-DE" sz="1000" dirty="0" smtClean="0">
                 <a:solidFill>
                   <a:schemeClr val="bg1"/>
                 </a:solidFill>
               </a:rPr>
               <a:t>[30], [31], [32], [33]</a:t>
             </a:r>
-            <a:endParaRPr lang="de-DE" sz="1400" dirty="0">
+            <a:endParaRPr lang="de-DE" sz="1000" dirty="0">
               <a:solidFill>
                 <a:schemeClr val="bg1"/>
               </a:solidFill>
@@ -11902,7 +12190,11 @@
               <a:buAutoNum type="arabicPeriod"/>
             </a:pPr>
             <a:r>
-              <a:rPr lang="de-DE" dirty="0" smtClean="0"/>
+              <a:rPr lang="de-DE" dirty="0" smtClean="0">
+                <a:solidFill>
+                  <a:srgbClr val="FF0000"/>
+                </a:solidFill>
+              </a:rPr>
               <a:t>Lösungsansatz 1</a:t>
             </a:r>
           </a:p>
@@ -11913,7 +12205,11 @@
             </a:pPr>
             <a:r>
               <a:rPr lang="de-DE" dirty="0" smtClean="0"/>
-              <a:t>Lösungsansatz 2</a:t>
+              <a:t>Lösungsansatz </a:t>
+            </a:r>
+            <a:r>
+              <a:rPr lang="de-DE" dirty="0" smtClean="0"/>
+              <a:t>2</a:t>
             </a:r>
           </a:p>
           <a:p>
@@ -11923,18 +12219,9 @@
             </a:pPr>
             <a:r>
               <a:rPr lang="de-DE" dirty="0" smtClean="0"/>
-              <a:t>Fragen</a:t>
-            </a:r>
-          </a:p>
-          <a:p>
-            <a:pPr marL="457200" indent="-457200">
-              <a:buFont typeface="+mj-lt"/>
-              <a:buAutoNum type="arabicPeriod"/>
-            </a:pPr>
-            <a:r>
-              <a:rPr lang="de-DE" dirty="0" smtClean="0"/>
-              <a:t>Quellen</a:t>
-            </a:r>
+              <a:t>Diskussion</a:t>
+            </a:r>
+            <a:endParaRPr lang="de-DE" dirty="0" smtClean="0"/>
           </a:p>
           <a:p>
             <a:endParaRPr lang="de-DE" dirty="0"/>
@@ -12725,7 +13012,7 @@
         <p:spPr>
           <a:xfrm>
             <a:off x="6732240" y="5877272"/>
-            <a:ext cx="1912923" cy="523220"/>
+            <a:ext cx="1912923" cy="400110"/>
           </a:xfrm>
           <a:prstGeom prst="rect">
             <a:avLst/>
@@ -12740,7 +13027,7 @@
           <a:p>
             <a:pPr algn="r"/>
             <a:r>
-              <a:rPr lang="de-DE" sz="1400" dirty="0" smtClean="0">
+              <a:rPr lang="de-DE" sz="1000" dirty="0" smtClean="0">
                 <a:solidFill>
                   <a:schemeClr val="bg1"/>
                 </a:solidFill>
@@ -12748,21 +13035,21 @@
               <a:t>[3], [16], [24,] [28],</a:t>
             </a:r>
             <a:br>
-              <a:rPr lang="de-DE" sz="1400" dirty="0" smtClean="0">
+              <a:rPr lang="de-DE" sz="1000" dirty="0" smtClean="0">
                 <a:solidFill>
                   <a:schemeClr val="bg1"/>
                 </a:solidFill>
               </a:rPr>
             </a:br>
             <a:r>
-              <a:rPr lang="de-DE" sz="1400" dirty="0" smtClean="0">
+              <a:rPr lang="de-DE" sz="1000" dirty="0" smtClean="0">
                 <a:solidFill>
                   <a:schemeClr val="bg1"/>
                 </a:solidFill>
               </a:rPr>
               <a:t>[34], [35], [36], [37]  </a:t>
             </a:r>
-            <a:endParaRPr lang="de-DE" sz="1400" dirty="0">
+            <a:endParaRPr lang="de-DE" sz="1000" dirty="0">
               <a:solidFill>
                 <a:schemeClr val="bg1"/>
               </a:solidFill>

--- a/KickOff-Praesentation/vorlage.pptx
+++ b/KickOff-Praesentation/vorlage.pptx
@@ -3237,7 +3237,7 @@
       </p:pic>
       <p:pic>
         <p:nvPicPr>
-          <p:cNvPr id="31755" name="Picture 11"/>
+          <p:cNvPr id="1027" name="Picture 3"/>
           <p:cNvPicPr>
             <a:picLocks noChangeAspect="1" noChangeArrowheads="1"/>
           </p:cNvPicPr>
@@ -3252,8 +3252,8 @@
         </p:blipFill>
         <p:spPr bwMode="auto">
           <a:xfrm>
-            <a:off x="6372200" y="188640"/>
-            <a:ext cx="1685048" cy="589979"/>
+            <a:off x="6690871" y="188640"/>
+            <a:ext cx="1409521" cy="504056"/>
           </a:xfrm>
           <a:prstGeom prst="rect">
             <a:avLst/>
@@ -3792,7 +3792,6 @@
               <a:rPr lang="de-DE" dirty="0" smtClean="0"/>
               <a:t>Zeitraum: 04.05 – 06.07.2012</a:t>
             </a:r>
-            <a:endParaRPr lang="de-DE" dirty="0" smtClean="0"/>
           </a:p>
           <a:p>
             <a:pPr lvl="2"/>
@@ -3812,7 +3811,6 @@
               <a:rPr lang="de-DE" dirty="0" smtClean="0"/>
               <a:t>	</a:t>
             </a:r>
-            <a:endParaRPr lang="de-DE" dirty="0" smtClean="0"/>
           </a:p>
           <a:p>
             <a:pPr lvl="2"/>
@@ -3822,11 +3820,7 @@
             </a:r>
             <a:r>
               <a:rPr lang="de-DE" dirty="0" smtClean="0"/>
-              <a:t>(2 Wochen, - 25.05): 	Webservice </a:t>
-            </a:r>
-            <a:r>
-              <a:rPr lang="de-DE" dirty="0" smtClean="0"/>
-              <a:t>(Anmelden, Listen, etc.)</a:t>
+              <a:t>(2 Wochen, - 25.05): 	Webservice (Anmelden, Listen, etc.)</a:t>
             </a:r>
           </a:p>
           <a:p>
@@ -3839,7 +3833,6 @@
               <a:rPr lang="de-DE" dirty="0" smtClean="0"/>
               <a:t> (2 Wochen, - 08.06): 	Taxierweiterung</a:t>
             </a:r>
-            <a:endParaRPr lang="de-DE" dirty="0" smtClean="0"/>
           </a:p>
           <a:p>
             <a:pPr lvl="2"/>
@@ -3868,11 +3861,7 @@
             </a:r>
             <a:r>
               <a:rPr lang="de-DE" dirty="0" smtClean="0"/>
-              <a:t> (2 Wochen, - 06.07):  	Optimierung </a:t>
-            </a:r>
-            <a:r>
-              <a:rPr lang="de-DE" dirty="0" smtClean="0"/>
-              <a:t>&amp; Optionale Features</a:t>
+              <a:t> (2 Wochen, - 06.07):  	Optimierung &amp; Optionale Features</a:t>
             </a:r>
           </a:p>
         </p:txBody>
@@ -4047,15 +4036,7 @@
                   <a:srgbClr val="FF0000"/>
                 </a:solidFill>
               </a:rPr>
-              <a:t>Lösungsansatz </a:t>
-            </a:r>
-            <a:r>
-              <a:rPr lang="de-DE" dirty="0" smtClean="0">
-                <a:solidFill>
-                  <a:srgbClr val="FF0000"/>
-                </a:solidFill>
-              </a:rPr>
-              <a:t>2</a:t>
+              <a:t>Lösungsansatz 2</a:t>
             </a:r>
           </a:p>
           <a:p>
@@ -4067,7 +4048,6 @@
               <a:rPr lang="de-DE" dirty="0" smtClean="0"/>
               <a:t>Diskussion</a:t>
             </a:r>
-            <a:endParaRPr lang="de-DE" dirty="0" smtClean="0"/>
           </a:p>
           <a:p>
             <a:endParaRPr lang="de-DE" dirty="0"/>
@@ -5166,13 +5146,8 @@
             <a:pPr lvl="1"/>
             <a:r>
               <a:rPr lang="de-DE" dirty="0" smtClean="0"/>
-              <a:t>Zeitraum: 04.05 – </a:t>
-            </a:r>
-            <a:r>
-              <a:rPr lang="de-DE" dirty="0" smtClean="0"/>
-              <a:t>06.07.2012</a:t>
-            </a:r>
-            <a:endParaRPr lang="de-DE" dirty="0" smtClean="0"/>
+              <a:t>Zeitraum: 04.05 – 06.07.2012</a:t>
+            </a:r>
           </a:p>
           <a:p>
             <a:pPr lvl="2"/>
@@ -5182,15 +5157,7 @@
             </a:r>
             <a:r>
               <a:rPr lang="de-DE" dirty="0" smtClean="0"/>
-              <a:t> (1 Woche, - 11.05</a:t>
-            </a:r>
-            <a:r>
-              <a:rPr lang="de-DE" dirty="0" smtClean="0"/>
-              <a:t>):		</a:t>
-            </a:r>
-            <a:r>
-              <a:rPr lang="de-DE" dirty="0" smtClean="0"/>
-              <a:t>Paper </a:t>
+              <a:t> (1 Woche, - 11.05):		Paper </a:t>
             </a:r>
             <a:r>
               <a:rPr lang="de-DE" dirty="0" err="1" smtClean="0"/>
@@ -5206,15 +5173,7 @@
             </a:r>
             <a:r>
               <a:rPr lang="de-DE" dirty="0" smtClean="0"/>
-              <a:t>(2 Wochen, - 25.05): </a:t>
-            </a:r>
-            <a:r>
-              <a:rPr lang="de-DE" dirty="0" smtClean="0"/>
-              <a:t>	Outlookexport </a:t>
-            </a:r>
-            <a:r>
-              <a:rPr lang="de-DE" dirty="0" smtClean="0"/>
-              <a:t>der Termine</a:t>
+              <a:t>(2 Wochen, - 25.05): 	Outlookexport der Termine</a:t>
             </a:r>
           </a:p>
           <a:p>
@@ -5225,15 +5184,7 @@
             </a:r>
             <a:r>
               <a:rPr lang="de-DE" dirty="0" smtClean="0"/>
-              <a:t> (2 Wochen, - 08.06): </a:t>
-            </a:r>
-            <a:r>
-              <a:rPr lang="de-DE" dirty="0" smtClean="0"/>
-              <a:t>	Basisversion </a:t>
-            </a:r>
-            <a:r>
-              <a:rPr lang="de-DE" dirty="0" smtClean="0"/>
-              <a:t>der </a:t>
+              <a:t> (2 Wochen, - 08.06): 	Basisversion der </a:t>
             </a:r>
             <a:r>
               <a:rPr lang="de-DE" dirty="0" err="1" smtClean="0"/>
@@ -5249,15 +5200,7 @@
             </a:r>
             <a:r>
               <a:rPr lang="de-DE" dirty="0" smtClean="0"/>
-              <a:t> (2 Wochen, - 22.06): </a:t>
-            </a:r>
-            <a:r>
-              <a:rPr lang="de-DE" dirty="0" smtClean="0"/>
-              <a:t>	Bugfixing</a:t>
-            </a:r>
-            <a:r>
-              <a:rPr lang="de-DE" dirty="0" smtClean="0"/>
-              <a:t>, Export nach Excel</a:t>
+              <a:t> (2 Wochen, - 22.06): 	Bugfixing, Export nach Excel</a:t>
             </a:r>
           </a:p>
           <a:p>
@@ -5268,15 +5211,7 @@
             </a:r>
             <a:r>
               <a:rPr lang="de-DE" dirty="0" smtClean="0"/>
-              <a:t> (2 Wochen, - 06.07): </a:t>
-            </a:r>
-            <a:r>
-              <a:rPr lang="de-DE" dirty="0" smtClean="0"/>
-              <a:t>	Optimierung </a:t>
-            </a:r>
-            <a:r>
-              <a:rPr lang="de-DE" dirty="0" smtClean="0"/>
-              <a:t>&amp; Optionale Features</a:t>
+              <a:t> (2 Wochen, - 06.07): 	Optimierung &amp; Optionale Features</a:t>
             </a:r>
           </a:p>
         </p:txBody>
@@ -9352,11 +9287,7 @@
             </a:pPr>
             <a:r>
               <a:rPr lang="de-DE" dirty="0" smtClean="0"/>
-              <a:t>Lösungsansatz </a:t>
-            </a:r>
-            <a:r>
-              <a:rPr lang="de-DE" dirty="0" smtClean="0"/>
-              <a:t>2</a:t>
+              <a:t>Lösungsansatz 2</a:t>
             </a:r>
           </a:p>
           <a:p>
@@ -9368,7 +9299,6 @@
               <a:rPr lang="de-DE" dirty="0" smtClean="0"/>
               <a:t>Diskussion</a:t>
             </a:r>
-            <a:endParaRPr lang="de-DE" dirty="0" smtClean="0"/>
           </a:p>
         </p:txBody>
       </p:sp>
@@ -10123,36 +10053,15 @@
             </a:pPr>
             <a:r>
               <a:rPr lang="de-DE" dirty="0" smtClean="0"/>
-              <a:t>	</a:t>
-            </a:r>
-            <a:r>
-              <a:rPr lang="de-DE" dirty="0" smtClean="0"/>
-              <a:t>geboren </a:t>
-            </a:r>
-            <a:r>
-              <a:rPr lang="de-DE" dirty="0" smtClean="0"/>
-              <a:t>in </a:t>
-            </a:r>
-            <a:r>
-              <a:rPr lang="de-DE" dirty="0" smtClean="0"/>
-              <a:t>Dortmund,</a:t>
+              <a:t>	geboren in Dortmund,</a:t>
             </a:r>
             <a:br>
               <a:rPr lang="de-DE" dirty="0" smtClean="0"/>
             </a:br>
             <a:r>
               <a:rPr lang="de-DE" dirty="0" smtClean="0"/>
-              <a:t>Eltern </a:t>
-            </a:r>
-            <a:r>
-              <a:rPr lang="de-DE" dirty="0" smtClean="0"/>
-              <a:t>aus der </a:t>
-            </a:r>
-            <a:r>
-              <a:rPr lang="de-DE" dirty="0" smtClean="0"/>
-              <a:t>Türkei</a:t>
-            </a:r>
-            <a:endParaRPr lang="de-DE" dirty="0" smtClean="0"/>
+              <a:t>Eltern aus der Türkei</a:t>
+            </a:r>
           </a:p>
           <a:p>
             <a:pPr lvl="3">
@@ -12205,11 +12114,7 @@
             </a:pPr>
             <a:r>
               <a:rPr lang="de-DE" dirty="0" smtClean="0"/>
-              <a:t>Lösungsansatz </a:t>
-            </a:r>
-            <a:r>
-              <a:rPr lang="de-DE" dirty="0" smtClean="0"/>
-              <a:t>2</a:t>
+              <a:t>Lösungsansatz 2</a:t>
             </a:r>
           </a:p>
           <a:p>
@@ -12221,7 +12126,6 @@
               <a:rPr lang="de-DE" dirty="0" smtClean="0"/>
               <a:t>Diskussion</a:t>
             </a:r>
-            <a:endParaRPr lang="de-DE" dirty="0" smtClean="0"/>
           </a:p>
           <a:p>
             <a:endParaRPr lang="de-DE" dirty="0"/>
